--- a/design/doc/2018-09-20草稿.pptx
+++ b/design/doc/2018-09-20草稿.pptx
@@ -5,27 +5,26 @@
     <p:sldMasterId id="2147483660" r:id="rId1"/>
   </p:sldMasterIdLst>
   <p:notesMasterIdLst>
-    <p:notesMasterId r:id="rId15"/>
+    <p:notesMasterId r:id="rId14"/>
   </p:notesMasterIdLst>
   <p:sldIdLst>
     <p:sldId id="282" r:id="rId2"/>
     <p:sldId id="266" r:id="rId3"/>
-    <p:sldId id="267" r:id="rId4"/>
-    <p:sldId id="268" r:id="rId5"/>
-    <p:sldId id="286" r:id="rId6"/>
-    <p:sldId id="284" r:id="rId7"/>
-    <p:sldId id="269" r:id="rId8"/>
-    <p:sldId id="275" r:id="rId9"/>
-    <p:sldId id="287" r:id="rId10"/>
-    <p:sldId id="288" r:id="rId11"/>
-    <p:sldId id="289" r:id="rId12"/>
-    <p:sldId id="291" r:id="rId13"/>
-    <p:sldId id="263" r:id="rId14"/>
+    <p:sldId id="268" r:id="rId4"/>
+    <p:sldId id="286" r:id="rId5"/>
+    <p:sldId id="284" r:id="rId6"/>
+    <p:sldId id="269" r:id="rId7"/>
+    <p:sldId id="275" r:id="rId8"/>
+    <p:sldId id="287" r:id="rId9"/>
+    <p:sldId id="288" r:id="rId10"/>
+    <p:sldId id="289" r:id="rId11"/>
+    <p:sldId id="291" r:id="rId12"/>
+    <p:sldId id="263" r:id="rId13"/>
   </p:sldIdLst>
   <p:sldSz cx="12192000" cy="6858000"/>
   <p:notesSz cx="6858000" cy="9144000"/>
   <p:custDataLst>
-    <p:tags r:id="rId16"/>
+    <p:tags r:id="rId15"/>
   </p:custDataLst>
   <p:defaultTextStyle>
     <a:defPPr>
@@ -124,7 +123,7 @@
   </p:defaultTextStyle>
   <p:extLst>
     <p:ext uri="{EFAFB233-063F-42B5-8137-9DF3F51BA10A}">
-      <p15:sldGuideLst xmlns="" xmlns:p15="http://schemas.microsoft.com/office/powerpoint/2012/main"/>
+      <p15:sldGuideLst xmlns:p15="http://schemas.microsoft.com/office/powerpoint/2012/main" xmlns=""/>
     </p:ext>
   </p:extLst>
 </p:presentation>
@@ -213,7 +212,7 @@
             <a:fld id="{C1DAF21E-AA1D-4678-9985-583FF147C867}" type="datetimeFigureOut">
               <a:rPr lang="zh-CN" altLang="en-US" smtClean="0"/>
               <a:pPr/>
-              <a:t>2018-9-17</a:t>
+              <a:t>2018/9/18</a:t>
             </a:fld>
             <a:endParaRPr lang="zh-CN" altLang="en-US"/>
           </a:p>
@@ -382,7 +381,7 @@
     </p:spTree>
     <p:extLst>
       <p:ext uri="{BB962C8B-B14F-4D97-AF65-F5344CB8AC3E}">
-        <p14:creationId xmlns="" xmlns:p14="http://schemas.microsoft.com/office/powerpoint/2010/main" val="3668839552"/>
+        <p14:creationId xmlns:p14="http://schemas.microsoft.com/office/powerpoint/2010/main" xmlns="" val="3668839552"/>
       </p:ext>
     </p:extLst>
   </p:cSld>
@@ -557,7 +556,7 @@
     </p:spTree>
     <p:extLst>
       <p:ext uri="{BB962C8B-B14F-4D97-AF65-F5344CB8AC3E}">
-        <p14:creationId xmlns="" xmlns:p14="http://schemas.microsoft.com/office/powerpoint/2010/main" val="1338507553"/>
+        <p14:creationId xmlns:p14="http://schemas.microsoft.com/office/powerpoint/2010/main" xmlns="" val="1338507553"/>
       </p:ext>
     </p:extLst>
   </p:cSld>
@@ -642,7 +641,7 @@
     </p:spTree>
     <p:extLst>
       <p:ext uri="{BB962C8B-B14F-4D97-AF65-F5344CB8AC3E}">
-        <p14:creationId xmlns="" xmlns:p14="http://schemas.microsoft.com/office/powerpoint/2010/main" val="3809611177"/>
+        <p14:creationId xmlns:p14="http://schemas.microsoft.com/office/powerpoint/2010/main" xmlns="" val="3809611177"/>
       </p:ext>
     </p:extLst>
   </p:cSld>
@@ -727,7 +726,7 @@
     </p:spTree>
     <p:extLst>
       <p:ext uri="{BB962C8B-B14F-4D97-AF65-F5344CB8AC3E}">
-        <p14:creationId xmlns="" xmlns:p14="http://schemas.microsoft.com/office/powerpoint/2010/main" val="3809611177"/>
+        <p14:creationId xmlns:p14="http://schemas.microsoft.com/office/powerpoint/2010/main" xmlns="" val="3809611177"/>
       </p:ext>
     </p:extLst>
   </p:cSld>
@@ -812,92 +811,7 @@
     </p:spTree>
     <p:extLst>
       <p:ext uri="{BB962C8B-B14F-4D97-AF65-F5344CB8AC3E}">
-        <p14:creationId xmlns="" xmlns:p14="http://schemas.microsoft.com/office/powerpoint/2010/main" val="3809611177"/>
-      </p:ext>
-    </p:extLst>
-  </p:cSld>
-  <p:clrMapOvr>
-    <a:masterClrMapping/>
-  </p:clrMapOvr>
-</p:notes>
-</file>
-
-<file path=ppt/notesSlides/notesSlide13.xml><?xml version="1.0" encoding="utf-8"?>
-<p:notes xmlns:a="http://schemas.openxmlformats.org/drawingml/2006/main" xmlns:r="http://schemas.openxmlformats.org/officeDocument/2006/relationships" xmlns:p="http://schemas.openxmlformats.org/presentationml/2006/main">
-  <p:cSld>
-    <p:spTree>
-      <p:nvGrpSpPr>
-        <p:cNvPr id="1" name=""/>
-        <p:cNvGrpSpPr/>
-        <p:nvPr/>
-      </p:nvGrpSpPr>
-      <p:grpSpPr>
-        <a:xfrm>
-          <a:off x="0" y="0"/>
-          <a:ext cx="0" cy="0"/>
-          <a:chOff x="0" y="0"/>
-          <a:chExt cx="0" cy="0"/>
-        </a:xfrm>
-      </p:grpSpPr>
-      <p:sp>
-        <p:nvSpPr>
-          <p:cNvPr id="2" name="幻灯片图像占位符 1"/>
-          <p:cNvSpPr>
-            <a:spLocks noGrp="1" noRot="1" noChangeAspect="1"/>
-          </p:cNvSpPr>
-          <p:nvPr>
-            <p:ph type="sldImg"/>
-          </p:nvPr>
-        </p:nvSpPr>
-        <p:spPr/>
-      </p:sp>
-      <p:sp>
-        <p:nvSpPr>
-          <p:cNvPr id="3" name="备注占位符 2"/>
-          <p:cNvSpPr>
-            <a:spLocks noGrp="1"/>
-          </p:cNvSpPr>
-          <p:nvPr>
-            <p:ph type="body" idx="1"/>
-          </p:nvPr>
-        </p:nvSpPr>
-        <p:spPr/>
-        <p:txBody>
-          <a:bodyPr/>
-          <a:lstStyle/>
-          <a:p>
-            <a:endParaRPr lang="zh-CN" altLang="en-US"/>
-          </a:p>
-        </p:txBody>
-      </p:sp>
-      <p:sp>
-        <p:nvSpPr>
-          <p:cNvPr id="4" name="灯片编号占位符 3"/>
-          <p:cNvSpPr>
-            <a:spLocks noGrp="1"/>
-          </p:cNvSpPr>
-          <p:nvPr>
-            <p:ph type="sldNum" sz="quarter" idx="10"/>
-          </p:nvPr>
-        </p:nvSpPr>
-        <p:spPr/>
-        <p:txBody>
-          <a:bodyPr/>
-          <a:lstStyle/>
-          <a:p>
-            <a:fld id="{8F7E13EF-56DF-477F-9799-2CC6E8A63DC6}" type="slidenum">
-              <a:rPr lang="zh-CN" altLang="en-US" smtClean="0"/>
-              <a:pPr/>
-              <a:t>13</a:t>
-            </a:fld>
-            <a:endParaRPr lang="zh-CN" altLang="en-US"/>
-          </a:p>
-        </p:txBody>
-      </p:sp>
-    </p:spTree>
-    <p:extLst>
-      <p:ext uri="{BB962C8B-B14F-4D97-AF65-F5344CB8AC3E}">
-        <p14:creationId xmlns="" xmlns:p14="http://schemas.microsoft.com/office/powerpoint/2010/main" val="3512645906"/>
+        <p14:creationId xmlns:p14="http://schemas.microsoft.com/office/powerpoint/2010/main" xmlns="" val="3512645906"/>
       </p:ext>
     </p:extLst>
   </p:cSld>
@@ -982,7 +896,7 @@
     </p:spTree>
     <p:extLst>
       <p:ext uri="{BB962C8B-B14F-4D97-AF65-F5344CB8AC3E}">
-        <p14:creationId xmlns="" xmlns:p14="http://schemas.microsoft.com/office/powerpoint/2010/main" val="1186547562"/>
+        <p14:creationId xmlns:p14="http://schemas.microsoft.com/office/powerpoint/2010/main" xmlns="" val="1186547562"/>
       </p:ext>
     </p:extLst>
   </p:cSld>
@@ -1067,7 +981,7 @@
     </p:spTree>
     <p:extLst>
       <p:ext uri="{BB962C8B-B14F-4D97-AF65-F5344CB8AC3E}">
-        <p14:creationId xmlns="" xmlns:p14="http://schemas.microsoft.com/office/powerpoint/2010/main" val="1017345377"/>
+        <p14:creationId xmlns:p14="http://schemas.microsoft.com/office/powerpoint/2010/main" xmlns="" val="1779644859"/>
       </p:ext>
     </p:extLst>
   </p:cSld>
@@ -1152,7 +1066,7 @@
     </p:spTree>
     <p:extLst>
       <p:ext uri="{BB962C8B-B14F-4D97-AF65-F5344CB8AC3E}">
-        <p14:creationId xmlns="" xmlns:p14="http://schemas.microsoft.com/office/powerpoint/2010/main" val="1779644859"/>
+        <p14:creationId xmlns:p14="http://schemas.microsoft.com/office/powerpoint/2010/main" xmlns="" val="1779644859"/>
       </p:ext>
     </p:extLst>
   </p:cSld>
@@ -1237,7 +1151,7 @@
     </p:spTree>
     <p:extLst>
       <p:ext uri="{BB962C8B-B14F-4D97-AF65-F5344CB8AC3E}">
-        <p14:creationId xmlns="" xmlns:p14="http://schemas.microsoft.com/office/powerpoint/2010/main" val="1779644859"/>
+        <p14:creationId xmlns:p14="http://schemas.microsoft.com/office/powerpoint/2010/main" xmlns="" val="1779644859"/>
       </p:ext>
     </p:extLst>
   </p:cSld>
@@ -1322,7 +1236,7 @@
     </p:spTree>
     <p:extLst>
       <p:ext uri="{BB962C8B-B14F-4D97-AF65-F5344CB8AC3E}">
-        <p14:creationId xmlns="" xmlns:p14="http://schemas.microsoft.com/office/powerpoint/2010/main" val="1779644859"/>
+        <p14:creationId xmlns:p14="http://schemas.microsoft.com/office/powerpoint/2010/main" xmlns="" val="3056646089"/>
       </p:ext>
     </p:extLst>
   </p:cSld>
@@ -1407,7 +1321,7 @@
     </p:spTree>
     <p:extLst>
       <p:ext uri="{BB962C8B-B14F-4D97-AF65-F5344CB8AC3E}">
-        <p14:creationId xmlns="" xmlns:p14="http://schemas.microsoft.com/office/powerpoint/2010/main" val="3056646089"/>
+        <p14:creationId xmlns:p14="http://schemas.microsoft.com/office/powerpoint/2010/main" xmlns="" val="3809611177"/>
       </p:ext>
     </p:extLst>
   </p:cSld>
@@ -1492,7 +1406,7 @@
     </p:spTree>
     <p:extLst>
       <p:ext uri="{BB962C8B-B14F-4D97-AF65-F5344CB8AC3E}">
-        <p14:creationId xmlns="" xmlns:p14="http://schemas.microsoft.com/office/powerpoint/2010/main" val="3809611177"/>
+        <p14:creationId xmlns:p14="http://schemas.microsoft.com/office/powerpoint/2010/main" xmlns="" val="3809611177"/>
       </p:ext>
     </p:extLst>
   </p:cSld>
@@ -1577,7 +1491,7 @@
     </p:spTree>
     <p:extLst>
       <p:ext uri="{BB962C8B-B14F-4D97-AF65-F5344CB8AC3E}">
-        <p14:creationId xmlns="" xmlns:p14="http://schemas.microsoft.com/office/powerpoint/2010/main" val="3809611177"/>
+        <p14:creationId xmlns:p14="http://schemas.microsoft.com/office/powerpoint/2010/main" xmlns="" val="3809611177"/>
       </p:ext>
     </p:extLst>
   </p:cSld>
@@ -1607,7 +1521,7 @@
     </p:spTree>
     <p:extLst>
       <p:ext uri="{BB962C8B-B14F-4D97-AF65-F5344CB8AC3E}">
-        <p14:creationId xmlns="" xmlns:p14="http://schemas.microsoft.com/office/powerpoint/2010/main" val="2939545236"/>
+        <p14:creationId xmlns:p14="http://schemas.microsoft.com/office/powerpoint/2010/main" xmlns="" val="2939545236"/>
       </p:ext>
     </p:extLst>
   </p:cSld>
@@ -1644,7 +1558,7 @@
     </p:spTree>
     <p:extLst>
       <p:ext uri="{BB962C8B-B14F-4D97-AF65-F5344CB8AC3E}">
-        <p14:creationId xmlns="" xmlns:p14="http://schemas.microsoft.com/office/powerpoint/2010/main" val="4164331960"/>
+        <p14:creationId xmlns:p14="http://schemas.microsoft.com/office/powerpoint/2010/main" xmlns="" val="4164331960"/>
       </p:ext>
     </p:extLst>
   </p:cSld>
@@ -1945,7 +1859,7 @@
     </p:spTree>
     <p:extLst>
       <p:ext uri="{BB962C8B-B14F-4D97-AF65-F5344CB8AC3E}">
-        <p14:creationId xmlns="" xmlns:p14="http://schemas.microsoft.com/office/powerpoint/2010/main" val="137150532"/>
+        <p14:creationId xmlns:p14="http://schemas.microsoft.com/office/powerpoint/2010/main" xmlns="" val="137150532"/>
       </p:ext>
     </p:extLst>
   </p:cSld>
@@ -2342,7 +2256,7 @@
     </p:spTree>
     <p:extLst>
       <p:ext uri="{BB962C8B-B14F-4D97-AF65-F5344CB8AC3E}">
-        <p14:creationId xmlns="" xmlns:p14="http://schemas.microsoft.com/office/powerpoint/2010/main" val="610095288"/>
+        <p14:creationId xmlns:p14="http://schemas.microsoft.com/office/powerpoint/2010/main" xmlns="" val="610095288"/>
       </p:ext>
     </p:extLst>
   </p:cSld>
@@ -2595,7 +2509,7 @@
     </p:spTree>
     <p:extLst>
       <p:ext uri="{BB962C8B-B14F-4D97-AF65-F5344CB8AC3E}">
-        <p14:creationId xmlns="" xmlns:p14="http://schemas.microsoft.com/office/powerpoint/2010/main" val="1625796334"/>
+        <p14:creationId xmlns:p14="http://schemas.microsoft.com/office/powerpoint/2010/main" xmlns="" val="1625796334"/>
       </p:ext>
     </p:extLst>
   </p:cSld>
@@ -2704,7 +2618,7 @@
     </p:spTree>
     <p:extLst>
       <p:ext uri="{BB962C8B-B14F-4D97-AF65-F5344CB8AC3E}">
-        <p14:creationId xmlns="" xmlns:p14="http://schemas.microsoft.com/office/powerpoint/2010/main" val="3413687735"/>
+        <p14:creationId xmlns:p14="http://schemas.microsoft.com/office/powerpoint/2010/main" xmlns="" val="3413687735"/>
       </p:ext>
     </p:extLst>
   </p:cSld>
@@ -2885,7 +2799,7 @@
     </p:spTree>
     <p:extLst>
       <p:ext uri="{BB962C8B-B14F-4D97-AF65-F5344CB8AC3E}">
-        <p14:creationId xmlns="" xmlns:p14="http://schemas.microsoft.com/office/powerpoint/2010/main" val="1678586501"/>
+        <p14:creationId xmlns:p14="http://schemas.microsoft.com/office/powerpoint/2010/main" xmlns="" val="1678586501"/>
       </p:ext>
     </p:extLst>
   </p:cSld>
@@ -3117,7 +3031,7 @@
     </p:spTree>
     <p:extLst>
       <p:ext uri="{BB962C8B-B14F-4D97-AF65-F5344CB8AC3E}">
-        <p14:creationId xmlns="" xmlns:p14="http://schemas.microsoft.com/office/powerpoint/2010/main" val="3197070546"/>
+        <p14:creationId xmlns:p14="http://schemas.microsoft.com/office/powerpoint/2010/main" xmlns="" val="3197070546"/>
       </p:ext>
     </p:extLst>
   </p:cSld>
@@ -3159,7 +3073,7 @@
     </p:spTree>
     <p:extLst>
       <p:ext uri="{BB962C8B-B14F-4D97-AF65-F5344CB8AC3E}">
-        <p14:creationId xmlns="" xmlns:p14="http://schemas.microsoft.com/office/powerpoint/2010/main" val="1581037467"/>
+        <p14:creationId xmlns:p14="http://schemas.microsoft.com/office/powerpoint/2010/main" xmlns="" val="1581037467"/>
       </p:ext>
     </p:extLst>
   </p:cSld>
@@ -3463,7 +3377,7 @@
   </p:txStyles>
   <p:extLst mod="1">
     <p:ext uri="{27BBF7A9-308A-43DC-89C8-2F10F3537804}">
-      <p15:sldGuideLst xmlns="" xmlns:p15="http://schemas.microsoft.com/office/powerpoint/2012/main"/>
+      <p15:sldGuideLst xmlns:p15="http://schemas.microsoft.com/office/powerpoint/2012/main" xmlns=""/>
     </p:ext>
   </p:extLst>
 </p:sldMaster>
@@ -3852,7 +3766,7 @@
     </p:spTree>
     <p:extLst>
       <p:ext uri="{BB962C8B-B14F-4D97-AF65-F5344CB8AC3E}">
-        <p14:creationId xmlns="" xmlns:p14="http://schemas.microsoft.com/office/powerpoint/2010/main" val="517217651"/>
+        <p14:creationId xmlns:p14="http://schemas.microsoft.com/office/powerpoint/2010/main" xmlns="" val="517217651"/>
       </p:ext>
     </p:extLst>
   </p:cSld>
@@ -3860,7 +3774,7 @@
     <a:masterClrMapping/>
   </p:clrMapOvr>
   <mc:AlternateContent xmlns:mc="http://schemas.openxmlformats.org/markup-compatibility/2006">
-    <mc:Choice xmlns="" xmlns:p14="http://schemas.microsoft.com/office/powerpoint/2010/main" Requires="p14">
+    <mc:Choice xmlns:p14="http://schemas.microsoft.com/office/powerpoint/2010/main" xmlns="" Requires="p14">
       <p:transition spd="slow" p14:dur="1400">
         <p14:ripple/>
       </p:transition>
@@ -4437,7 +4351,7 @@
               <a:rPr lang="zh-CN" altLang="en-US" sz="3200" dirty="0" smtClean="0">
                 <a:latin typeface="Agency FB" panose="020B0503020202020204" pitchFamily="34" charset="0"/>
               </a:rPr>
-              <a:t>授信处理时序图</a:t>
+              <a:t>贷款申请时序图</a:t>
             </a:r>
             <a:endParaRPr lang="zh-CN" altLang="en-US" sz="3200" dirty="0">
               <a:latin typeface="Agency FB" panose="020B0503020202020204" pitchFamily="34" charset="0"/>
@@ -4447,14 +4361,14 @@
       </p:sp>
       <p:pic>
         <p:nvPicPr>
-          <p:cNvPr id="4098" name="Picture 2"/>
+          <p:cNvPr id="5123" name="Picture 3"/>
           <p:cNvPicPr>
             <a:picLocks noChangeAspect="1" noChangeArrowheads="1"/>
           </p:cNvPicPr>
           <p:nvPr/>
         </p:nvPicPr>
         <p:blipFill>
-          <a:blip r:embed="rId4"/>
+          <a:blip r:embed="rId4" cstate="print"/>
           <a:srcRect/>
           <a:stretch>
             <a:fillRect/>
@@ -4462,8 +4376,8 @@
         </p:blipFill>
         <p:spPr bwMode="auto">
           <a:xfrm>
-            <a:off x="119857" y="962025"/>
-            <a:ext cx="11952287" cy="5895975"/>
+            <a:off x="180975" y="1081454"/>
+            <a:ext cx="11828463" cy="5776546"/>
           </a:xfrm>
           <a:prstGeom prst="rect">
             <a:avLst/>
@@ -4484,7 +4398,7 @@
     </p:custDataLst>
     <p:extLst>
       <p:ext uri="{BB962C8B-B14F-4D97-AF65-F5344CB8AC3E}">
-        <p14:creationId xmlns="" xmlns:p14="http://schemas.microsoft.com/office/powerpoint/2010/main" val="1981112831"/>
+        <p14:creationId xmlns:p14="http://schemas.microsoft.com/office/powerpoint/2010/main" xmlns="" val="1981112831"/>
       </p:ext>
     </p:extLst>
   </p:cSld>
@@ -4492,7 +4406,7 @@
     <a:masterClrMapping/>
   </p:clrMapOvr>
   <mc:AlternateContent xmlns:mc="http://schemas.openxmlformats.org/markup-compatibility/2006">
-    <mc:Choice xmlns="" xmlns:p14="http://schemas.microsoft.com/office/powerpoint/2010/main" Requires="p14">
+    <mc:Choice xmlns:p14="http://schemas.microsoft.com/office/powerpoint/2010/main" xmlns="" Requires="p14">
       <p:transition spd="slow" p14:dur="1500">
         <p:random/>
       </p:transition>
@@ -4643,212 +4557,6 @@
               <a:rPr lang="zh-CN" altLang="en-US" sz="3200" dirty="0" smtClean="0">
                 <a:latin typeface="Agency FB" panose="020B0503020202020204" pitchFamily="34" charset="0"/>
               </a:rPr>
-              <a:t>贷款申请时序图</a:t>
-            </a:r>
-            <a:endParaRPr lang="zh-CN" altLang="en-US" sz="3200" dirty="0">
-              <a:latin typeface="Agency FB" panose="020B0503020202020204" pitchFamily="34" charset="0"/>
-            </a:endParaRPr>
-          </a:p>
-        </p:txBody>
-      </p:sp>
-      <p:pic>
-        <p:nvPicPr>
-          <p:cNvPr id="5123" name="Picture 3"/>
-          <p:cNvPicPr>
-            <a:picLocks noChangeAspect="1" noChangeArrowheads="1"/>
-          </p:cNvPicPr>
-          <p:nvPr/>
-        </p:nvPicPr>
-        <p:blipFill>
-          <a:blip r:embed="rId4"/>
-          <a:srcRect/>
-          <a:stretch>
-            <a:fillRect/>
-          </a:stretch>
-        </p:blipFill>
-        <p:spPr bwMode="auto">
-          <a:xfrm>
-            <a:off x="180975" y="1081454"/>
-            <a:ext cx="11828463" cy="5776546"/>
-          </a:xfrm>
-          <a:prstGeom prst="rect">
-            <a:avLst/>
-          </a:prstGeom>
-          <a:noFill/>
-          <a:ln w="9525">
-            <a:noFill/>
-            <a:miter lim="800000"/>
-            <a:headEnd/>
-            <a:tailEnd/>
-          </a:ln>
-          <a:effectLst/>
-        </p:spPr>
-      </p:pic>
-    </p:spTree>
-    <p:custDataLst>
-      <p:tags r:id="rId1"/>
-    </p:custDataLst>
-    <p:extLst>
-      <p:ext uri="{BB962C8B-B14F-4D97-AF65-F5344CB8AC3E}">
-        <p14:creationId xmlns="" xmlns:p14="http://schemas.microsoft.com/office/powerpoint/2010/main" val="1981112831"/>
-      </p:ext>
-    </p:extLst>
-  </p:cSld>
-  <p:clrMapOvr>
-    <a:masterClrMapping/>
-  </p:clrMapOvr>
-  <mc:AlternateContent xmlns:mc="http://schemas.openxmlformats.org/markup-compatibility/2006">
-    <mc:Choice xmlns="" xmlns:p14="http://schemas.microsoft.com/office/powerpoint/2010/main" Requires="p14">
-      <p:transition spd="slow" p14:dur="1500">
-        <p:random/>
-      </p:transition>
-    </mc:Choice>
-    <mc:Fallback>
-      <p:transition spd="slow">
-        <p:random/>
-      </p:transition>
-    </mc:Fallback>
-  </mc:AlternateContent>
-  <p:timing>
-    <p:tnLst>
-      <p:par>
-        <p:cTn id="1" dur="indefinite" restart="never" nodeType="tmRoot"/>
-      </p:par>
-    </p:tnLst>
-  </p:timing>
-</p:sld>
-</file>
-
-<file path=ppt/slides/slide12.xml><?xml version="1.0" encoding="utf-8"?>
-<p:sld xmlns:a="http://schemas.openxmlformats.org/drawingml/2006/main" xmlns:r="http://schemas.openxmlformats.org/officeDocument/2006/relationships" xmlns:p="http://schemas.openxmlformats.org/presentationml/2006/main">
-  <p:cSld>
-    <p:spTree>
-      <p:nvGrpSpPr>
-        <p:cNvPr id="1" name=""/>
-        <p:cNvGrpSpPr/>
-        <p:nvPr/>
-      </p:nvGrpSpPr>
-      <p:grpSpPr>
-        <a:xfrm>
-          <a:off x="0" y="0"/>
-          <a:ext cx="0" cy="0"/>
-          <a:chOff x="0" y="0"/>
-          <a:chExt cx="0" cy="0"/>
-        </a:xfrm>
-      </p:grpSpPr>
-      <p:cxnSp>
-        <p:nvCxnSpPr>
-          <p:cNvPr id="28" name="直接连接符 27"/>
-          <p:cNvCxnSpPr>
-            <a:endCxn id="30" idx="1"/>
-          </p:cNvCxnSpPr>
-          <p:nvPr/>
-        </p:nvCxnSpPr>
-        <p:spPr>
-          <a:xfrm>
-            <a:off x="0" y="635000"/>
-            <a:ext cx="4567376" cy="2680"/>
-          </a:xfrm>
-          <a:prstGeom prst="line">
-            <a:avLst/>
-          </a:prstGeom>
-          <a:ln>
-            <a:solidFill>
-              <a:schemeClr val="bg1">
-                <a:lumMod val="65000"/>
-              </a:schemeClr>
-            </a:solidFill>
-            <a:tailEnd type="oval"/>
-          </a:ln>
-        </p:spPr>
-        <p:style>
-          <a:lnRef idx="1">
-            <a:schemeClr val="accent1"/>
-          </a:lnRef>
-          <a:fillRef idx="0">
-            <a:schemeClr val="accent1"/>
-          </a:fillRef>
-          <a:effectRef idx="0">
-            <a:schemeClr val="accent1"/>
-          </a:effectRef>
-          <a:fontRef idx="minor">
-            <a:schemeClr val="tx1"/>
-          </a:fontRef>
-        </p:style>
-      </p:cxnSp>
-      <p:cxnSp>
-        <p:nvCxnSpPr>
-          <p:cNvPr id="29" name="直接连接符 28"/>
-          <p:cNvCxnSpPr>
-            <a:stCxn id="30" idx="3"/>
-          </p:cNvCxnSpPr>
-          <p:nvPr/>
-        </p:nvCxnSpPr>
-        <p:spPr>
-          <a:xfrm flipV="1">
-            <a:off x="7624624" y="635000"/>
-            <a:ext cx="4567376" cy="2680"/>
-          </a:xfrm>
-          <a:prstGeom prst="line">
-            <a:avLst/>
-          </a:prstGeom>
-          <a:ln>
-            <a:solidFill>
-              <a:schemeClr val="bg1">
-                <a:lumMod val="65000"/>
-              </a:schemeClr>
-            </a:solidFill>
-            <a:headEnd type="oval"/>
-            <a:tailEnd type="none"/>
-          </a:ln>
-        </p:spPr>
-        <p:style>
-          <a:lnRef idx="1">
-            <a:schemeClr val="accent1"/>
-          </a:lnRef>
-          <a:fillRef idx="0">
-            <a:schemeClr val="accent1"/>
-          </a:fillRef>
-          <a:effectRef idx="0">
-            <a:schemeClr val="accent1"/>
-          </a:effectRef>
-          <a:fontRef idx="minor">
-            <a:schemeClr val="tx1"/>
-          </a:fontRef>
-        </p:style>
-      </p:cxnSp>
-      <p:sp>
-        <p:nvSpPr>
-          <p:cNvPr id="30" name="文本框 29"/>
-          <p:cNvSpPr txBox="1"/>
-          <p:nvPr/>
-        </p:nvSpPr>
-        <p:spPr>
-          <a:xfrm>
-            <a:off x="4567376" y="345292"/>
-            <a:ext cx="3057248" cy="584775"/>
-          </a:xfrm>
-          <a:prstGeom prst="rect">
-            <a:avLst/>
-          </a:prstGeom>
-          <a:noFill/>
-        </p:spPr>
-        <p:txBody>
-          <a:bodyPr wrap="none" rtlCol="0">
-            <a:spAutoFit/>
-            <a:scene3d>
-              <a:camera prst="orthographicFront"/>
-              <a:lightRig rig="threePt" dir="t"/>
-            </a:scene3d>
-            <a:sp3d contourW="12700"/>
-          </a:bodyPr>
-          <a:lstStyle/>
-          <a:p>
-            <a:pPr algn="ctr"/>
-            <a:r>
-              <a:rPr lang="zh-CN" altLang="en-US" sz="3200" dirty="0" smtClean="0">
-                <a:latin typeface="Agency FB" panose="020B0503020202020204" pitchFamily="34" charset="0"/>
-              </a:rPr>
               <a:t>贷款处理时序图</a:t>
             </a:r>
             <a:endParaRPr lang="zh-CN" altLang="en-US" sz="3200" dirty="0">
@@ -4866,7 +4574,7 @@
           <p:nvPr/>
         </p:nvPicPr>
         <p:blipFill>
-          <a:blip r:embed="rId4"/>
+          <a:blip r:embed="rId4" cstate="print"/>
           <a:srcRect/>
           <a:stretch>
             <a:fillRect/>
@@ -4896,7 +4604,7 @@
     </p:custDataLst>
     <p:extLst>
       <p:ext uri="{BB962C8B-B14F-4D97-AF65-F5344CB8AC3E}">
-        <p14:creationId xmlns="" xmlns:p14="http://schemas.microsoft.com/office/powerpoint/2010/main" val="1981112831"/>
+        <p14:creationId xmlns:p14="http://schemas.microsoft.com/office/powerpoint/2010/main" xmlns="" val="1981112831"/>
       </p:ext>
     </p:extLst>
   </p:cSld>
@@ -4904,7 +4612,7 @@
     <a:masterClrMapping/>
   </p:clrMapOvr>
   <mc:AlternateContent xmlns:mc="http://schemas.openxmlformats.org/markup-compatibility/2006">
-    <mc:Choice xmlns="" xmlns:p14="http://schemas.microsoft.com/office/powerpoint/2010/main" Requires="p14">
+    <mc:Choice xmlns:p14="http://schemas.microsoft.com/office/powerpoint/2010/main" xmlns="" Requires="p14">
       <p:transition spd="slow" p14:dur="1500">
         <p:random/>
       </p:transition>
@@ -4925,7 +4633,7 @@
 </p:sld>
 </file>
 
-<file path=ppt/slides/slide13.xml><?xml version="1.0" encoding="utf-8"?>
+<file path=ppt/slides/slide12.xml><?xml version="1.0" encoding="utf-8"?>
 <p:sld xmlns:a="http://schemas.openxmlformats.org/drawingml/2006/main" xmlns:r="http://schemas.openxmlformats.org/officeDocument/2006/relationships" xmlns:p="http://schemas.openxmlformats.org/presentationml/2006/main">
   <p:cSld>
     <p:spTree>
@@ -5308,7 +5016,7 @@
     </p:spTree>
     <p:extLst>
       <p:ext uri="{BB962C8B-B14F-4D97-AF65-F5344CB8AC3E}">
-        <p14:creationId xmlns="" xmlns:p14="http://schemas.microsoft.com/office/powerpoint/2010/main" val="888636050"/>
+        <p14:creationId xmlns:p14="http://schemas.microsoft.com/office/powerpoint/2010/main" xmlns="" val="888636050"/>
       </p:ext>
     </p:extLst>
   </p:cSld>
@@ -5316,7 +5024,7 @@
     <a:masterClrMapping/>
   </p:clrMapOvr>
   <mc:AlternateContent xmlns:mc="http://schemas.openxmlformats.org/markup-compatibility/2006">
-    <mc:Choice xmlns="" xmlns:p14="http://schemas.microsoft.com/office/powerpoint/2010/main" Requires="p14">
+    <mc:Choice xmlns:p14="http://schemas.microsoft.com/office/powerpoint/2010/main" xmlns="" Requires="p14">
       <p:transition spd="slow" p14:dur="1500">
         <p:random/>
       </p:transition>
@@ -6914,23 +6622,7 @@
                 </a:r>
                 <a:r>
                   <a:rPr lang="zh-CN" altLang="en-US" sz="1100" dirty="0" smtClean="0"/>
-                  <a:t>对</a:t>
-                </a:r>
-                <a:r>
-                  <a:rPr lang="zh-CN" altLang="en-US" sz="1100" dirty="0" smtClean="0"/>
-                  <a:t>客户</a:t>
-                </a:r>
-                <a:r>
-                  <a:rPr lang="zh-CN" altLang="en-US" sz="1100" dirty="0" smtClean="0"/>
-                  <a:t>贷款</a:t>
-                </a:r>
-                <a:r>
-                  <a:rPr lang="zh-CN" altLang="en-US" sz="1100" dirty="0" smtClean="0"/>
-                  <a:t>申请</a:t>
-                </a:r>
-                <a:r>
-                  <a:rPr lang="zh-CN" altLang="en-US" sz="1100" dirty="0" smtClean="0"/>
-                  <a:t>进行审批。</a:t>
+                  <a:t>对客户贷款申请进行审批。</a:t>
                 </a:r>
                 <a:endParaRPr lang="zh-CN" altLang="en-US" sz="1100" dirty="0">
                   <a:solidFill>
@@ -9206,7 +8898,7 @@
     </p:custDataLst>
     <p:extLst>
       <p:ext uri="{BB962C8B-B14F-4D97-AF65-F5344CB8AC3E}">
-        <p14:creationId xmlns="" xmlns:p14="http://schemas.microsoft.com/office/powerpoint/2010/main" val="758362457"/>
+        <p14:creationId xmlns:p14="http://schemas.microsoft.com/office/powerpoint/2010/main" xmlns="" val="758362457"/>
       </p:ext>
     </p:extLst>
   </p:cSld>
@@ -9214,7 +8906,7 @@
     <a:masterClrMapping/>
   </p:clrMapOvr>
   <mc:AlternateContent xmlns:mc="http://schemas.openxmlformats.org/markup-compatibility/2006">
-    <mc:Choice xmlns="" xmlns:p14="http://schemas.microsoft.com/office/powerpoint/2010/main" Requires="p14">
+    <mc:Choice xmlns:p14="http://schemas.microsoft.com/office/powerpoint/2010/main" xmlns="" Requires="p14">
       <p:transition spd="slow" p14:dur="1500">
         <p:random/>
       </p:transition>
@@ -9490,14 +9182,14 @@
       </p:grpSpPr>
       <p:cxnSp>
         <p:nvCxnSpPr>
-          <p:cNvPr id="32" name="直接连接符 31"/>
+          <p:cNvPr id="41" name="直接连接符 40"/>
           <p:cNvCxnSpPr/>
           <p:nvPr/>
         </p:nvCxnSpPr>
         <p:spPr>
           <a:xfrm flipV="1">
-            <a:off x="0" y="633046"/>
-            <a:ext cx="5108331" cy="1954"/>
+            <a:off x="0" y="624254"/>
+            <a:ext cx="4317023" cy="10746"/>
           </a:xfrm>
           <a:prstGeom prst="line">
             <a:avLst/>
@@ -9528,14 +9220,16 @@
       </p:cxnSp>
       <p:cxnSp>
         <p:nvCxnSpPr>
-          <p:cNvPr id="33" name="直接连接符 32"/>
-          <p:cNvCxnSpPr/>
+          <p:cNvPr id="42" name="直接连接符 41"/>
+          <p:cNvCxnSpPr>
+            <a:stCxn id="43" idx="3"/>
+          </p:cNvCxnSpPr>
           <p:nvPr/>
         </p:nvCxnSpPr>
         <p:spPr>
-          <a:xfrm>
-            <a:off x="7042638" y="624254"/>
-            <a:ext cx="5149362" cy="10746"/>
+          <a:xfrm flipV="1">
+            <a:off x="7829808" y="635000"/>
+            <a:ext cx="4362192" cy="2680"/>
           </a:xfrm>
           <a:prstGeom prst="line">
             <a:avLst/>
@@ -9567,14 +9261,14 @@
       </p:cxnSp>
       <p:sp>
         <p:nvSpPr>
-          <p:cNvPr id="34" name="文本框 33"/>
+          <p:cNvPr id="43" name="文本框 42"/>
           <p:cNvSpPr txBox="1"/>
           <p:nvPr/>
         </p:nvSpPr>
         <p:spPr>
           <a:xfrm>
-            <a:off x="5182929" y="345292"/>
-            <a:ext cx="1826142" cy="584775"/>
+            <a:off x="4362192" y="345292"/>
+            <a:ext cx="3467616" cy="584775"/>
           </a:xfrm>
           <a:prstGeom prst="rect">
             <a:avLst/>
@@ -9597,7 +9291,13 @@
               <a:rPr lang="zh-CN" altLang="en-US" sz="3200" dirty="0" smtClean="0">
                 <a:latin typeface="Agency FB" panose="020B0503020202020204" pitchFamily="34" charset="0"/>
               </a:rPr>
-              <a:t>数据流转</a:t>
+              <a:t>老架构存在</a:t>
+            </a:r>
+            <a:r>
+              <a:rPr lang="zh-CN" altLang="en-US" sz="3200" dirty="0" smtClean="0">
+                <a:latin typeface="Agency FB" panose="020B0503020202020204" pitchFamily="34" charset="0"/>
+              </a:rPr>
+              <a:t>的痛点</a:t>
             </a:r>
             <a:endParaRPr lang="zh-CN" altLang="en-US" sz="3200" dirty="0">
               <a:latin typeface="Agency FB" panose="020B0503020202020204" pitchFamily="34" charset="0"/>
@@ -9607,670 +9307,589 @@
       </p:sp>
       <p:sp>
         <p:nvSpPr>
-          <p:cNvPr id="31" name="椭圆 30"/>
-          <p:cNvSpPr/>
+          <p:cNvPr id="29" name="TextBox 28"/>
+          <p:cNvSpPr txBox="1"/>
           <p:nvPr/>
         </p:nvSpPr>
         <p:spPr>
           <a:xfrm>
-            <a:off x="764932" y="2567369"/>
-            <a:ext cx="914400" cy="914400"/>
-          </a:xfrm>
-          <a:prstGeom prst="ellipse">
-            <a:avLst/>
-          </a:prstGeom>
-        </p:spPr>
-        <p:style>
-          <a:lnRef idx="2">
-            <a:schemeClr val="accent1">
-              <a:shade val="50000"/>
-            </a:schemeClr>
-          </a:lnRef>
-          <a:fillRef idx="1">
-            <a:schemeClr val="accent1"/>
-          </a:fillRef>
-          <a:effectRef idx="0">
-            <a:schemeClr val="accent1"/>
-          </a:effectRef>
-          <a:fontRef idx="minor">
-            <a:schemeClr val="lt1"/>
-          </a:fontRef>
-        </p:style>
-        <p:txBody>
-          <a:bodyPr rtlCol="0" anchor="ctr"/>
-          <a:lstStyle/>
-          <a:p>
-            <a:pPr algn="ctr"/>
-            <a:r>
-              <a:rPr lang="zh-CN" altLang="en-US" dirty="0" smtClean="0"/>
-              <a:t>信贷产品</a:t>
-            </a:r>
-            <a:endParaRPr lang="zh-CN" altLang="en-US" dirty="0"/>
-          </a:p>
-        </p:txBody>
-      </p:sp>
-      <p:sp>
-        <p:nvSpPr>
-          <p:cNvPr id="59" name="椭圆 58"/>
-          <p:cNvSpPr/>
-          <p:nvPr/>
-        </p:nvSpPr>
-        <p:spPr>
-          <a:xfrm>
-            <a:off x="2202265" y="2567369"/>
-            <a:ext cx="914400" cy="914400"/>
-          </a:xfrm>
-          <a:prstGeom prst="ellipse">
-            <a:avLst/>
-          </a:prstGeom>
-        </p:spPr>
-        <p:style>
-          <a:lnRef idx="2">
-            <a:schemeClr val="accent1">
-              <a:shade val="50000"/>
-            </a:schemeClr>
-          </a:lnRef>
-          <a:fillRef idx="1">
-            <a:schemeClr val="accent1"/>
-          </a:fillRef>
-          <a:effectRef idx="0">
-            <a:schemeClr val="accent1"/>
-          </a:effectRef>
-          <a:fontRef idx="minor">
-            <a:schemeClr val="lt1"/>
-          </a:fontRef>
-        </p:style>
-        <p:txBody>
-          <a:bodyPr rtlCol="0" anchor="ctr"/>
-          <a:lstStyle/>
-          <a:p>
-            <a:pPr algn="ctr"/>
-            <a:r>
-              <a:rPr lang="zh-CN" altLang="en-US" dirty="0" smtClean="0"/>
-              <a:t>授信流程</a:t>
-            </a:r>
-            <a:endParaRPr lang="zh-CN" altLang="en-US" dirty="0"/>
-          </a:p>
-        </p:txBody>
-      </p:sp>
-      <p:sp>
-        <p:nvSpPr>
-          <p:cNvPr id="60" name="椭圆 59"/>
-          <p:cNvSpPr/>
-          <p:nvPr/>
-        </p:nvSpPr>
-        <p:spPr>
-          <a:xfrm>
-            <a:off x="3639598" y="2567369"/>
-            <a:ext cx="914400" cy="914400"/>
-          </a:xfrm>
-          <a:prstGeom prst="ellipse">
-            <a:avLst/>
-          </a:prstGeom>
-        </p:spPr>
-        <p:style>
-          <a:lnRef idx="2">
-            <a:schemeClr val="accent1">
-              <a:shade val="50000"/>
-            </a:schemeClr>
-          </a:lnRef>
-          <a:fillRef idx="1">
-            <a:schemeClr val="accent1"/>
-          </a:fillRef>
-          <a:effectRef idx="0">
-            <a:schemeClr val="accent1"/>
-          </a:effectRef>
-          <a:fontRef idx="minor">
-            <a:schemeClr val="lt1"/>
-          </a:fontRef>
-        </p:style>
-        <p:txBody>
-          <a:bodyPr rtlCol="0" anchor="ctr"/>
-          <a:lstStyle/>
-          <a:p>
-            <a:pPr algn="ctr"/>
-            <a:r>
-              <a:rPr lang="zh-CN" altLang="en-US" dirty="0" smtClean="0"/>
-              <a:t>授信合同</a:t>
-            </a:r>
-            <a:endParaRPr lang="zh-CN" altLang="en-US" dirty="0"/>
-          </a:p>
-        </p:txBody>
-      </p:sp>
-      <p:sp>
-        <p:nvSpPr>
-          <p:cNvPr id="61" name="椭圆 60"/>
-          <p:cNvSpPr/>
-          <p:nvPr/>
-        </p:nvSpPr>
-        <p:spPr>
-          <a:xfrm>
-            <a:off x="5076931" y="2567369"/>
-            <a:ext cx="914400" cy="914400"/>
-          </a:xfrm>
-          <a:prstGeom prst="ellipse">
-            <a:avLst/>
-          </a:prstGeom>
-        </p:spPr>
-        <p:style>
-          <a:lnRef idx="2">
-            <a:schemeClr val="accent1">
-              <a:shade val="50000"/>
-            </a:schemeClr>
-          </a:lnRef>
-          <a:fillRef idx="1">
-            <a:schemeClr val="accent1"/>
-          </a:fillRef>
-          <a:effectRef idx="0">
-            <a:schemeClr val="accent1"/>
-          </a:effectRef>
-          <a:fontRef idx="minor">
-            <a:schemeClr val="lt1"/>
-          </a:fontRef>
-        </p:style>
-        <p:txBody>
-          <a:bodyPr rtlCol="0" anchor="ctr"/>
-          <a:lstStyle/>
-          <a:p>
-            <a:pPr algn="ctr"/>
-            <a:r>
-              <a:rPr lang="zh-CN" altLang="en-US" dirty="0" smtClean="0"/>
-              <a:t>授信额度</a:t>
-            </a:r>
-            <a:endParaRPr lang="zh-CN" altLang="en-US" dirty="0"/>
-          </a:p>
-        </p:txBody>
-      </p:sp>
-      <p:sp>
-        <p:nvSpPr>
-          <p:cNvPr id="62" name="椭圆 61"/>
-          <p:cNvSpPr/>
-          <p:nvPr/>
-        </p:nvSpPr>
-        <p:spPr>
-          <a:xfrm>
-            <a:off x="6514264" y="2567369"/>
-            <a:ext cx="914400" cy="914400"/>
-          </a:xfrm>
-          <a:prstGeom prst="ellipse">
-            <a:avLst/>
-          </a:prstGeom>
-        </p:spPr>
-        <p:style>
-          <a:lnRef idx="2">
-            <a:schemeClr val="accent1">
-              <a:shade val="50000"/>
-            </a:schemeClr>
-          </a:lnRef>
-          <a:fillRef idx="1">
-            <a:schemeClr val="accent1"/>
-          </a:fillRef>
-          <a:effectRef idx="0">
-            <a:schemeClr val="accent1"/>
-          </a:effectRef>
-          <a:fontRef idx="minor">
-            <a:schemeClr val="lt1"/>
-          </a:fontRef>
-        </p:style>
-        <p:txBody>
-          <a:bodyPr rtlCol="0" anchor="ctr"/>
-          <a:lstStyle/>
-          <a:p>
-            <a:pPr algn="ctr"/>
-            <a:r>
-              <a:rPr lang="zh-CN" altLang="en-US" dirty="0" smtClean="0"/>
-              <a:t>贷款账户</a:t>
-            </a:r>
-            <a:endParaRPr lang="zh-CN" altLang="en-US" dirty="0"/>
-          </a:p>
-        </p:txBody>
-      </p:sp>
-      <p:sp>
-        <p:nvSpPr>
-          <p:cNvPr id="63" name="椭圆 62"/>
-          <p:cNvSpPr/>
-          <p:nvPr/>
-        </p:nvSpPr>
-        <p:spPr>
-          <a:xfrm>
-            <a:off x="7951597" y="2567369"/>
-            <a:ext cx="914400" cy="914400"/>
-          </a:xfrm>
-          <a:prstGeom prst="ellipse">
-            <a:avLst/>
-          </a:prstGeom>
-        </p:spPr>
-        <p:style>
-          <a:lnRef idx="2">
-            <a:schemeClr val="accent1">
-              <a:shade val="50000"/>
-            </a:schemeClr>
-          </a:lnRef>
-          <a:fillRef idx="1">
-            <a:schemeClr val="accent1"/>
-          </a:fillRef>
-          <a:effectRef idx="0">
-            <a:schemeClr val="accent1"/>
-          </a:effectRef>
-          <a:fontRef idx="minor">
-            <a:schemeClr val="lt1"/>
-          </a:fontRef>
-        </p:style>
-        <p:txBody>
-          <a:bodyPr rtlCol="0" anchor="ctr"/>
-          <a:lstStyle/>
-          <a:p>
-            <a:pPr algn="ctr"/>
-            <a:r>
-              <a:rPr lang="zh-CN" altLang="en-US" dirty="0" smtClean="0"/>
-              <a:t>借据</a:t>
-            </a:r>
-            <a:endParaRPr lang="zh-CN" altLang="en-US" dirty="0"/>
-          </a:p>
-        </p:txBody>
-      </p:sp>
-      <p:sp>
-        <p:nvSpPr>
-          <p:cNvPr id="64" name="椭圆 63"/>
-          <p:cNvSpPr/>
-          <p:nvPr/>
-        </p:nvSpPr>
-        <p:spPr>
-          <a:xfrm>
-            <a:off x="9388930" y="2567369"/>
-            <a:ext cx="914400" cy="914400"/>
-          </a:xfrm>
-          <a:prstGeom prst="ellipse">
-            <a:avLst/>
-          </a:prstGeom>
-        </p:spPr>
-        <p:style>
-          <a:lnRef idx="2">
-            <a:schemeClr val="accent1">
-              <a:shade val="50000"/>
-            </a:schemeClr>
-          </a:lnRef>
-          <a:fillRef idx="1">
-            <a:schemeClr val="accent1"/>
-          </a:fillRef>
-          <a:effectRef idx="0">
-            <a:schemeClr val="accent1"/>
-          </a:effectRef>
-          <a:fontRef idx="minor">
-            <a:schemeClr val="lt1"/>
-          </a:fontRef>
-        </p:style>
-        <p:txBody>
-          <a:bodyPr rtlCol="0" anchor="ctr"/>
-          <a:lstStyle/>
-          <a:p>
-            <a:pPr algn="ctr"/>
-            <a:r>
-              <a:rPr lang="zh-CN" altLang="en-US" dirty="0" smtClean="0"/>
-              <a:t>还款计划</a:t>
-            </a:r>
-            <a:endParaRPr lang="en-US" altLang="zh-CN" dirty="0" smtClean="0"/>
-          </a:p>
-        </p:txBody>
-      </p:sp>
-      <p:sp>
-        <p:nvSpPr>
-          <p:cNvPr id="65" name="椭圆 64"/>
-          <p:cNvSpPr/>
-          <p:nvPr/>
-        </p:nvSpPr>
-        <p:spPr>
-          <a:xfrm>
-            <a:off x="10826262" y="2567369"/>
-            <a:ext cx="914400" cy="914400"/>
-          </a:xfrm>
-          <a:prstGeom prst="ellipse">
-            <a:avLst/>
-          </a:prstGeom>
-        </p:spPr>
-        <p:style>
-          <a:lnRef idx="2">
-            <a:schemeClr val="accent1">
-              <a:shade val="50000"/>
-            </a:schemeClr>
-          </a:lnRef>
-          <a:fillRef idx="1">
-            <a:schemeClr val="accent1"/>
-          </a:fillRef>
-          <a:effectRef idx="0">
-            <a:schemeClr val="accent1"/>
-          </a:effectRef>
-          <a:fontRef idx="minor">
-            <a:schemeClr val="lt1"/>
-          </a:fontRef>
-        </p:style>
-        <p:txBody>
-          <a:bodyPr rtlCol="0" anchor="ctr"/>
-          <a:lstStyle/>
-          <a:p>
-            <a:pPr algn="ctr"/>
-            <a:r>
-              <a:rPr lang="zh-CN" altLang="en-US" dirty="0" smtClean="0"/>
-              <a:t>息费</a:t>
-            </a:r>
-            <a:endParaRPr lang="zh-CN" altLang="en-US" dirty="0"/>
-          </a:p>
-        </p:txBody>
-      </p:sp>
-      <p:cxnSp>
-        <p:nvCxnSpPr>
-          <p:cNvPr id="68" name="直接箭头连接符 67"/>
-          <p:cNvCxnSpPr>
-            <a:stCxn id="31" idx="6"/>
-            <a:endCxn id="59" idx="2"/>
-          </p:cNvCxnSpPr>
-          <p:nvPr/>
-        </p:nvCxnSpPr>
-        <p:spPr>
-          <a:xfrm>
-            <a:off x="1679332" y="3024569"/>
-            <a:ext cx="522933" cy="0"/>
-          </a:xfrm>
-          <a:prstGeom prst="straightConnector1">
-            <a:avLst/>
-          </a:prstGeom>
-          <a:ln>
-            <a:solidFill>
-              <a:srgbClr val="FF0000"/>
-            </a:solidFill>
-            <a:tailEnd type="arrow"/>
-          </a:ln>
-        </p:spPr>
-        <p:style>
-          <a:lnRef idx="3">
-            <a:schemeClr val="accent1"/>
-          </a:lnRef>
-          <a:fillRef idx="0">
-            <a:schemeClr val="accent1"/>
-          </a:fillRef>
-          <a:effectRef idx="2">
-            <a:schemeClr val="accent1"/>
-          </a:effectRef>
-          <a:fontRef idx="minor">
-            <a:schemeClr val="tx1"/>
-          </a:fontRef>
-        </p:style>
-      </p:cxnSp>
-      <p:cxnSp>
-        <p:nvCxnSpPr>
-          <p:cNvPr id="70" name="直接箭头连接符 69"/>
-          <p:cNvCxnSpPr>
-            <a:stCxn id="59" idx="6"/>
-            <a:endCxn id="60" idx="2"/>
-          </p:cNvCxnSpPr>
-          <p:nvPr/>
-        </p:nvCxnSpPr>
-        <p:spPr>
-          <a:xfrm>
-            <a:off x="3116665" y="3024569"/>
-            <a:ext cx="522933" cy="0"/>
-          </a:xfrm>
-          <a:prstGeom prst="straightConnector1">
-            <a:avLst/>
-          </a:prstGeom>
-          <a:ln>
-            <a:solidFill>
-              <a:srgbClr val="FF0000"/>
-            </a:solidFill>
-            <a:tailEnd type="arrow"/>
-          </a:ln>
-        </p:spPr>
-        <p:style>
-          <a:lnRef idx="3">
-            <a:schemeClr val="accent1"/>
-          </a:lnRef>
-          <a:fillRef idx="0">
-            <a:schemeClr val="accent1"/>
-          </a:fillRef>
-          <a:effectRef idx="2">
-            <a:schemeClr val="accent1"/>
-          </a:effectRef>
-          <a:fontRef idx="minor">
-            <a:schemeClr val="tx1"/>
-          </a:fontRef>
-        </p:style>
-      </p:cxnSp>
-      <p:cxnSp>
-        <p:nvCxnSpPr>
-          <p:cNvPr id="72" name="直接箭头连接符 71"/>
-          <p:cNvCxnSpPr>
-            <a:stCxn id="60" idx="6"/>
-            <a:endCxn id="61" idx="2"/>
-          </p:cNvCxnSpPr>
-          <p:nvPr/>
-        </p:nvCxnSpPr>
-        <p:spPr>
-          <a:xfrm>
-            <a:off x="4553998" y="3024569"/>
-            <a:ext cx="522933" cy="0"/>
-          </a:xfrm>
-          <a:prstGeom prst="straightConnector1">
-            <a:avLst/>
-          </a:prstGeom>
-          <a:ln>
-            <a:solidFill>
-              <a:srgbClr val="FF0000"/>
-            </a:solidFill>
-            <a:tailEnd type="arrow"/>
-          </a:ln>
-        </p:spPr>
-        <p:style>
-          <a:lnRef idx="3">
-            <a:schemeClr val="accent1"/>
-          </a:lnRef>
-          <a:fillRef idx="0">
-            <a:schemeClr val="accent1"/>
-          </a:fillRef>
-          <a:effectRef idx="2">
-            <a:schemeClr val="accent1"/>
-          </a:effectRef>
-          <a:fontRef idx="minor">
-            <a:schemeClr val="tx1"/>
-          </a:fontRef>
-        </p:style>
-      </p:cxnSp>
-      <p:cxnSp>
-        <p:nvCxnSpPr>
-          <p:cNvPr id="74" name="直接箭头连接符 73"/>
-          <p:cNvCxnSpPr>
-            <a:stCxn id="61" idx="6"/>
-            <a:endCxn id="62" idx="2"/>
-          </p:cNvCxnSpPr>
-          <p:nvPr/>
-        </p:nvCxnSpPr>
-        <p:spPr>
-          <a:xfrm>
-            <a:off x="5991331" y="3024569"/>
-            <a:ext cx="522933" cy="0"/>
-          </a:xfrm>
-          <a:prstGeom prst="straightConnector1">
-            <a:avLst/>
-          </a:prstGeom>
-          <a:ln>
-            <a:solidFill>
-              <a:srgbClr val="FF0000"/>
-            </a:solidFill>
-            <a:tailEnd type="arrow"/>
-          </a:ln>
-        </p:spPr>
-        <p:style>
-          <a:lnRef idx="3">
-            <a:schemeClr val="accent1"/>
-          </a:lnRef>
-          <a:fillRef idx="0">
-            <a:schemeClr val="accent1"/>
-          </a:fillRef>
-          <a:effectRef idx="2">
-            <a:schemeClr val="accent1"/>
-          </a:effectRef>
-          <a:fontRef idx="minor">
-            <a:schemeClr val="tx1"/>
-          </a:fontRef>
-        </p:style>
-      </p:cxnSp>
-      <p:cxnSp>
-        <p:nvCxnSpPr>
-          <p:cNvPr id="76" name="直接箭头连接符 75"/>
-          <p:cNvCxnSpPr>
-            <a:stCxn id="62" idx="6"/>
-            <a:endCxn id="63" idx="2"/>
-          </p:cNvCxnSpPr>
-          <p:nvPr/>
-        </p:nvCxnSpPr>
-        <p:spPr>
-          <a:xfrm>
-            <a:off x="7428664" y="3024569"/>
-            <a:ext cx="522933" cy="0"/>
-          </a:xfrm>
-          <a:prstGeom prst="straightConnector1">
-            <a:avLst/>
-          </a:prstGeom>
-          <a:ln>
-            <a:solidFill>
-              <a:srgbClr val="FF0000"/>
-            </a:solidFill>
-            <a:tailEnd type="arrow"/>
-          </a:ln>
-        </p:spPr>
-        <p:style>
-          <a:lnRef idx="3">
-            <a:schemeClr val="accent1"/>
-          </a:lnRef>
-          <a:fillRef idx="0">
-            <a:schemeClr val="accent1"/>
-          </a:fillRef>
-          <a:effectRef idx="2">
-            <a:schemeClr val="accent1"/>
-          </a:effectRef>
-          <a:fontRef idx="minor">
-            <a:schemeClr val="tx1"/>
-          </a:fontRef>
-        </p:style>
-      </p:cxnSp>
-      <p:cxnSp>
-        <p:nvCxnSpPr>
-          <p:cNvPr id="78" name="直接箭头连接符 77"/>
-          <p:cNvCxnSpPr>
-            <a:stCxn id="63" idx="6"/>
-            <a:endCxn id="64" idx="2"/>
-          </p:cNvCxnSpPr>
-          <p:nvPr/>
-        </p:nvCxnSpPr>
-        <p:spPr>
-          <a:xfrm>
-            <a:off x="8865997" y="3024569"/>
-            <a:ext cx="522933" cy="0"/>
-          </a:xfrm>
-          <a:prstGeom prst="straightConnector1">
-            <a:avLst/>
-          </a:prstGeom>
-          <a:ln>
-            <a:solidFill>
-              <a:srgbClr val="FF0000"/>
-            </a:solidFill>
-            <a:tailEnd type="arrow"/>
-          </a:ln>
-        </p:spPr>
-        <p:style>
-          <a:lnRef idx="3">
-            <a:schemeClr val="accent1"/>
-          </a:lnRef>
-          <a:fillRef idx="0">
-            <a:schemeClr val="accent1"/>
-          </a:fillRef>
-          <a:effectRef idx="2">
-            <a:schemeClr val="accent1"/>
-          </a:effectRef>
-          <a:fontRef idx="minor">
-            <a:schemeClr val="tx1"/>
-          </a:fontRef>
-        </p:style>
-      </p:cxnSp>
-      <p:cxnSp>
-        <p:nvCxnSpPr>
-          <p:cNvPr id="80" name="直接箭头连接符 79"/>
-          <p:cNvCxnSpPr>
-            <a:stCxn id="64" idx="6"/>
-            <a:endCxn id="65" idx="2"/>
-          </p:cNvCxnSpPr>
-          <p:nvPr/>
-        </p:nvCxnSpPr>
-        <p:spPr>
-          <a:xfrm>
-            <a:off x="10303330" y="3024569"/>
-            <a:ext cx="522932" cy="0"/>
-          </a:xfrm>
-          <a:prstGeom prst="straightConnector1">
-            <a:avLst/>
-          </a:prstGeom>
-          <a:ln>
-            <a:solidFill>
-              <a:srgbClr val="FF0000"/>
-            </a:solidFill>
-            <a:tailEnd type="arrow"/>
-          </a:ln>
-        </p:spPr>
-        <p:style>
-          <a:lnRef idx="3">
-            <a:schemeClr val="accent1"/>
-          </a:lnRef>
-          <a:fillRef idx="0">
-            <a:schemeClr val="accent1"/>
-          </a:fillRef>
-          <a:effectRef idx="2">
-            <a:schemeClr val="accent1"/>
-          </a:effectRef>
-          <a:fontRef idx="minor">
-            <a:schemeClr val="tx1"/>
-          </a:fontRef>
-        </p:style>
-      </p:cxnSp>
-      <p:sp>
-        <p:nvSpPr>
-          <p:cNvPr id="86" name="矩形 85"/>
-          <p:cNvSpPr/>
-          <p:nvPr/>
-        </p:nvSpPr>
-        <p:spPr>
-          <a:xfrm>
-            <a:off x="770794" y="3736744"/>
-            <a:ext cx="11028484" cy="545124"/>
+            <a:off x="1238250" y="1395812"/>
+            <a:ext cx="9715500" cy="4985980"/>
           </a:xfrm>
           <a:prstGeom prst="rect">
             <a:avLst/>
           </a:prstGeom>
+          <a:noFill/>
         </p:spPr>
-        <p:style>
-          <a:lnRef idx="2">
-            <a:schemeClr val="accent1">
-              <a:shade val="50000"/>
-            </a:schemeClr>
-          </a:lnRef>
-          <a:fillRef idx="1">
-            <a:schemeClr val="accent1"/>
-          </a:fillRef>
-          <a:effectRef idx="0">
-            <a:schemeClr val="accent1"/>
-          </a:effectRef>
-          <a:fontRef idx="minor">
-            <a:schemeClr val="lt1"/>
-          </a:fontRef>
-        </p:style>
         <p:txBody>
-          <a:bodyPr rtlCol="0" anchor="ctr"/>
+          <a:bodyPr wrap="square" rtlCol="0" anchor="ctr">
+            <a:spAutoFit/>
+          </a:bodyPr>
           <a:lstStyle/>
           <a:p>
-            <a:pPr algn="ctr"/>
+            <a:r>
+              <a:rPr lang="en-US" altLang="zh-CN" dirty="0" smtClean="0"/>
+              <a:t>1. </a:t>
+            </a:r>
             <a:r>
               <a:rPr lang="zh-CN" altLang="en-US" dirty="0" smtClean="0"/>
-              <a:t>额度</a:t>
-            </a:r>
-            <a:endParaRPr lang="zh-CN" altLang="en-US" dirty="0"/>
+              <a:t>产品配置不</a:t>
+            </a:r>
+            <a:r>
+              <a:rPr lang="zh-CN" altLang="en-US" dirty="0" smtClean="0"/>
+              <a:t>支持扩展</a:t>
+            </a:r>
+            <a:r>
+              <a:rPr lang="zh-CN" altLang="en-US" dirty="0" smtClean="0"/>
+              <a:t>属性，授信或者贷款流程不支持流程阶段</a:t>
+            </a:r>
+            <a:r>
+              <a:rPr lang="en-US" altLang="zh-CN" dirty="0" smtClean="0"/>
+              <a:t>Input</a:t>
+            </a:r>
+            <a:r>
+              <a:rPr lang="zh-CN" altLang="en-US" dirty="0" smtClean="0"/>
+              <a:t>数据配置，</a:t>
+            </a:r>
+            <a:r>
+              <a:rPr lang="zh-CN" altLang="en-US" dirty="0" smtClean="0"/>
+              <a:t>当</a:t>
+            </a:r>
+            <a:r>
+              <a:rPr lang="zh-CN" altLang="en-US" dirty="0" smtClean="0"/>
+              <a:t>某产品</a:t>
+            </a:r>
+            <a:r>
+              <a:rPr lang="en-US" altLang="zh-CN" dirty="0" smtClean="0"/>
+              <a:t>A</a:t>
+            </a:r>
+            <a:r>
+              <a:rPr lang="zh-CN" altLang="en-US" dirty="0" smtClean="0"/>
+              <a:t>需要增加一个属性或者流程审批要录入某种业务场景数据时</a:t>
+            </a:r>
+            <a:r>
+              <a:rPr lang="zh-CN" altLang="en-US" dirty="0" smtClean="0"/>
+              <a:t>，</a:t>
+            </a:r>
+            <a:r>
+              <a:rPr lang="zh-CN" altLang="en-US" dirty="0" smtClean="0"/>
+              <a:t>需要额外单独开发，然后回归测试</a:t>
+            </a:r>
+            <a:r>
+              <a:rPr lang="zh-CN" altLang="en-US" dirty="0" smtClean="0"/>
+              <a:t>再部署</a:t>
+            </a:r>
+            <a:r>
+              <a:rPr lang="zh-CN" altLang="en-US" dirty="0" smtClean="0"/>
+              <a:t>。当</a:t>
+            </a:r>
+            <a:r>
+              <a:rPr lang="zh-CN" altLang="en-US" dirty="0" smtClean="0"/>
+              <a:t>这种特殊字段多了以后，不利于管理，复用性不大，而且影响业务快速迭代。</a:t>
+            </a:r>
+            <a:endParaRPr lang="en-US" altLang="zh-CN" dirty="0" smtClean="0"/>
+          </a:p>
+          <a:p>
+            <a:r>
+              <a:rPr lang="zh-CN" altLang="en-US" dirty="0" smtClean="0">
+                <a:solidFill>
+                  <a:srgbClr val="FF0000"/>
+                </a:solidFill>
+              </a:rPr>
+              <a:t>解决</a:t>
+            </a:r>
+            <a:r>
+              <a:rPr lang="en-US" altLang="zh-CN" dirty="0" smtClean="0">
+                <a:solidFill>
+                  <a:srgbClr val="FF0000"/>
+                </a:solidFill>
+              </a:rPr>
+              <a:t>:</a:t>
+            </a:r>
+            <a:r>
+              <a:rPr lang="zh-CN" altLang="en-US" dirty="0" smtClean="0">
+                <a:solidFill>
+                  <a:srgbClr val="FF0000"/>
+                </a:solidFill>
+              </a:rPr>
+              <a:t>产品配置明确定义好</a:t>
+            </a:r>
+            <a:r>
+              <a:rPr lang="en-US" altLang="zh-CN" dirty="0" smtClean="0">
+                <a:solidFill>
+                  <a:srgbClr val="FF0000"/>
+                </a:solidFill>
+              </a:rPr>
+              <a:t>90%</a:t>
+            </a:r>
+            <a:r>
+              <a:rPr lang="zh-CN" altLang="en-US" dirty="0" smtClean="0">
+                <a:solidFill>
+                  <a:srgbClr val="FF0000"/>
+                </a:solidFill>
+              </a:rPr>
+              <a:t>以上通用属性。再给产品配置设计扩展属性用来满足特殊场景。</a:t>
+            </a:r>
+            <a:endParaRPr lang="en-US" altLang="zh-CN" dirty="0" smtClean="0"/>
+          </a:p>
+          <a:p>
+            <a:endParaRPr lang="en-US" altLang="zh-CN" dirty="0" smtClean="0"/>
+          </a:p>
+          <a:p>
+            <a:pPr marL="0" lvl="1"/>
+            <a:r>
+              <a:rPr lang="en-US" altLang="zh-CN" dirty="0" smtClean="0"/>
+              <a:t>2. </a:t>
+            </a:r>
+            <a:r>
+              <a:rPr lang="zh-CN" altLang="zh-CN" dirty="0" smtClean="0"/>
+              <a:t>授信流程和贷款流程不支持流程阶段</a:t>
+            </a:r>
+            <a:r>
+              <a:rPr lang="en-US" altLang="zh-CN" dirty="0" smtClean="0"/>
+              <a:t>Input</a:t>
+            </a:r>
+            <a:r>
+              <a:rPr lang="zh-CN" altLang="zh-CN" dirty="0" smtClean="0"/>
+              <a:t>数据绑定。</a:t>
+            </a:r>
+            <a:r>
+              <a:rPr lang="zh-CN" altLang="en-US" dirty="0" smtClean="0"/>
+              <a:t>当某产品授信或者贷款场景需要客户</a:t>
+            </a:r>
+            <a:endParaRPr lang="en-US" altLang="zh-CN" dirty="0" smtClean="0"/>
+          </a:p>
+          <a:p>
+            <a:pPr marL="0" lvl="1"/>
+            <a:r>
+              <a:rPr lang="en-US" altLang="zh-CN" dirty="0" smtClean="0"/>
+              <a:t>    </a:t>
+            </a:r>
+            <a:r>
+              <a:rPr lang="zh-CN" altLang="en-US" dirty="0" smtClean="0"/>
+              <a:t>提供某类数据时，需要额外单独开发出相应功能，并做数据校验，存储，权限查看等。</a:t>
+            </a:r>
+            <a:endParaRPr lang="en-US" altLang="zh-CN" dirty="0" smtClean="0"/>
+          </a:p>
+          <a:p>
+            <a:pPr marL="0" lvl="1"/>
+            <a:r>
+              <a:rPr lang="zh-CN" altLang="en-US" dirty="0" smtClean="0">
+                <a:solidFill>
+                  <a:srgbClr val="FF0000"/>
+                </a:solidFill>
+              </a:rPr>
+              <a:t>解决</a:t>
+            </a:r>
+            <a:r>
+              <a:rPr lang="en-US" altLang="zh-CN" dirty="0" smtClean="0">
+                <a:solidFill>
+                  <a:srgbClr val="FF0000"/>
+                </a:solidFill>
+              </a:rPr>
+              <a:t>:</a:t>
+            </a:r>
+            <a:r>
+              <a:rPr lang="zh-CN" altLang="en-US" dirty="0" smtClean="0">
+                <a:solidFill>
+                  <a:srgbClr val="FF0000"/>
+                </a:solidFill>
+              </a:rPr>
+              <a:t>让流程节点支持</a:t>
+            </a:r>
+            <a:r>
+              <a:rPr lang="en-US" altLang="zh-CN" dirty="0" smtClean="0">
+                <a:solidFill>
+                  <a:srgbClr val="FF0000"/>
+                </a:solidFill>
+              </a:rPr>
+              <a:t>Input</a:t>
+            </a:r>
+            <a:r>
+              <a:rPr lang="zh-CN" altLang="en-US" dirty="0" smtClean="0">
+                <a:solidFill>
+                  <a:srgbClr val="FF0000"/>
+                </a:solidFill>
+              </a:rPr>
+              <a:t>数据绑定，并且提供常用数据类配置和检验</a:t>
+            </a:r>
+            <a:r>
+              <a:rPr lang="en-US" altLang="zh-CN" dirty="0" smtClean="0">
+                <a:solidFill>
+                  <a:srgbClr val="FF0000"/>
+                </a:solidFill>
+              </a:rPr>
+              <a:t>(</a:t>
+            </a:r>
+            <a:r>
+              <a:rPr lang="zh-CN" altLang="en-US" dirty="0" smtClean="0">
+                <a:solidFill>
+                  <a:srgbClr val="FF0000"/>
+                </a:solidFill>
+              </a:rPr>
+              <a:t>比如字符长度，邮箱，身份证号，文件等</a:t>
+            </a:r>
+            <a:r>
+              <a:rPr lang="en-US" altLang="zh-CN" dirty="0" smtClean="0">
+                <a:solidFill>
+                  <a:srgbClr val="FF0000"/>
+                </a:solidFill>
+              </a:rPr>
+              <a:t>)</a:t>
+            </a:r>
+            <a:r>
+              <a:rPr lang="zh-CN" altLang="en-US" dirty="0" smtClean="0">
+                <a:solidFill>
+                  <a:srgbClr val="FF0000"/>
+                </a:solidFill>
+              </a:rPr>
+              <a:t>，并且基于流程</a:t>
+            </a:r>
+            <a:r>
+              <a:rPr lang="en-US" altLang="zh-CN" dirty="0" smtClean="0">
+                <a:solidFill>
+                  <a:srgbClr val="FF0000"/>
+                </a:solidFill>
+              </a:rPr>
+              <a:t>role</a:t>
+            </a:r>
+            <a:r>
+              <a:rPr lang="zh-CN" altLang="en-US" dirty="0" smtClean="0">
+                <a:solidFill>
+                  <a:srgbClr val="FF0000"/>
+                </a:solidFill>
+              </a:rPr>
+              <a:t>实现每个阶段节点只能读当前节点和前面节点的数据，</a:t>
+            </a:r>
+            <a:endParaRPr lang="en-US" altLang="zh-CN" dirty="0" smtClean="0">
+              <a:solidFill>
+                <a:srgbClr val="FF0000"/>
+              </a:solidFill>
+            </a:endParaRPr>
+          </a:p>
+          <a:p>
+            <a:pPr marL="0" lvl="1"/>
+            <a:r>
+              <a:rPr lang="zh-CN" altLang="en-US" dirty="0" smtClean="0">
+                <a:solidFill>
+                  <a:srgbClr val="FF0000"/>
+                </a:solidFill>
+              </a:rPr>
+              <a:t>并且只能写当前节点配置的</a:t>
+            </a:r>
+            <a:r>
+              <a:rPr lang="en-US" altLang="zh-CN" dirty="0" smtClean="0">
+                <a:solidFill>
+                  <a:srgbClr val="FF0000"/>
+                </a:solidFill>
+              </a:rPr>
+              <a:t>Input</a:t>
+            </a:r>
+            <a:r>
+              <a:rPr lang="zh-CN" altLang="en-US" dirty="0" smtClean="0">
+                <a:solidFill>
+                  <a:srgbClr val="FF0000"/>
+                </a:solidFill>
+              </a:rPr>
+              <a:t>数据。流程所有的</a:t>
+            </a:r>
+            <a:r>
+              <a:rPr lang="en-US" altLang="zh-CN" dirty="0" smtClean="0">
+                <a:solidFill>
+                  <a:srgbClr val="FF0000"/>
+                </a:solidFill>
+              </a:rPr>
+              <a:t>Input</a:t>
+            </a:r>
+            <a:r>
+              <a:rPr lang="zh-CN" altLang="en-US" dirty="0" smtClean="0">
+                <a:solidFill>
+                  <a:srgbClr val="FF0000"/>
+                </a:solidFill>
+              </a:rPr>
+              <a:t>数据以以下</a:t>
+            </a:r>
+            <a:r>
+              <a:rPr lang="en-US" altLang="zh-CN" dirty="0" err="1" smtClean="0">
+                <a:solidFill>
+                  <a:srgbClr val="FF0000"/>
+                </a:solidFill>
+              </a:rPr>
+              <a:t>json</a:t>
+            </a:r>
+            <a:r>
+              <a:rPr lang="zh-CN" altLang="en-US" dirty="0" smtClean="0">
+                <a:solidFill>
+                  <a:srgbClr val="FF0000"/>
+                </a:solidFill>
+              </a:rPr>
+              <a:t>格式保存，并且通过</a:t>
+            </a:r>
+            <a:endParaRPr lang="en-US" altLang="zh-CN" dirty="0" smtClean="0">
+              <a:solidFill>
+                <a:srgbClr val="FF0000"/>
+              </a:solidFill>
+            </a:endParaRPr>
+          </a:p>
+          <a:p>
+            <a:pPr marL="0" lvl="1"/>
+            <a:r>
+              <a:rPr lang="en-US" altLang="zh-CN" dirty="0" err="1" smtClean="0">
+                <a:solidFill>
+                  <a:srgbClr val="FF0000"/>
+                </a:solidFill>
+              </a:rPr>
+              <a:t>Json</a:t>
+            </a:r>
+            <a:r>
+              <a:rPr lang="en-US" altLang="zh-CN" dirty="0" smtClean="0">
+                <a:solidFill>
+                  <a:srgbClr val="FF0000"/>
+                </a:solidFill>
+              </a:rPr>
+              <a:t> selector</a:t>
+            </a:r>
+            <a:r>
+              <a:rPr lang="zh-CN" altLang="en-US" dirty="0" smtClean="0">
+                <a:solidFill>
+                  <a:srgbClr val="FF0000"/>
+                </a:solidFill>
+              </a:rPr>
+              <a:t>取值或者自定义</a:t>
+            </a:r>
+            <a:r>
+              <a:rPr lang="en-US" altLang="zh-CN" dirty="0" err="1" smtClean="0">
+                <a:solidFill>
+                  <a:srgbClr val="FF0000"/>
+                </a:solidFill>
+              </a:rPr>
+              <a:t>json</a:t>
+            </a:r>
+            <a:r>
+              <a:rPr lang="zh-CN" altLang="en-US" dirty="0" smtClean="0">
+                <a:solidFill>
+                  <a:srgbClr val="FF0000"/>
+                </a:solidFill>
+              </a:rPr>
+              <a:t>函数处理。</a:t>
+            </a:r>
+            <a:endParaRPr lang="en-US" altLang="zh-CN" dirty="0" smtClean="0">
+              <a:solidFill>
+                <a:srgbClr val="FF0000"/>
+              </a:solidFill>
+            </a:endParaRPr>
+          </a:p>
+          <a:p>
+            <a:pPr marL="0" lvl="1"/>
+            <a:r>
+              <a:rPr lang="en-US" altLang="zh-CN" sz="1000" dirty="0" smtClean="0">
+                <a:solidFill>
+                  <a:srgbClr val="FF0000"/>
+                </a:solidFill>
+              </a:rPr>
+              <a:t>{</a:t>
+            </a:r>
+          </a:p>
+          <a:p>
+            <a:pPr marL="0" lvl="1"/>
+            <a:r>
+              <a:rPr lang="en-US" altLang="zh-CN" sz="1000" dirty="0" smtClean="0">
+                <a:solidFill>
+                  <a:srgbClr val="FF0000"/>
+                </a:solidFill>
+              </a:rPr>
+              <a:t> "</a:t>
+            </a:r>
+            <a:r>
+              <a:rPr lang="zh-CN" altLang="en-US" sz="1000" dirty="0" smtClean="0">
+                <a:solidFill>
+                  <a:srgbClr val="FF0000"/>
+                </a:solidFill>
+              </a:rPr>
+              <a:t>流程</a:t>
+            </a:r>
+            <a:r>
+              <a:rPr lang="en-US" altLang="zh-CN" sz="1000" dirty="0" smtClean="0">
+                <a:solidFill>
+                  <a:srgbClr val="FF0000"/>
+                </a:solidFill>
+              </a:rPr>
+              <a:t>id": "20180920-120000-000000000001",</a:t>
+            </a:r>
+          </a:p>
+          <a:p>
+            <a:pPr marL="0" lvl="1"/>
+            <a:r>
+              <a:rPr lang="en-US" altLang="zh-CN" sz="1000" dirty="0" smtClean="0">
+                <a:solidFill>
+                  <a:srgbClr val="FF0000"/>
+                </a:solidFill>
+              </a:rPr>
+              <a:t> "</a:t>
+            </a:r>
+            <a:r>
+              <a:rPr lang="en-US" altLang="zh-CN" sz="1000" dirty="0" err="1" smtClean="0">
+                <a:solidFill>
+                  <a:srgbClr val="FF0000"/>
+                </a:solidFill>
+              </a:rPr>
+              <a:t>input_data</a:t>
+            </a:r>
+            <a:r>
+              <a:rPr lang="en-US" altLang="zh-CN" sz="1000" dirty="0" smtClean="0">
+                <a:solidFill>
+                  <a:srgbClr val="FF0000"/>
+                </a:solidFill>
+              </a:rPr>
+              <a:t>": [{</a:t>
+            </a:r>
+          </a:p>
+          <a:p>
+            <a:pPr marL="0" lvl="1"/>
+            <a:r>
+              <a:rPr lang="en-US" altLang="zh-CN" sz="1000" dirty="0" smtClean="0">
+                <a:solidFill>
+                  <a:srgbClr val="FF0000"/>
+                </a:solidFill>
+              </a:rPr>
+              <a:t>	"version": 0,</a:t>
+            </a:r>
+          </a:p>
+          <a:p>
+            <a:pPr marL="0" lvl="1"/>
+            <a:r>
+              <a:rPr lang="en-US" altLang="zh-CN" sz="1000" dirty="0" smtClean="0">
+                <a:solidFill>
+                  <a:srgbClr val="FF0000"/>
+                </a:solidFill>
+              </a:rPr>
+              <a:t>	"data": {</a:t>
+            </a:r>
+          </a:p>
+          <a:p>
+            <a:pPr marL="0" lvl="1"/>
+            <a:r>
+              <a:rPr lang="en-US" altLang="zh-CN" sz="1000" dirty="0" smtClean="0">
+                <a:solidFill>
+                  <a:srgbClr val="FF0000"/>
+                </a:solidFill>
+              </a:rPr>
+              <a:t>	            "</a:t>
+            </a:r>
+            <a:r>
+              <a:rPr lang="zh-CN" altLang="en-US" sz="1000" dirty="0" smtClean="0">
+                <a:solidFill>
+                  <a:srgbClr val="FF0000"/>
+                </a:solidFill>
+              </a:rPr>
+              <a:t>申请</a:t>
+            </a:r>
+            <a:r>
+              <a:rPr lang="en-US" altLang="zh-CN" sz="1000" dirty="0" smtClean="0">
+                <a:solidFill>
+                  <a:srgbClr val="FF0000"/>
+                </a:solidFill>
+              </a:rPr>
+              <a:t>": [{</a:t>
+            </a:r>
+          </a:p>
+          <a:p>
+            <a:pPr marL="0" lvl="1"/>
+            <a:r>
+              <a:rPr lang="en-US" altLang="zh-CN" sz="1000" dirty="0" smtClean="0">
+                <a:solidFill>
+                  <a:srgbClr val="FF0000"/>
+                </a:solidFill>
+              </a:rPr>
+              <a:t>	                         "</a:t>
+            </a:r>
+            <a:r>
+              <a:rPr lang="zh-CN" altLang="en-US" sz="1000" dirty="0" smtClean="0">
+                <a:solidFill>
+                  <a:srgbClr val="FF0000"/>
+                </a:solidFill>
+              </a:rPr>
+              <a:t>客户</a:t>
+            </a:r>
+            <a:r>
+              <a:rPr lang="en-US" altLang="zh-CN" sz="1000" dirty="0" smtClean="0">
+                <a:solidFill>
+                  <a:srgbClr val="FF0000"/>
+                </a:solidFill>
+              </a:rPr>
+              <a:t>ID": "</a:t>
+            </a:r>
+            <a:r>
+              <a:rPr lang="en-US" altLang="zh-CN" sz="1000" dirty="0" err="1" smtClean="0">
+                <a:solidFill>
+                  <a:srgbClr val="FF0000"/>
+                </a:solidFill>
+              </a:rPr>
+              <a:t>sixliu</a:t>
+            </a:r>
+            <a:r>
+              <a:rPr lang="en-US" altLang="zh-CN" sz="1000" dirty="0" smtClean="0">
+                <a:solidFill>
+                  <a:srgbClr val="FF0000"/>
+                </a:solidFill>
+              </a:rPr>
+              <a:t>",</a:t>
+            </a:r>
+          </a:p>
+          <a:p>
+            <a:pPr marL="0" lvl="1"/>
+            <a:r>
+              <a:rPr lang="en-US" altLang="zh-CN" sz="1000" dirty="0" smtClean="0">
+                <a:solidFill>
+                  <a:srgbClr val="FF0000"/>
+                </a:solidFill>
+              </a:rPr>
+              <a:t>		"type": "string"</a:t>
+            </a:r>
+          </a:p>
+          <a:p>
+            <a:pPr marL="0" lvl="1"/>
+            <a:r>
+              <a:rPr lang="en-US" altLang="zh-CN" sz="1000" dirty="0" smtClean="0">
+                <a:solidFill>
+                  <a:srgbClr val="FF0000"/>
+                </a:solidFill>
+              </a:rPr>
+              <a:t>		}]</a:t>
+            </a:r>
+          </a:p>
+          <a:p>
+            <a:pPr marL="0" lvl="1"/>
+            <a:r>
+              <a:rPr lang="en-US" altLang="zh-CN" sz="1000" dirty="0" smtClean="0">
+                <a:solidFill>
+                  <a:srgbClr val="FF0000"/>
+                </a:solidFill>
+              </a:rPr>
+              <a:t>	            }</a:t>
+            </a:r>
+          </a:p>
+          <a:p>
+            <a:pPr marL="0" lvl="1"/>
+            <a:r>
+              <a:rPr lang="en-US" altLang="zh-CN" sz="1000" dirty="0" smtClean="0">
+                <a:solidFill>
+                  <a:srgbClr val="FF0000"/>
+                </a:solidFill>
+              </a:rPr>
+              <a:t>	}]</a:t>
+            </a:r>
+          </a:p>
+          <a:p>
+            <a:pPr marL="0" lvl="1"/>
+            <a:r>
+              <a:rPr lang="en-US" altLang="zh-CN" sz="1000" dirty="0" smtClean="0">
+                <a:solidFill>
+                  <a:srgbClr val="FF0000"/>
+                </a:solidFill>
+              </a:rPr>
+              <a:t>}</a:t>
+            </a:r>
           </a:p>
         </p:txBody>
       </p:sp>
@@ -10280,7 +9899,7 @@
     </p:custDataLst>
     <p:extLst>
       <p:ext uri="{BB962C8B-B14F-4D97-AF65-F5344CB8AC3E}">
-        <p14:creationId xmlns="" xmlns:p14="http://schemas.microsoft.com/office/powerpoint/2010/main" val="1369092485"/>
+        <p14:creationId xmlns:p14="http://schemas.microsoft.com/office/powerpoint/2010/main" xmlns="" val="3713010676"/>
       </p:ext>
     </p:extLst>
   </p:cSld>
@@ -10288,7 +9907,7 @@
     <a:masterClrMapping/>
   </p:clrMapOvr>
   <mc:AlternateContent xmlns:mc="http://schemas.openxmlformats.org/markup-compatibility/2006">
-    <mc:Choice xmlns="" xmlns:p14="http://schemas.microsoft.com/office/powerpoint/2010/main" Requires="p14">
+    <mc:Choice xmlns:p14="http://schemas.microsoft.com/office/powerpoint/2010/main" xmlns="" Requires="p14">
       <p:transition spd="slow" p14:dur="1500">
         <p:random/>
       </p:transition>
@@ -10437,7 +10056,13 @@
               <a:rPr lang="zh-CN" altLang="en-US" sz="3200" dirty="0" smtClean="0">
                 <a:latin typeface="Agency FB" panose="020B0503020202020204" pitchFamily="34" charset="0"/>
               </a:rPr>
-              <a:t>老架构存在的问题</a:t>
+              <a:t>老架构存在</a:t>
+            </a:r>
+            <a:r>
+              <a:rPr lang="zh-CN" altLang="en-US" sz="3200" dirty="0" smtClean="0">
+                <a:latin typeface="Agency FB" panose="020B0503020202020204" pitchFamily="34" charset="0"/>
+              </a:rPr>
+              <a:t>的痛点</a:t>
             </a:r>
             <a:endParaRPr lang="zh-CN" altLang="en-US" sz="3200" dirty="0">
               <a:latin typeface="Agency FB" panose="020B0503020202020204" pitchFamily="34" charset="0"/>
@@ -10454,7 +10079,7 @@
         <p:spPr>
           <a:xfrm>
             <a:off x="1238250" y="1534311"/>
-            <a:ext cx="9715500" cy="4708981"/>
+            <a:ext cx="9715500" cy="3139321"/>
           </a:xfrm>
           <a:prstGeom prst="rect">
             <a:avLst/>
@@ -10469,30 +10094,17 @@
           <a:p>
             <a:r>
               <a:rPr lang="en-US" altLang="zh-CN" dirty="0" smtClean="0"/>
-              <a:t>1. </a:t>
+              <a:t>3. </a:t>
             </a:r>
             <a:r>
               <a:rPr lang="zh-CN" altLang="en-US" dirty="0" smtClean="0"/>
-              <a:t>产品不支持扩展属性配置，当某产品</a:t>
-            </a:r>
-            <a:r>
-              <a:rPr lang="en-US" altLang="zh-CN" dirty="0" smtClean="0"/>
-              <a:t>A</a:t>
-            </a:r>
-            <a:r>
-              <a:rPr lang="zh-CN" altLang="en-US" dirty="0" smtClean="0"/>
-              <a:t>需要一个特殊属性时，需要重新开发，测试再部署。</a:t>
-            </a:r>
-            <a:endParaRPr lang="en-US" altLang="zh-CN" dirty="0" smtClean="0"/>
+              <a:t>流程节点没有区分自动处理和人工处理。目前自动处理完全依赖于定时任务驱动。定时任务</a:t>
+            </a:r>
           </a:p>
           <a:p>
             <a:r>
-              <a:rPr lang="en-US" altLang="zh-CN" dirty="0" smtClean="0"/>
-              <a:t>    </a:t>
-            </a:r>
-            <a:r>
               <a:rPr lang="zh-CN" altLang="en-US" dirty="0" smtClean="0"/>
-              <a:t>当这种特殊字段多了以后，不利于管理，复用性不大，而且影响业务快速迭代。</a:t>
+              <a:t>    扫描频率过快占用资源，频率过慢严重影响审批速度。</a:t>
             </a:r>
             <a:endParaRPr lang="en-US" altLang="zh-CN" dirty="0" smtClean="0"/>
           </a:p>
@@ -10519,74 +10131,7 @@
                   <a:srgbClr val="FF0000"/>
                 </a:solidFill>
               </a:rPr>
-              <a:t>产品配置明确定义好</a:t>
-            </a:r>
-            <a:r>
-              <a:rPr lang="en-US" altLang="zh-CN" dirty="0" smtClean="0">
-                <a:solidFill>
-                  <a:srgbClr val="FF0000"/>
-                </a:solidFill>
-              </a:rPr>
-              <a:t>90%</a:t>
-            </a:r>
-            <a:r>
-              <a:rPr lang="zh-CN" altLang="en-US" dirty="0" smtClean="0">
-                <a:solidFill>
-                  <a:srgbClr val="FF0000"/>
-                </a:solidFill>
-              </a:rPr>
-              <a:t>以上通用属性。再给产品配置设计扩展属性用来满足特殊场景。</a:t>
-            </a:r>
-            <a:endParaRPr lang="en-US" altLang="zh-CN" dirty="0" smtClean="0"/>
-          </a:p>
-          <a:p>
-            <a:endParaRPr lang="en-US" altLang="zh-CN" dirty="0" smtClean="0"/>
-          </a:p>
-          <a:p>
-            <a:pPr marL="0" lvl="1"/>
-            <a:r>
-              <a:rPr lang="en-US" altLang="zh-CN" dirty="0" smtClean="0"/>
-              <a:t>2. </a:t>
-            </a:r>
-            <a:r>
-              <a:rPr lang="zh-CN" altLang="zh-CN" dirty="0" smtClean="0"/>
-              <a:t>授信流程和贷款流程不支持流程阶段</a:t>
-            </a:r>
-            <a:r>
-              <a:rPr lang="en-US" altLang="zh-CN" dirty="0" smtClean="0"/>
-              <a:t>Input</a:t>
-            </a:r>
-            <a:r>
-              <a:rPr lang="zh-CN" altLang="zh-CN" dirty="0" smtClean="0"/>
-              <a:t>数据绑定。</a:t>
-            </a:r>
-            <a:r>
-              <a:rPr lang="zh-CN" altLang="en-US" dirty="0" smtClean="0"/>
-              <a:t>当某产品授信或者贷款场景需要客户</a:t>
-            </a:r>
-            <a:endParaRPr lang="en-US" altLang="zh-CN" dirty="0" smtClean="0"/>
-          </a:p>
-          <a:p>
-            <a:pPr marL="0" lvl="1"/>
-            <a:r>
-              <a:rPr lang="en-US" altLang="zh-CN" dirty="0" smtClean="0"/>
-              <a:t>    </a:t>
-            </a:r>
-            <a:r>
-              <a:rPr lang="zh-CN" altLang="en-US" dirty="0" smtClean="0"/>
-              <a:t>提供某类数据时，需要额外单独开发出相应功能，并做数据校验，存储，权限查看等。</a:t>
-            </a:r>
-            <a:endParaRPr lang="en-US" altLang="zh-CN" dirty="0" smtClean="0"/>
-          </a:p>
-          <a:p>
-            <a:pPr marL="0" lvl="1"/>
-            <a:r>
-              <a:rPr lang="zh-CN" altLang="en-US" dirty="0" smtClean="0">
-                <a:solidFill>
-                  <a:srgbClr val="FF0000"/>
-                </a:solidFill>
-              </a:rPr>
-              <a:t>解决</a:t>
+              <a:t>明确定义流程任务类型为</a:t>
             </a:r>
             <a:r>
               <a:rPr lang="en-US" altLang="zh-CN" dirty="0" smtClean="0">
@@ -10602,7 +10147,7 @@
                   <a:srgbClr val="FF0000"/>
                 </a:solidFill>
               </a:rPr>
-              <a:t>让流程节点支持</a:t>
+              <a:t>人工或者自动审批，当流程任务审批结果提交时，并且提交结果为</a:t>
             </a:r>
             <a:r>
               <a:rPr lang="en-US" altLang="zh-CN" dirty="0" smtClean="0">
@@ -10610,7 +10155,7 @@
                   <a:srgbClr val="FF0000"/>
                 </a:solidFill>
               </a:rPr>
-              <a:t>Input</a:t>
+              <a:t>pass</a:t>
             </a:r>
             <a:r>
               <a:rPr lang="zh-CN" altLang="en-US" dirty="0" smtClean="0">
@@ -10618,7 +10163,7 @@
                   <a:srgbClr val="FF0000"/>
                 </a:solidFill>
               </a:rPr>
-              <a:t>数据绑定，并且提供常用数据类配置和检验</a:t>
+              <a:t>时，异步通知流程任务自动审批管理组件。管理组件内部发布此任务消息，如果有已注册的自动审批处理</a:t>
             </a:r>
             <a:r>
               <a:rPr lang="en-US" altLang="zh-CN" dirty="0" smtClean="0">
@@ -10626,7 +10171,7 @@
                   <a:srgbClr val="FF0000"/>
                 </a:solidFill>
               </a:rPr>
-              <a:t>(</a:t>
+              <a:t>handler</a:t>
             </a:r>
             <a:r>
               <a:rPr lang="zh-CN" altLang="en-US" dirty="0" smtClean="0">
@@ -10634,15 +10179,91 @@
                   <a:srgbClr val="FF0000"/>
                 </a:solidFill>
               </a:rPr>
-              <a:t>比如字符长度，邮箱，身份证号，文件等</a:t>
-            </a:r>
+              <a:t>感兴趣，那么即对它进行处理。同时保留定时任务扫描，扫描间隔时间比较长，用来保证没有被异步通知处理的任务。</a:t>
+            </a:r>
+            <a:endParaRPr lang="en-US" altLang="zh-CN" dirty="0" smtClean="0"/>
+          </a:p>
+          <a:p>
+            <a:pPr marL="0" lvl="1"/>
+            <a:endParaRPr lang="en-US" altLang="zh-CN" dirty="0" smtClean="0"/>
+          </a:p>
+          <a:p>
+            <a:pPr marL="0" lvl="1"/>
+            <a:r>
+              <a:rPr lang="en-US" altLang="zh-CN" dirty="0" smtClean="0"/>
+              <a:t>4. </a:t>
+            </a:r>
+            <a:r>
+              <a:rPr lang="zh-CN" altLang="en-US" dirty="0" smtClean="0"/>
+              <a:t>流程</a:t>
+            </a:r>
+            <a:r>
+              <a:rPr lang="en-US" altLang="zh-CN" dirty="0" smtClean="0"/>
+              <a:t>job</a:t>
+            </a:r>
+            <a:r>
+              <a:rPr lang="zh-CN" altLang="en-US" dirty="0" smtClean="0"/>
+              <a:t>和</a:t>
+            </a:r>
+            <a:r>
+              <a:rPr lang="en-US" altLang="zh-CN" dirty="0" smtClean="0"/>
+              <a:t>task</a:t>
+            </a:r>
+            <a:r>
+              <a:rPr lang="zh-CN" altLang="en-US" dirty="0" smtClean="0"/>
+              <a:t>概念和状态混乱，在代码层面不能统一管理，容易出错。</a:t>
+            </a:r>
+            <a:endParaRPr lang="en-US" altLang="zh-CN" dirty="0" smtClean="0"/>
+          </a:p>
+          <a:p>
+            <a:pPr marL="0" lvl="1"/>
+            <a:r>
+              <a:rPr lang="zh-CN" altLang="en-US" dirty="0" smtClean="0"/>
+              <a:t>解决</a:t>
+            </a:r>
+            <a:r>
+              <a:rPr lang="en-US" altLang="zh-CN" dirty="0" smtClean="0"/>
+              <a:t>:</a:t>
+            </a:r>
+            <a:r>
+              <a:rPr lang="zh-CN" altLang="en-US" dirty="0" smtClean="0"/>
+              <a:t>划分流程</a:t>
+            </a:r>
+            <a:r>
+              <a:rPr lang="en-US" altLang="zh-CN" dirty="0" smtClean="0"/>
+              <a:t>job</a:t>
+            </a:r>
+            <a:r>
+              <a:rPr lang="zh-CN" altLang="en-US" dirty="0" smtClean="0"/>
+              <a:t>和</a:t>
+            </a:r>
+            <a:r>
+              <a:rPr lang="en-US" altLang="zh-CN" dirty="0" smtClean="0"/>
+              <a:t>task</a:t>
+            </a:r>
+            <a:r>
+              <a:rPr lang="zh-CN" altLang="en-US" dirty="0" smtClean="0"/>
+              <a:t>状态，并且通过任务</a:t>
+            </a:r>
+            <a:r>
+              <a:rPr lang="en-US" altLang="zh-CN" dirty="0" smtClean="0"/>
+              <a:t>task</a:t>
+            </a:r>
+            <a:r>
+              <a:rPr lang="zh-CN" altLang="en-US" dirty="0" smtClean="0"/>
+              <a:t>状态机严格进行状态流转。</a:t>
+            </a:r>
+            <a:endParaRPr lang="en-US" altLang="zh-CN" dirty="0" smtClean="0"/>
+          </a:p>
+          <a:p>
+            <a:pPr marL="0" lvl="1"/>
             <a:r>
               <a:rPr lang="en-US" altLang="zh-CN" dirty="0" smtClean="0">
                 <a:solidFill>
                   <a:srgbClr val="FF0000"/>
                 </a:solidFill>
               </a:rPr>
-              <a:t>)</a:t>
+              <a:t>Job</a:t>
             </a:r>
             <a:r>
               <a:rPr lang="zh-CN" altLang="en-US" dirty="0" smtClean="0">
@@ -10650,7 +10271,7 @@
                   <a:srgbClr val="FF0000"/>
                 </a:solidFill>
               </a:rPr>
-              <a:t>，并且基于流程</a:t>
+              <a:t>状态</a:t>
             </a:r>
             <a:r>
               <a:rPr lang="en-US" altLang="zh-CN" dirty="0" smtClean="0">
@@ -10658,7 +10279,7 @@
                   <a:srgbClr val="FF0000"/>
                 </a:solidFill>
               </a:rPr>
-              <a:t>role</a:t>
+              <a:t>:</a:t>
             </a:r>
             <a:r>
               <a:rPr lang="zh-CN" altLang="en-US" dirty="0" smtClean="0">
@@ -10666,7 +10287,7 @@
                   <a:srgbClr val="FF0000"/>
                 </a:solidFill>
               </a:rPr>
-              <a:t>实现每个阶段节点只能读当前节点和前面节点的数据，</a:t>
+              <a:t>开始，通过结束，拒绝结束，取消结束，过期结束</a:t>
             </a:r>
             <a:endParaRPr lang="en-US" altLang="zh-CN" dirty="0" smtClean="0">
               <a:solidFill>
@@ -10677,12 +10298,20 @@
           <a:p>
             <a:pPr marL="0" lvl="1"/>
             <a:r>
+              <a:rPr lang="en-US" altLang="zh-CN" dirty="0" smtClean="0">
+                <a:solidFill>
+                  <a:srgbClr val="FF0000"/>
+                </a:solidFill>
+              </a:rPr>
+              <a:t>Task</a:t>
+            </a:r>
+            <a:r>
               <a:rPr lang="zh-CN" altLang="en-US" dirty="0" smtClean="0">
                 <a:solidFill>
                   <a:srgbClr val="FF0000"/>
                 </a:solidFill>
               </a:rPr>
-              <a:t>并且只能写当前节点配置的</a:t>
+              <a:t>状态</a:t>
             </a:r>
             <a:r>
               <a:rPr lang="en-US" altLang="zh-CN" dirty="0" smtClean="0">
@@ -10690,7 +10319,7 @@
                   <a:srgbClr val="FF0000"/>
                 </a:solidFill>
               </a:rPr>
-              <a:t>Input</a:t>
+              <a:t>:</a:t>
             </a:r>
             <a:r>
               <a:rPr lang="zh-CN" altLang="en-US" dirty="0" smtClean="0">
@@ -10698,305 +10327,13 @@
                   <a:srgbClr val="FF0000"/>
                 </a:solidFill>
               </a:rPr>
-              <a:t>数据。流程所有的</a:t>
-            </a:r>
-            <a:r>
-              <a:rPr lang="en-US" altLang="zh-CN" dirty="0" smtClean="0">
-                <a:solidFill>
-                  <a:srgbClr val="FF0000"/>
-                </a:solidFill>
-              </a:rPr>
-              <a:t>Input</a:t>
-            </a:r>
-            <a:r>
-              <a:rPr lang="zh-CN" altLang="en-US" dirty="0" smtClean="0">
-                <a:solidFill>
-                  <a:srgbClr val="FF0000"/>
-                </a:solidFill>
-              </a:rPr>
-              <a:t>数据以以下</a:t>
-            </a:r>
-            <a:r>
-              <a:rPr lang="en-US" altLang="zh-CN" dirty="0" err="1" smtClean="0">
-                <a:solidFill>
-                  <a:srgbClr val="FF0000"/>
-                </a:solidFill>
-              </a:rPr>
-              <a:t>json</a:t>
-            </a:r>
-            <a:r>
-              <a:rPr lang="zh-CN" altLang="en-US" dirty="0" smtClean="0">
-                <a:solidFill>
-                  <a:srgbClr val="FF0000"/>
-                </a:solidFill>
-              </a:rPr>
-              <a:t>格式保存，并且通过</a:t>
+              <a:t>待领取，待处理，退回到待领取，转移到其他人，通过，拒绝，驳回，异常挂起</a:t>
             </a:r>
             <a:endParaRPr lang="en-US" altLang="zh-CN" dirty="0" smtClean="0">
               <a:solidFill>
                 <a:srgbClr val="FF0000"/>
               </a:solidFill>
             </a:endParaRPr>
-          </a:p>
-          <a:p>
-            <a:pPr marL="0" lvl="1"/>
-            <a:r>
-              <a:rPr lang="en-US" altLang="zh-CN" dirty="0" err="1" smtClean="0">
-                <a:solidFill>
-                  <a:srgbClr val="FF0000"/>
-                </a:solidFill>
-              </a:rPr>
-              <a:t>Json</a:t>
-            </a:r>
-            <a:r>
-              <a:rPr lang="en-US" altLang="zh-CN" dirty="0" smtClean="0">
-                <a:solidFill>
-                  <a:srgbClr val="FF0000"/>
-                </a:solidFill>
-              </a:rPr>
-              <a:t> selector</a:t>
-            </a:r>
-            <a:r>
-              <a:rPr lang="zh-CN" altLang="en-US" dirty="0" smtClean="0">
-                <a:solidFill>
-                  <a:srgbClr val="FF0000"/>
-                </a:solidFill>
-              </a:rPr>
-              <a:t>取值或者自定义</a:t>
-            </a:r>
-            <a:r>
-              <a:rPr lang="en-US" altLang="zh-CN" dirty="0" err="1" smtClean="0">
-                <a:solidFill>
-                  <a:srgbClr val="FF0000"/>
-                </a:solidFill>
-              </a:rPr>
-              <a:t>json</a:t>
-            </a:r>
-            <a:r>
-              <a:rPr lang="zh-CN" altLang="en-US" dirty="0" smtClean="0">
-                <a:solidFill>
-                  <a:srgbClr val="FF0000"/>
-                </a:solidFill>
-              </a:rPr>
-              <a:t>函数处理。</a:t>
-            </a:r>
-            <a:endParaRPr lang="en-US" altLang="zh-CN" dirty="0" smtClean="0">
-              <a:solidFill>
-                <a:srgbClr val="FF0000"/>
-              </a:solidFill>
-            </a:endParaRPr>
-          </a:p>
-          <a:p>
-            <a:pPr marL="0" lvl="1"/>
-            <a:r>
-              <a:rPr lang="en-US" altLang="zh-CN" sz="1000" dirty="0" smtClean="0">
-                <a:solidFill>
-                  <a:srgbClr val="FF0000"/>
-                </a:solidFill>
-              </a:rPr>
-              <a:t>{</a:t>
-            </a:r>
-          </a:p>
-          <a:p>
-            <a:pPr marL="0" lvl="1"/>
-            <a:r>
-              <a:rPr lang="en-US" altLang="zh-CN" sz="1000" dirty="0" smtClean="0">
-                <a:solidFill>
-                  <a:srgbClr val="FF0000"/>
-                </a:solidFill>
-              </a:rPr>
-              <a:t> "</a:t>
-            </a:r>
-            <a:r>
-              <a:rPr lang="zh-CN" altLang="en-US" sz="1000" dirty="0" smtClean="0">
-                <a:solidFill>
-                  <a:srgbClr val="FF0000"/>
-                </a:solidFill>
-              </a:rPr>
-              <a:t>流程</a:t>
-            </a:r>
-            <a:r>
-              <a:rPr lang="en-US" altLang="zh-CN" sz="1000" dirty="0" smtClean="0">
-                <a:solidFill>
-                  <a:srgbClr val="FF0000"/>
-                </a:solidFill>
-              </a:rPr>
-              <a:t>id": "20180920-120000-000000000001",</a:t>
-            </a:r>
-          </a:p>
-          <a:p>
-            <a:pPr marL="0" lvl="1"/>
-            <a:r>
-              <a:rPr lang="en-US" altLang="zh-CN" sz="1000" dirty="0" smtClean="0">
-                <a:solidFill>
-                  <a:srgbClr val="FF0000"/>
-                </a:solidFill>
-              </a:rPr>
-              <a:t> "</a:t>
-            </a:r>
-            <a:r>
-              <a:rPr lang="en-US" altLang="zh-CN" sz="1000" dirty="0" err="1" smtClean="0">
-                <a:solidFill>
-                  <a:srgbClr val="FF0000"/>
-                </a:solidFill>
-              </a:rPr>
-              <a:t>input_data</a:t>
-            </a:r>
-            <a:r>
-              <a:rPr lang="en-US" altLang="zh-CN" sz="1000" dirty="0" smtClean="0">
-                <a:solidFill>
-                  <a:srgbClr val="FF0000"/>
-                </a:solidFill>
-              </a:rPr>
-              <a:t>": [{</a:t>
-            </a:r>
-          </a:p>
-          <a:p>
-            <a:pPr marL="0" lvl="1"/>
-            <a:r>
-              <a:rPr lang="en-US" altLang="zh-CN" sz="1000" dirty="0" smtClean="0">
-                <a:solidFill>
-                  <a:srgbClr val="FF0000"/>
-                </a:solidFill>
-              </a:rPr>
-              <a:t>	"version": 0,</a:t>
-            </a:r>
-          </a:p>
-          <a:p>
-            <a:pPr marL="0" lvl="1"/>
-            <a:r>
-              <a:rPr lang="en-US" altLang="zh-CN" sz="1000" dirty="0" smtClean="0">
-                <a:solidFill>
-                  <a:srgbClr val="FF0000"/>
-                </a:solidFill>
-              </a:rPr>
-              <a:t>	"data": {</a:t>
-            </a:r>
-          </a:p>
-          <a:p>
-            <a:pPr marL="0" lvl="1"/>
-            <a:r>
-              <a:rPr lang="en-US" altLang="zh-CN" sz="1000" dirty="0" smtClean="0">
-                <a:solidFill>
-                  <a:srgbClr val="FF0000"/>
-                </a:solidFill>
-              </a:rPr>
-              <a:t>	            "</a:t>
-            </a:r>
-            <a:r>
-              <a:rPr lang="zh-CN" altLang="en-US" sz="1000" dirty="0" smtClean="0">
-                <a:solidFill>
-                  <a:srgbClr val="FF0000"/>
-                </a:solidFill>
-              </a:rPr>
-              <a:t>申请</a:t>
-            </a:r>
-            <a:r>
-              <a:rPr lang="en-US" altLang="zh-CN" sz="1000" dirty="0" smtClean="0">
-                <a:solidFill>
-                  <a:srgbClr val="FF0000"/>
-                </a:solidFill>
-              </a:rPr>
-              <a:t>": [{</a:t>
-            </a:r>
-          </a:p>
-          <a:p>
-            <a:pPr marL="0" lvl="1"/>
-            <a:r>
-              <a:rPr lang="en-US" altLang="zh-CN" sz="1000" dirty="0" smtClean="0">
-                <a:solidFill>
-                  <a:srgbClr val="FF0000"/>
-                </a:solidFill>
-              </a:rPr>
-              <a:t>	                         "</a:t>
-            </a:r>
-            <a:r>
-              <a:rPr lang="zh-CN" altLang="en-US" sz="1000" dirty="0" smtClean="0">
-                <a:solidFill>
-                  <a:srgbClr val="FF0000"/>
-                </a:solidFill>
-              </a:rPr>
-              <a:t>客户</a:t>
-            </a:r>
-            <a:r>
-              <a:rPr lang="en-US" altLang="zh-CN" sz="1000" dirty="0" smtClean="0">
-                <a:solidFill>
-                  <a:srgbClr val="FF0000"/>
-                </a:solidFill>
-              </a:rPr>
-              <a:t>ID": "</a:t>
-            </a:r>
-            <a:r>
-              <a:rPr lang="en-US" altLang="zh-CN" sz="1000" dirty="0" err="1" smtClean="0">
-                <a:solidFill>
-                  <a:srgbClr val="FF0000"/>
-                </a:solidFill>
-              </a:rPr>
-              <a:t>sixliu</a:t>
-            </a:r>
-            <a:r>
-              <a:rPr lang="en-US" altLang="zh-CN" sz="1000" dirty="0" smtClean="0">
-                <a:solidFill>
-                  <a:srgbClr val="FF0000"/>
-                </a:solidFill>
-              </a:rPr>
-              <a:t>",</a:t>
-            </a:r>
-          </a:p>
-          <a:p>
-            <a:pPr marL="0" lvl="1"/>
-            <a:r>
-              <a:rPr lang="en-US" altLang="zh-CN" sz="1000" dirty="0" smtClean="0">
-                <a:solidFill>
-                  <a:srgbClr val="FF0000"/>
-                </a:solidFill>
-              </a:rPr>
-              <a:t>		"type": "string"</a:t>
-            </a:r>
-          </a:p>
-          <a:p>
-            <a:pPr marL="0" lvl="1"/>
-            <a:r>
-              <a:rPr lang="en-US" altLang="zh-CN" sz="1000" dirty="0" smtClean="0">
-                <a:solidFill>
-                  <a:srgbClr val="FF0000"/>
-                </a:solidFill>
-              </a:rPr>
-              <a:t>		}]</a:t>
-            </a:r>
-          </a:p>
-          <a:p>
-            <a:pPr marL="0" lvl="1"/>
-            <a:r>
-              <a:rPr lang="en-US" altLang="zh-CN" sz="1000" dirty="0" smtClean="0">
-                <a:solidFill>
-                  <a:srgbClr val="FF0000"/>
-                </a:solidFill>
-              </a:rPr>
-              <a:t>	            }</a:t>
-            </a:r>
-          </a:p>
-          <a:p>
-            <a:pPr marL="0" lvl="1"/>
-            <a:r>
-              <a:rPr lang="en-US" altLang="zh-CN" sz="1000" dirty="0" smtClean="0">
-                <a:solidFill>
-                  <a:srgbClr val="FF0000"/>
-                </a:solidFill>
-              </a:rPr>
-              <a:t>	}]</a:t>
-            </a:r>
-          </a:p>
-          <a:p>
-            <a:pPr marL="0" lvl="1"/>
-            <a:r>
-              <a:rPr lang="en-US" altLang="zh-CN" sz="1000" dirty="0" smtClean="0">
-                <a:solidFill>
-                  <a:srgbClr val="FF0000"/>
-                </a:solidFill>
-              </a:rPr>
-              <a:t>}</a:t>
-            </a:r>
           </a:p>
         </p:txBody>
       </p:sp>
@@ -11006,7 +10343,7 @@
     </p:custDataLst>
     <p:extLst>
       <p:ext uri="{BB962C8B-B14F-4D97-AF65-F5344CB8AC3E}">
-        <p14:creationId xmlns="" xmlns:p14="http://schemas.microsoft.com/office/powerpoint/2010/main" val="3713010676"/>
+        <p14:creationId xmlns:p14="http://schemas.microsoft.com/office/powerpoint/2010/main" xmlns="" val="3713010676"/>
       </p:ext>
     </p:extLst>
   </p:cSld>
@@ -11014,7 +10351,7 @@
     <a:masterClrMapping/>
   </p:clrMapOvr>
   <mc:AlternateContent xmlns:mc="http://schemas.openxmlformats.org/markup-compatibility/2006">
-    <mc:Choice xmlns="" xmlns:p14="http://schemas.microsoft.com/office/powerpoint/2010/main" Requires="p14">
+    <mc:Choice xmlns:p14="http://schemas.microsoft.com/office/powerpoint/2010/main" xmlns="" Requires="p14">
       <p:transition spd="slow" p14:dur="1500">
         <p:random/>
       </p:transition>
@@ -11060,8 +10397,8 @@
         </p:nvCxnSpPr>
         <p:spPr>
           <a:xfrm flipV="1">
-            <a:off x="0" y="624254"/>
-            <a:ext cx="4317023" cy="10746"/>
+            <a:off x="0" y="615462"/>
+            <a:ext cx="4290646" cy="19539"/>
           </a:xfrm>
           <a:prstGeom prst="line">
             <a:avLst/>
@@ -11163,445 +10500,19 @@
               <a:rPr lang="zh-CN" altLang="en-US" sz="3200" dirty="0" smtClean="0">
                 <a:latin typeface="Agency FB" panose="020B0503020202020204" pitchFamily="34" charset="0"/>
               </a:rPr>
-              <a:t>老架构存在的问题</a:t>
-            </a:r>
-            <a:endParaRPr lang="zh-CN" altLang="en-US" sz="3200" dirty="0">
-              <a:latin typeface="Agency FB" panose="020B0503020202020204" pitchFamily="34" charset="0"/>
-            </a:endParaRPr>
-          </a:p>
-        </p:txBody>
-      </p:sp>
-      <p:sp>
-        <p:nvSpPr>
-          <p:cNvPr id="29" name="TextBox 28"/>
-          <p:cNvSpPr txBox="1"/>
-          <p:nvPr/>
-        </p:nvSpPr>
-        <p:spPr>
-          <a:xfrm>
-            <a:off x="1238250" y="1534311"/>
-            <a:ext cx="9715500" cy="3139321"/>
-          </a:xfrm>
-          <a:prstGeom prst="rect">
-            <a:avLst/>
-          </a:prstGeom>
-          <a:noFill/>
-        </p:spPr>
-        <p:txBody>
-          <a:bodyPr wrap="square" rtlCol="0" anchor="ctr">
-            <a:spAutoFit/>
-          </a:bodyPr>
-          <a:lstStyle/>
-          <a:p>
-            <a:r>
-              <a:rPr lang="en-US" altLang="zh-CN" dirty="0" smtClean="0"/>
-              <a:t>3. </a:t>
-            </a:r>
-            <a:r>
-              <a:rPr lang="zh-CN" altLang="en-US" dirty="0" smtClean="0"/>
-              <a:t>流程节点没有区分自动处理和人工处理。目前自动处理完全依赖于定时任务驱动。定时任务</a:t>
-            </a:r>
-          </a:p>
-          <a:p>
-            <a:r>
-              <a:rPr lang="zh-CN" altLang="en-US" dirty="0" smtClean="0"/>
-              <a:t>    扫描频率过快占用资源，频率过慢严重影响审批速度。</a:t>
-            </a:r>
-            <a:endParaRPr lang="en-US" altLang="zh-CN" dirty="0" smtClean="0"/>
-          </a:p>
-          <a:p>
-            <a:r>
-              <a:rPr lang="zh-CN" altLang="en-US" dirty="0" smtClean="0">
-                <a:solidFill>
-                  <a:srgbClr val="FF0000"/>
-                </a:solidFill>
-              </a:rPr>
-              <a:t>解决</a:t>
-            </a:r>
-            <a:r>
-              <a:rPr lang="en-US" altLang="zh-CN" dirty="0" smtClean="0">
-                <a:solidFill>
-                  <a:srgbClr val="FF0000"/>
-                </a:solidFill>
-              </a:rPr>
-              <a:t>:</a:t>
-            </a:r>
-            <a:r>
-              <a:rPr lang="zh-CN" altLang="en-US" dirty="0" smtClean="0">
-                <a:solidFill>
-                  <a:srgbClr val="FF0000"/>
-                </a:solidFill>
-              </a:rPr>
-              <a:t>明确定义流程任务类型为</a:t>
-            </a:r>
-            <a:r>
-              <a:rPr lang="en-US" altLang="zh-CN" dirty="0" smtClean="0">
-                <a:solidFill>
-                  <a:srgbClr val="FF0000"/>
-                </a:solidFill>
-              </a:rPr>
-              <a:t>:</a:t>
-            </a:r>
-            <a:r>
-              <a:rPr lang="zh-CN" altLang="en-US" dirty="0" smtClean="0">
-                <a:solidFill>
-                  <a:srgbClr val="FF0000"/>
-                </a:solidFill>
-              </a:rPr>
-              <a:t>人工或者自动审批，当流程任务审批结果提交时，并且提交结果为</a:t>
-            </a:r>
-            <a:r>
-              <a:rPr lang="en-US" altLang="zh-CN" dirty="0" smtClean="0">
-                <a:solidFill>
-                  <a:srgbClr val="FF0000"/>
-                </a:solidFill>
-              </a:rPr>
-              <a:t>pass</a:t>
-            </a:r>
-            <a:r>
-              <a:rPr lang="zh-CN" altLang="en-US" dirty="0" smtClean="0">
-                <a:solidFill>
-                  <a:srgbClr val="FF0000"/>
-                </a:solidFill>
-              </a:rPr>
-              <a:t>时，异步通知流程任务自动审批管理组件。管理组件内部发布此任务消息，如果有已注册的自动审批处理</a:t>
-            </a:r>
-            <a:r>
-              <a:rPr lang="en-US" altLang="zh-CN" dirty="0" smtClean="0">
-                <a:solidFill>
-                  <a:srgbClr val="FF0000"/>
-                </a:solidFill>
-              </a:rPr>
-              <a:t>handler</a:t>
-            </a:r>
-            <a:r>
-              <a:rPr lang="zh-CN" altLang="en-US" dirty="0" smtClean="0">
-                <a:solidFill>
-                  <a:srgbClr val="FF0000"/>
-                </a:solidFill>
-              </a:rPr>
-              <a:t>感兴趣，那么即对它进行处理。同时保留定时任务扫描，扫描间隔时间比较长，用来保证没有被异步通知处理的任务。</a:t>
-            </a:r>
-            <a:endParaRPr lang="en-US" altLang="zh-CN" dirty="0" smtClean="0"/>
-          </a:p>
-          <a:p>
-            <a:pPr marL="0" lvl="1"/>
-            <a:endParaRPr lang="en-US" altLang="zh-CN" dirty="0" smtClean="0"/>
-          </a:p>
-          <a:p>
-            <a:pPr marL="0" lvl="1"/>
-            <a:r>
-              <a:rPr lang="en-US" altLang="zh-CN" dirty="0" smtClean="0"/>
-              <a:t>4. </a:t>
-            </a:r>
-            <a:r>
-              <a:rPr lang="zh-CN" altLang="en-US" dirty="0" smtClean="0"/>
-              <a:t>流程</a:t>
-            </a:r>
-            <a:r>
-              <a:rPr lang="en-US" altLang="zh-CN" dirty="0" smtClean="0"/>
-              <a:t>job</a:t>
-            </a:r>
-            <a:r>
-              <a:rPr lang="zh-CN" altLang="en-US" dirty="0" smtClean="0"/>
-              <a:t>和</a:t>
-            </a:r>
-            <a:r>
-              <a:rPr lang="en-US" altLang="zh-CN" dirty="0" smtClean="0"/>
-              <a:t>task</a:t>
-            </a:r>
-            <a:r>
-              <a:rPr lang="zh-CN" altLang="en-US" dirty="0" smtClean="0"/>
-              <a:t>概念和状态混乱，在代码层面不能统一管理，容易出错。</a:t>
-            </a:r>
-            <a:endParaRPr lang="en-US" altLang="zh-CN" dirty="0" smtClean="0"/>
-          </a:p>
-          <a:p>
-            <a:pPr marL="0" lvl="1"/>
-            <a:r>
-              <a:rPr lang="zh-CN" altLang="en-US" dirty="0" smtClean="0"/>
-              <a:t>解决</a:t>
-            </a:r>
-            <a:r>
-              <a:rPr lang="en-US" altLang="zh-CN" dirty="0" smtClean="0"/>
-              <a:t>:</a:t>
-            </a:r>
-            <a:r>
-              <a:rPr lang="zh-CN" altLang="en-US" dirty="0" smtClean="0"/>
-              <a:t>划分流程</a:t>
-            </a:r>
-            <a:r>
-              <a:rPr lang="en-US" altLang="zh-CN" dirty="0" smtClean="0"/>
-              <a:t>job</a:t>
-            </a:r>
-            <a:r>
-              <a:rPr lang="zh-CN" altLang="en-US" dirty="0" smtClean="0"/>
-              <a:t>和</a:t>
-            </a:r>
-            <a:r>
-              <a:rPr lang="en-US" altLang="zh-CN" dirty="0" smtClean="0"/>
-              <a:t>task</a:t>
-            </a:r>
-            <a:r>
-              <a:rPr lang="zh-CN" altLang="en-US" dirty="0" smtClean="0"/>
-              <a:t>状态，并且通过任务</a:t>
-            </a:r>
-            <a:r>
-              <a:rPr lang="en-US" altLang="zh-CN" dirty="0" smtClean="0"/>
-              <a:t>task</a:t>
-            </a:r>
-            <a:r>
-              <a:rPr lang="zh-CN" altLang="en-US" dirty="0" smtClean="0"/>
-              <a:t>状态机严格进行状态流转。</a:t>
-            </a:r>
-            <a:endParaRPr lang="en-US" altLang="zh-CN" dirty="0" smtClean="0"/>
-          </a:p>
-          <a:p>
-            <a:pPr marL="0" lvl="1"/>
-            <a:r>
-              <a:rPr lang="en-US" altLang="zh-CN" dirty="0" smtClean="0">
-                <a:solidFill>
-                  <a:srgbClr val="FF0000"/>
-                </a:solidFill>
-              </a:rPr>
-              <a:t>Job</a:t>
-            </a:r>
-            <a:r>
-              <a:rPr lang="zh-CN" altLang="en-US" dirty="0" smtClean="0">
-                <a:solidFill>
-                  <a:srgbClr val="FF0000"/>
-                </a:solidFill>
-              </a:rPr>
-              <a:t>状态</a:t>
-            </a:r>
-            <a:r>
-              <a:rPr lang="en-US" altLang="zh-CN" dirty="0" smtClean="0">
-                <a:solidFill>
-                  <a:srgbClr val="FF0000"/>
-                </a:solidFill>
-              </a:rPr>
-              <a:t>:</a:t>
-            </a:r>
-            <a:r>
-              <a:rPr lang="zh-CN" altLang="en-US" dirty="0" smtClean="0">
-                <a:solidFill>
-                  <a:srgbClr val="FF0000"/>
-                </a:solidFill>
-              </a:rPr>
-              <a:t>开始，通过结束，拒绝结束，取消结束，过期结束</a:t>
-            </a:r>
-            <a:endParaRPr lang="en-US" altLang="zh-CN" dirty="0" smtClean="0">
-              <a:solidFill>
-                <a:srgbClr val="FF0000"/>
-              </a:solidFill>
-            </a:endParaRPr>
-          </a:p>
-          <a:p>
-            <a:pPr marL="0" lvl="1"/>
-            <a:r>
-              <a:rPr lang="en-US" altLang="zh-CN" dirty="0" smtClean="0">
-                <a:solidFill>
-                  <a:srgbClr val="FF0000"/>
-                </a:solidFill>
-              </a:rPr>
-              <a:t>Task</a:t>
-            </a:r>
-            <a:r>
-              <a:rPr lang="zh-CN" altLang="en-US" dirty="0" smtClean="0">
-                <a:solidFill>
-                  <a:srgbClr val="FF0000"/>
-                </a:solidFill>
-              </a:rPr>
-              <a:t>状态</a:t>
-            </a:r>
-            <a:r>
-              <a:rPr lang="en-US" altLang="zh-CN" dirty="0" smtClean="0">
-                <a:solidFill>
-                  <a:srgbClr val="FF0000"/>
-                </a:solidFill>
-              </a:rPr>
-              <a:t>:</a:t>
-            </a:r>
-            <a:r>
-              <a:rPr lang="zh-CN" altLang="en-US" dirty="0" smtClean="0">
-                <a:solidFill>
-                  <a:srgbClr val="FF0000"/>
-                </a:solidFill>
-              </a:rPr>
-              <a:t>待领取，待处理，退回到待领取，转移到其他人，通过，拒绝，驳回，异常挂起</a:t>
-            </a:r>
-            <a:endParaRPr lang="en-US" altLang="zh-CN" dirty="0" smtClean="0">
-              <a:solidFill>
-                <a:srgbClr val="FF0000"/>
-              </a:solidFill>
-            </a:endParaRPr>
-          </a:p>
-        </p:txBody>
-      </p:sp>
-    </p:spTree>
-    <p:custDataLst>
-      <p:tags r:id="rId1"/>
-    </p:custDataLst>
-    <p:extLst>
-      <p:ext uri="{BB962C8B-B14F-4D97-AF65-F5344CB8AC3E}">
-        <p14:creationId xmlns="" xmlns:p14="http://schemas.microsoft.com/office/powerpoint/2010/main" val="3713010676"/>
-      </p:ext>
-    </p:extLst>
-  </p:cSld>
-  <p:clrMapOvr>
-    <a:masterClrMapping/>
-  </p:clrMapOvr>
-  <mc:AlternateContent xmlns:mc="http://schemas.openxmlformats.org/markup-compatibility/2006">
-    <mc:Choice xmlns="" xmlns:p14="http://schemas.microsoft.com/office/powerpoint/2010/main" Requires="p14">
-      <p:transition spd="slow" p14:dur="1500">
-        <p:random/>
-      </p:transition>
-    </mc:Choice>
-    <mc:Fallback>
-      <p:transition spd="slow">
-        <p:random/>
-      </p:transition>
-    </mc:Fallback>
-  </mc:AlternateContent>
-  <p:timing>
-    <p:tnLst>
-      <p:par>
-        <p:cTn id="1" dur="indefinite" restart="never" nodeType="tmRoot"/>
-      </p:par>
-    </p:tnLst>
-  </p:timing>
-</p:sld>
-</file>
-
-<file path=ppt/slides/slide6.xml><?xml version="1.0" encoding="utf-8"?>
-<p:sld xmlns:a="http://schemas.openxmlformats.org/drawingml/2006/main" xmlns:r="http://schemas.openxmlformats.org/officeDocument/2006/relationships" xmlns:p="http://schemas.openxmlformats.org/presentationml/2006/main">
-  <p:cSld>
-    <p:spTree>
-      <p:nvGrpSpPr>
-        <p:cNvPr id="1" name=""/>
-        <p:cNvGrpSpPr/>
-        <p:nvPr/>
-      </p:nvGrpSpPr>
-      <p:grpSpPr>
-        <a:xfrm>
-          <a:off x="0" y="0"/>
-          <a:ext cx="0" cy="0"/>
-          <a:chOff x="0" y="0"/>
-          <a:chExt cx="0" cy="0"/>
-        </a:xfrm>
-      </p:grpSpPr>
-      <p:cxnSp>
-        <p:nvCxnSpPr>
-          <p:cNvPr id="41" name="直接连接符 40"/>
-          <p:cNvCxnSpPr/>
-          <p:nvPr/>
-        </p:nvCxnSpPr>
-        <p:spPr>
-          <a:xfrm flipV="1">
-            <a:off x="0" y="606669"/>
-            <a:ext cx="3877408" cy="28331"/>
-          </a:xfrm>
-          <a:prstGeom prst="line">
-            <a:avLst/>
-          </a:prstGeom>
-          <a:ln>
-            <a:solidFill>
-              <a:schemeClr val="bg1">
-                <a:lumMod val="65000"/>
-              </a:schemeClr>
-            </a:solidFill>
-            <a:tailEnd type="oval"/>
-          </a:ln>
-        </p:spPr>
-        <p:style>
-          <a:lnRef idx="1">
-            <a:schemeClr val="accent1"/>
-          </a:lnRef>
-          <a:fillRef idx="0">
-            <a:schemeClr val="accent1"/>
-          </a:fillRef>
-          <a:effectRef idx="0">
-            <a:schemeClr val="accent1"/>
-          </a:effectRef>
-          <a:fontRef idx="minor">
-            <a:schemeClr val="tx1"/>
-          </a:fontRef>
-        </p:style>
-      </p:cxnSp>
-      <p:cxnSp>
-        <p:nvCxnSpPr>
-          <p:cNvPr id="42" name="直接连接符 41"/>
-          <p:cNvCxnSpPr>
-            <a:stCxn id="43" idx="3"/>
-          </p:cNvCxnSpPr>
-          <p:nvPr/>
-        </p:nvCxnSpPr>
-        <p:spPr>
-          <a:xfrm flipV="1">
-            <a:off x="8240177" y="635000"/>
-            <a:ext cx="3951823" cy="2680"/>
-          </a:xfrm>
-          <a:prstGeom prst="line">
-            <a:avLst/>
-          </a:prstGeom>
-          <a:ln>
-            <a:solidFill>
-              <a:schemeClr val="bg1">
-                <a:lumMod val="65000"/>
-              </a:schemeClr>
-            </a:solidFill>
-            <a:headEnd type="oval"/>
-            <a:tailEnd type="none"/>
-          </a:ln>
-        </p:spPr>
-        <p:style>
-          <a:lnRef idx="1">
-            <a:schemeClr val="accent1"/>
-          </a:lnRef>
-          <a:fillRef idx="0">
-            <a:schemeClr val="accent1"/>
-          </a:fillRef>
-          <a:effectRef idx="0">
-            <a:schemeClr val="accent1"/>
-          </a:effectRef>
-          <a:fontRef idx="minor">
-            <a:schemeClr val="tx1"/>
-          </a:fontRef>
-        </p:style>
-      </p:cxnSp>
-      <p:sp>
-        <p:nvSpPr>
-          <p:cNvPr id="43" name="文本框 42"/>
-          <p:cNvSpPr txBox="1"/>
-          <p:nvPr/>
-        </p:nvSpPr>
-        <p:spPr>
-          <a:xfrm>
-            <a:off x="3951824" y="345292"/>
-            <a:ext cx="4288353" cy="584775"/>
-          </a:xfrm>
-          <a:prstGeom prst="rect">
-            <a:avLst/>
-          </a:prstGeom>
-          <a:noFill/>
-        </p:spPr>
-        <p:txBody>
-          <a:bodyPr wrap="none" rtlCol="0">
-            <a:spAutoFit/>
-            <a:scene3d>
-              <a:camera prst="orthographicFront"/>
-              <a:lightRig rig="threePt" dir="t"/>
-            </a:scene3d>
-            <a:sp3d contourW="12700"/>
-          </a:bodyPr>
-          <a:lstStyle/>
-          <a:p>
-            <a:pPr algn="ctr"/>
+              <a:t>老架构存在</a:t>
+            </a:r>
             <a:r>
               <a:rPr lang="zh-CN" altLang="en-US" sz="3200" dirty="0" smtClean="0">
                 <a:latin typeface="Agency FB" panose="020B0503020202020204" pitchFamily="34" charset="0"/>
               </a:rPr>
-              <a:t>老架构存在的主要问题</a:t>
+              <a:t>的</a:t>
+            </a:r>
+            <a:r>
+              <a:rPr lang="zh-CN" altLang="en-US" sz="3200" dirty="0" smtClean="0">
+                <a:latin typeface="Agency FB" panose="020B0503020202020204" pitchFamily="34" charset="0"/>
+              </a:rPr>
+              <a:t>痛点</a:t>
             </a:r>
             <a:endParaRPr lang="zh-CN" altLang="en-US" sz="3200" dirty="0">
               <a:latin typeface="Agency FB" panose="020B0503020202020204" pitchFamily="34" charset="0"/>
@@ -11832,7 +10743,7 @@
     </p:custDataLst>
     <p:extLst>
       <p:ext uri="{BB962C8B-B14F-4D97-AF65-F5344CB8AC3E}">
-        <p14:creationId xmlns="" xmlns:p14="http://schemas.microsoft.com/office/powerpoint/2010/main" val="3713010676"/>
+        <p14:creationId xmlns:p14="http://schemas.microsoft.com/office/powerpoint/2010/main" xmlns="" val="3713010676"/>
       </p:ext>
     </p:extLst>
   </p:cSld>
@@ -11840,7 +10751,7 @@
     <a:masterClrMapping/>
   </p:clrMapOvr>
   <mc:AlternateContent xmlns:mc="http://schemas.openxmlformats.org/markup-compatibility/2006">
-    <mc:Choice xmlns="" xmlns:p14="http://schemas.microsoft.com/office/powerpoint/2010/main" Requires="p14">
+    <mc:Choice xmlns:p14="http://schemas.microsoft.com/office/powerpoint/2010/main" xmlns="" Requires="p14">
       <p:transition spd="slow" p14:dur="1500">
         <p:random/>
       </p:transition>
@@ -11861,7 +10772,7 @@
 </p:sld>
 </file>
 
-<file path=ppt/slides/slide7.xml><?xml version="1.0" encoding="utf-8"?>
+<file path=ppt/slides/slide6.xml><?xml version="1.0" encoding="utf-8"?>
 <p:sld xmlns:a="http://schemas.openxmlformats.org/drawingml/2006/main" xmlns:r="http://schemas.openxmlformats.org/officeDocument/2006/relationships" xmlns:p="http://schemas.openxmlformats.org/presentationml/2006/main">
   <p:cSld>
     <p:spTree>
@@ -12033,7 +10944,7 @@
     </p:custDataLst>
     <p:extLst>
       <p:ext uri="{BB962C8B-B14F-4D97-AF65-F5344CB8AC3E}">
-        <p14:creationId xmlns="" xmlns:p14="http://schemas.microsoft.com/office/powerpoint/2010/main" val="2805908120"/>
+        <p14:creationId xmlns:p14="http://schemas.microsoft.com/office/powerpoint/2010/main" xmlns="" val="2805908120"/>
       </p:ext>
     </p:extLst>
   </p:cSld>
@@ -12041,7 +10952,7 @@
     <a:masterClrMapping/>
   </p:clrMapOvr>
   <mc:AlternateContent xmlns:mc="http://schemas.openxmlformats.org/markup-compatibility/2006">
-    <mc:Choice xmlns="" xmlns:p14="http://schemas.microsoft.com/office/powerpoint/2010/main" Requires="p14">
+    <mc:Choice xmlns:p14="http://schemas.microsoft.com/office/powerpoint/2010/main" xmlns="" Requires="p14">
       <p:transition spd="slow" p14:dur="1500">
         <p:random/>
       </p:transition>
@@ -12062,7 +10973,7 @@
 </p:sld>
 </file>
 
-<file path=ppt/slides/slide8.xml><?xml version="1.0" encoding="utf-8"?>
+<file path=ppt/slides/slide7.xml><?xml version="1.0" encoding="utf-8"?>
 <p:sld xmlns:a="http://schemas.openxmlformats.org/drawingml/2006/main" xmlns:r="http://schemas.openxmlformats.org/officeDocument/2006/relationships" xmlns:p="http://schemas.openxmlformats.org/presentationml/2006/main">
   <p:cSld>
     <p:spTree>
@@ -12209,7 +11120,7 @@
           <p:nvPr/>
         </p:nvPicPr>
         <p:blipFill>
-          <a:blip r:embed="rId4"/>
+          <a:blip r:embed="rId4" cstate="print"/>
           <a:srcRect/>
           <a:stretch>
             <a:fillRect/>
@@ -12239,7 +11150,7 @@
     </p:custDataLst>
     <p:extLst>
       <p:ext uri="{BB962C8B-B14F-4D97-AF65-F5344CB8AC3E}">
-        <p14:creationId xmlns="" xmlns:p14="http://schemas.microsoft.com/office/powerpoint/2010/main" val="1981112831"/>
+        <p14:creationId xmlns:p14="http://schemas.microsoft.com/office/powerpoint/2010/main" xmlns="" val="1981112831"/>
       </p:ext>
     </p:extLst>
   </p:cSld>
@@ -12247,7 +11158,213 @@
     <a:masterClrMapping/>
   </p:clrMapOvr>
   <mc:AlternateContent xmlns:mc="http://schemas.openxmlformats.org/markup-compatibility/2006">
-    <mc:Choice xmlns="" xmlns:p14="http://schemas.microsoft.com/office/powerpoint/2010/main" Requires="p14">
+    <mc:Choice xmlns:p14="http://schemas.microsoft.com/office/powerpoint/2010/main" xmlns="" Requires="p14">
+      <p:transition spd="slow" p14:dur="1500">
+        <p:random/>
+      </p:transition>
+    </mc:Choice>
+    <mc:Fallback>
+      <p:transition spd="slow">
+        <p:random/>
+      </p:transition>
+    </mc:Fallback>
+  </mc:AlternateContent>
+  <p:timing>
+    <p:tnLst>
+      <p:par>
+        <p:cTn id="1" dur="indefinite" restart="never" nodeType="tmRoot"/>
+      </p:par>
+    </p:tnLst>
+  </p:timing>
+</p:sld>
+</file>
+
+<file path=ppt/slides/slide8.xml><?xml version="1.0" encoding="utf-8"?>
+<p:sld xmlns:a="http://schemas.openxmlformats.org/drawingml/2006/main" xmlns:r="http://schemas.openxmlformats.org/officeDocument/2006/relationships" xmlns:p="http://schemas.openxmlformats.org/presentationml/2006/main">
+  <p:cSld>
+    <p:spTree>
+      <p:nvGrpSpPr>
+        <p:cNvPr id="1" name=""/>
+        <p:cNvGrpSpPr/>
+        <p:nvPr/>
+      </p:nvGrpSpPr>
+      <p:grpSpPr>
+        <a:xfrm>
+          <a:off x="0" y="0"/>
+          <a:ext cx="0" cy="0"/>
+          <a:chOff x="0" y="0"/>
+          <a:chExt cx="0" cy="0"/>
+        </a:xfrm>
+      </p:grpSpPr>
+      <p:cxnSp>
+        <p:nvCxnSpPr>
+          <p:cNvPr id="28" name="直接连接符 27"/>
+          <p:cNvCxnSpPr>
+            <a:endCxn id="30" idx="1"/>
+          </p:cNvCxnSpPr>
+          <p:nvPr/>
+        </p:nvCxnSpPr>
+        <p:spPr>
+          <a:xfrm>
+            <a:off x="0" y="635000"/>
+            <a:ext cx="4567376" cy="2680"/>
+          </a:xfrm>
+          <a:prstGeom prst="line">
+            <a:avLst/>
+          </a:prstGeom>
+          <a:ln>
+            <a:solidFill>
+              <a:schemeClr val="bg1">
+                <a:lumMod val="65000"/>
+              </a:schemeClr>
+            </a:solidFill>
+            <a:tailEnd type="oval"/>
+          </a:ln>
+        </p:spPr>
+        <p:style>
+          <a:lnRef idx="1">
+            <a:schemeClr val="accent1"/>
+          </a:lnRef>
+          <a:fillRef idx="0">
+            <a:schemeClr val="accent1"/>
+          </a:fillRef>
+          <a:effectRef idx="0">
+            <a:schemeClr val="accent1"/>
+          </a:effectRef>
+          <a:fontRef idx="minor">
+            <a:schemeClr val="tx1"/>
+          </a:fontRef>
+        </p:style>
+      </p:cxnSp>
+      <p:cxnSp>
+        <p:nvCxnSpPr>
+          <p:cNvPr id="29" name="直接连接符 28"/>
+          <p:cNvCxnSpPr>
+            <a:stCxn id="30" idx="3"/>
+          </p:cNvCxnSpPr>
+          <p:nvPr/>
+        </p:nvCxnSpPr>
+        <p:spPr>
+          <a:xfrm flipV="1">
+            <a:off x="7624624" y="635000"/>
+            <a:ext cx="4567376" cy="2680"/>
+          </a:xfrm>
+          <a:prstGeom prst="line">
+            <a:avLst/>
+          </a:prstGeom>
+          <a:ln>
+            <a:solidFill>
+              <a:schemeClr val="bg1">
+                <a:lumMod val="65000"/>
+              </a:schemeClr>
+            </a:solidFill>
+            <a:headEnd type="oval"/>
+            <a:tailEnd type="none"/>
+          </a:ln>
+        </p:spPr>
+        <p:style>
+          <a:lnRef idx="1">
+            <a:schemeClr val="accent1"/>
+          </a:lnRef>
+          <a:fillRef idx="0">
+            <a:schemeClr val="accent1"/>
+          </a:fillRef>
+          <a:effectRef idx="0">
+            <a:schemeClr val="accent1"/>
+          </a:effectRef>
+          <a:fontRef idx="minor">
+            <a:schemeClr val="tx1"/>
+          </a:fontRef>
+        </p:style>
+      </p:cxnSp>
+      <p:sp>
+        <p:nvSpPr>
+          <p:cNvPr id="30" name="文本框 29"/>
+          <p:cNvSpPr txBox="1"/>
+          <p:nvPr/>
+        </p:nvSpPr>
+        <p:spPr>
+          <a:xfrm>
+            <a:off x="4567376" y="345292"/>
+            <a:ext cx="3057248" cy="584775"/>
+          </a:xfrm>
+          <a:prstGeom prst="rect">
+            <a:avLst/>
+          </a:prstGeom>
+          <a:noFill/>
+        </p:spPr>
+        <p:txBody>
+          <a:bodyPr wrap="none" rtlCol="0">
+            <a:spAutoFit/>
+            <a:scene3d>
+              <a:camera prst="orthographicFront"/>
+              <a:lightRig rig="threePt" dir="t"/>
+            </a:scene3d>
+            <a:sp3d contourW="12700"/>
+          </a:bodyPr>
+          <a:lstStyle/>
+          <a:p>
+            <a:pPr algn="ctr"/>
+            <a:r>
+              <a:rPr lang="zh-CN" altLang="en-US" sz="3200" dirty="0" smtClean="0">
+                <a:latin typeface="Agency FB" panose="020B0503020202020204" pitchFamily="34" charset="0"/>
+              </a:rPr>
+              <a:t>授信申请时序图</a:t>
+            </a:r>
+            <a:endParaRPr lang="zh-CN" altLang="en-US" sz="3200" dirty="0">
+              <a:latin typeface="Agency FB" panose="020B0503020202020204" pitchFamily="34" charset="0"/>
+            </a:endParaRPr>
+          </a:p>
+        </p:txBody>
+      </p:sp>
+      <p:pic>
+        <p:nvPicPr>
+          <p:cNvPr id="3076" name="Picture 4"/>
+          <p:cNvPicPr>
+            <a:picLocks noChangeAspect="1" noChangeArrowheads="1"/>
+          </p:cNvPicPr>
+          <p:nvPr/>
+        </p:nvPicPr>
+        <p:blipFill>
+          <a:blip r:embed="rId4" cstate="print"/>
+          <a:srcRect/>
+          <a:stretch>
+            <a:fillRect/>
+          </a:stretch>
+        </p:blipFill>
+        <p:spPr bwMode="auto">
+          <a:xfrm>
+            <a:off x="305594" y="1002323"/>
+            <a:ext cx="11580813" cy="5855676"/>
+          </a:xfrm>
+          <a:prstGeom prst="rect">
+            <a:avLst/>
+          </a:prstGeom>
+          <a:noFill/>
+          <a:ln w="9525">
+            <a:noFill/>
+            <a:miter lim="800000"/>
+            <a:headEnd/>
+            <a:tailEnd/>
+          </a:ln>
+          <a:effectLst/>
+        </p:spPr>
+      </p:pic>
+    </p:spTree>
+    <p:custDataLst>
+      <p:tags r:id="rId1"/>
+    </p:custDataLst>
+    <p:extLst>
+      <p:ext uri="{BB962C8B-B14F-4D97-AF65-F5344CB8AC3E}">
+        <p14:creationId xmlns:p14="http://schemas.microsoft.com/office/powerpoint/2010/main" xmlns="" val="1981112831"/>
+      </p:ext>
+    </p:extLst>
+  </p:cSld>
+  <p:clrMapOvr>
+    <a:masterClrMapping/>
+  </p:clrMapOvr>
+  <mc:AlternateContent xmlns:mc="http://schemas.openxmlformats.org/markup-compatibility/2006">
+    <mc:Choice xmlns:p14="http://schemas.microsoft.com/office/powerpoint/2010/main" xmlns="" Requires="p14">
       <p:transition spd="slow" p14:dur="1500">
         <p:random/>
       </p:transition>
@@ -12398,7 +11515,7 @@
               <a:rPr lang="zh-CN" altLang="en-US" sz="3200" dirty="0" smtClean="0">
                 <a:latin typeface="Agency FB" panose="020B0503020202020204" pitchFamily="34" charset="0"/>
               </a:rPr>
-              <a:t>授信申请时序图</a:t>
+              <a:t>授信处理时序图</a:t>
             </a:r>
             <a:endParaRPr lang="zh-CN" altLang="en-US" sz="3200" dirty="0">
               <a:latin typeface="Agency FB" panose="020B0503020202020204" pitchFamily="34" charset="0"/>
@@ -12408,14 +11525,14 @@
       </p:sp>
       <p:pic>
         <p:nvPicPr>
-          <p:cNvPr id="3076" name="Picture 4"/>
+          <p:cNvPr id="4098" name="Picture 2"/>
           <p:cNvPicPr>
             <a:picLocks noChangeAspect="1" noChangeArrowheads="1"/>
           </p:cNvPicPr>
           <p:nvPr/>
         </p:nvPicPr>
         <p:blipFill>
-          <a:blip r:embed="rId4"/>
+          <a:blip r:embed="rId4" cstate="print"/>
           <a:srcRect/>
           <a:stretch>
             <a:fillRect/>
@@ -12423,8 +11540,8 @@
         </p:blipFill>
         <p:spPr bwMode="auto">
           <a:xfrm>
-            <a:off x="305594" y="1002323"/>
-            <a:ext cx="11580813" cy="5855676"/>
+            <a:off x="119857" y="962025"/>
+            <a:ext cx="11952287" cy="5895975"/>
           </a:xfrm>
           <a:prstGeom prst="rect">
             <a:avLst/>
@@ -12445,7 +11562,7 @@
     </p:custDataLst>
     <p:extLst>
       <p:ext uri="{BB962C8B-B14F-4D97-AF65-F5344CB8AC3E}">
-        <p14:creationId xmlns="" xmlns:p14="http://schemas.microsoft.com/office/powerpoint/2010/main" val="1981112831"/>
+        <p14:creationId xmlns:p14="http://schemas.microsoft.com/office/powerpoint/2010/main" xmlns="" val="1981112831"/>
       </p:ext>
     </p:extLst>
   </p:cSld>
@@ -12453,7 +11570,7 @@
     <a:masterClrMapping/>
   </p:clrMapOvr>
   <mc:AlternateContent xmlns:mc="http://schemas.openxmlformats.org/markup-compatibility/2006">
-    <mc:Choice xmlns="" xmlns:p14="http://schemas.microsoft.com/office/powerpoint/2010/main" Requires="p14">
+    <mc:Choice xmlns:p14="http://schemas.microsoft.com/office/powerpoint/2010/main" xmlns="" Requires="p14">
       <p:transition spd="slow" p14:dur="1500">
         <p:random/>
       </p:transition>
@@ -12492,12 +11609,6 @@
 </p:tagLst>
 </file>
 
-<file path=ppt/tags/tag12.xml><?xml version="1.0" encoding="utf-8"?>
-<p:tagLst xmlns:a="http://schemas.openxmlformats.org/drawingml/2006/main" xmlns:r="http://schemas.openxmlformats.org/officeDocument/2006/relationships" xmlns:p="http://schemas.openxmlformats.org/presentationml/2006/main">
-  <p:tag name="ISLIDE.DIAGRAM" val="3d40523a-94c9-48a3-b0b5-21058e317182"/>
-</p:tagLst>
-</file>
-
 <file path=ppt/tags/tag2.xml><?xml version="1.0" encoding="utf-8"?>
 <p:tagLst xmlns:a="http://schemas.openxmlformats.org/drawingml/2006/main" xmlns:r="http://schemas.openxmlformats.org/officeDocument/2006/relationships" xmlns:p="http://schemas.openxmlformats.org/presentationml/2006/main">
   <p:tag name="ISLIDE.DIAGRAM" val="fce02f6d-e5cd-4546-9067-9c516b8d3097"/>
@@ -12506,7 +11617,7 @@
 
 <file path=ppt/tags/tag3.xml><?xml version="1.0" encoding="utf-8"?>
 <p:tagLst xmlns:a="http://schemas.openxmlformats.org/drawingml/2006/main" xmlns:r="http://schemas.openxmlformats.org/officeDocument/2006/relationships" xmlns:p="http://schemas.openxmlformats.org/presentationml/2006/main">
-  <p:tag name="ISLIDE.DIAGRAM" val="c2a00a56-1909-4be2-9496-2cab7d0080d2"/>
+  <p:tag name="ISLIDE.DIAGRAM" val="c62864e6-5dfd-4234-a041-6d21e65d296c"/>
 </p:tagLst>
 </file>
 
@@ -12524,13 +11635,13 @@
 
 <file path=ppt/tags/tag6.xml><?xml version="1.0" encoding="utf-8"?>
 <p:tagLst xmlns:a="http://schemas.openxmlformats.org/drawingml/2006/main" xmlns:r="http://schemas.openxmlformats.org/officeDocument/2006/relationships" xmlns:p="http://schemas.openxmlformats.org/presentationml/2006/main">
-  <p:tag name="ISLIDE.DIAGRAM" val="c62864e6-5dfd-4234-a041-6d21e65d296c"/>
+  <p:tag name="ISLIDE.DIAGRAM" val="3389ca0e-54a0-423b-be57-9cfe4a4acd71"/>
 </p:tagLst>
 </file>
 
 <file path=ppt/tags/tag7.xml><?xml version="1.0" encoding="utf-8"?>
 <p:tagLst xmlns:a="http://schemas.openxmlformats.org/drawingml/2006/main" xmlns:r="http://schemas.openxmlformats.org/officeDocument/2006/relationships" xmlns:p="http://schemas.openxmlformats.org/presentationml/2006/main">
-  <p:tag name="ISLIDE.DIAGRAM" val="3389ca0e-54a0-423b-be57-9cfe4a4acd71"/>
+  <p:tag name="ISLIDE.DIAGRAM" val="3d40523a-94c9-48a3-b0b5-21058e317182"/>
 </p:tagLst>
 </file>
 
@@ -12554,7 +11665,7 @@
         <a:sysClr val="windowText" lastClr="000000"/>
       </a:dk1>
       <a:lt1>
-        <a:sysClr val="window" lastClr="CAEACE"/>
+        <a:sysClr val="window" lastClr="C7EDCC"/>
       </a:lt1>
       <a:dk2>
         <a:srgbClr val="44546A"/>
@@ -12741,7 +11852,7 @@
   <a:extraClrSchemeLst/>
   <a:extLst>
     <a:ext uri="{05A4C25C-085E-4340-85A3-A5531E510DB2}">
-      <thm15:themeFamily xmlns="" xmlns:thm15="http://schemas.microsoft.com/office/thememl/2012/main" name="包图主题2" id="{50CFA792-C506-47E4-B272-6A6183483AB3}" vid="{CC1AE437-2F7F-4319-9F22-408F5F8C346F}"/>
+      <thm15:themeFamily xmlns:thm15="http://schemas.microsoft.com/office/thememl/2012/main" xmlns="" name="包图主题2" id="{50CFA792-C506-47E4-B272-6A6183483AB3}" vid="{CC1AE437-2F7F-4319-9F22-408F5F8C346F}"/>
     </a:ext>
   </a:extLst>
 </a:theme>
@@ -12755,7 +11866,7 @@
         <a:sysClr val="windowText" lastClr="000000"/>
       </a:dk1>
       <a:lt1>
-        <a:sysClr val="window" lastClr="CAEACE"/>
+        <a:sysClr val="window" lastClr="C7EDCC"/>
       </a:lt1>
       <a:dk2>
         <a:srgbClr val="44546A"/>
@@ -13002,7 +12113,7 @@
   <a:extraClrSchemeLst/>
   <a:extLst>
     <a:ext uri="{05A4C25C-085E-4340-85A3-A5531E510DB2}">
-      <thm15:themeFamily xmlns="" xmlns:thm15="http://schemas.microsoft.com/office/thememl/2012/main" name="Office Theme" id="{62F939B6-93AF-4DB8-9C6B-D6C7DFDC589F}" vid="{4A3C46E8-61CC-4603-A589-7422A47A8E4A}"/>
+      <thm15:themeFamily xmlns:thm15="http://schemas.microsoft.com/office/thememl/2012/main" xmlns="" name="Office Theme" id="{62F939B6-93AF-4DB8-9C6B-D6C7DFDC589F}" vid="{4A3C46E8-61CC-4603-A589-7422A47A8E4A}"/>
     </a:ext>
   </a:extLst>
 </a:theme>

--- a/design/doc/2018-09-20草稿.pptx
+++ b/design/doc/2018-09-20草稿.pptx
@@ -5,26 +5,24 @@
     <p:sldMasterId id="2147483660" r:id="rId1"/>
   </p:sldMasterIdLst>
   <p:notesMasterIdLst>
-    <p:notesMasterId r:id="rId14"/>
+    <p:notesMasterId r:id="rId12"/>
   </p:notesMasterIdLst>
   <p:sldIdLst>
     <p:sldId id="282" r:id="rId2"/>
     <p:sldId id="266" r:id="rId3"/>
     <p:sldId id="268" r:id="rId4"/>
-    <p:sldId id="286" r:id="rId5"/>
-    <p:sldId id="284" r:id="rId6"/>
-    <p:sldId id="269" r:id="rId7"/>
-    <p:sldId id="275" r:id="rId8"/>
-    <p:sldId id="287" r:id="rId9"/>
-    <p:sldId id="288" r:id="rId10"/>
-    <p:sldId id="289" r:id="rId11"/>
-    <p:sldId id="291" r:id="rId12"/>
-    <p:sldId id="263" r:id="rId13"/>
+    <p:sldId id="269" r:id="rId5"/>
+    <p:sldId id="275" r:id="rId6"/>
+    <p:sldId id="287" r:id="rId7"/>
+    <p:sldId id="288" r:id="rId8"/>
+    <p:sldId id="289" r:id="rId9"/>
+    <p:sldId id="291" r:id="rId10"/>
+    <p:sldId id="263" r:id="rId11"/>
   </p:sldIdLst>
   <p:sldSz cx="12192000" cy="6858000"/>
   <p:notesSz cx="6858000" cy="9144000"/>
   <p:custDataLst>
-    <p:tags r:id="rId15"/>
+    <p:tags r:id="rId13"/>
   </p:custDataLst>
   <p:defaultTextStyle>
     <a:defPPr>
@@ -123,7 +121,7 @@
   </p:defaultTextStyle>
   <p:extLst>
     <p:ext uri="{EFAFB233-063F-42B5-8137-9DF3F51BA10A}">
-      <p15:sldGuideLst xmlns:p15="http://schemas.microsoft.com/office/powerpoint/2012/main" xmlns=""/>
+      <p15:sldGuideLst xmlns="" xmlns:p15="http://schemas.microsoft.com/office/powerpoint/2012/main"/>
     </p:ext>
   </p:extLst>
 </p:presentation>
@@ -212,7 +210,7 @@
             <a:fld id="{C1DAF21E-AA1D-4678-9985-583FF147C867}" type="datetimeFigureOut">
               <a:rPr lang="zh-CN" altLang="en-US" smtClean="0"/>
               <a:pPr/>
-              <a:t>2018/9/18</a:t>
+              <a:t>2018-9-18</a:t>
             </a:fld>
             <a:endParaRPr lang="zh-CN" altLang="en-US"/>
           </a:p>
@@ -381,7 +379,7 @@
     </p:spTree>
     <p:extLst>
       <p:ext uri="{BB962C8B-B14F-4D97-AF65-F5344CB8AC3E}">
-        <p14:creationId xmlns:p14="http://schemas.microsoft.com/office/powerpoint/2010/main" xmlns="" val="3668839552"/>
+        <p14:creationId xmlns="" xmlns:p14="http://schemas.microsoft.com/office/powerpoint/2010/main" val="3668839552"/>
       </p:ext>
     </p:extLst>
   </p:cSld>
@@ -556,7 +554,7 @@
     </p:spTree>
     <p:extLst>
       <p:ext uri="{BB962C8B-B14F-4D97-AF65-F5344CB8AC3E}">
-        <p14:creationId xmlns:p14="http://schemas.microsoft.com/office/powerpoint/2010/main" xmlns="" val="1338507553"/>
+        <p14:creationId xmlns="" xmlns:p14="http://schemas.microsoft.com/office/powerpoint/2010/main" val="1338507553"/>
       </p:ext>
     </p:extLst>
   </p:cSld>
@@ -641,177 +639,7 @@
     </p:spTree>
     <p:extLst>
       <p:ext uri="{BB962C8B-B14F-4D97-AF65-F5344CB8AC3E}">
-        <p14:creationId xmlns:p14="http://schemas.microsoft.com/office/powerpoint/2010/main" xmlns="" val="3809611177"/>
-      </p:ext>
-    </p:extLst>
-  </p:cSld>
-  <p:clrMapOvr>
-    <a:masterClrMapping/>
-  </p:clrMapOvr>
-</p:notes>
-</file>
-
-<file path=ppt/notesSlides/notesSlide11.xml><?xml version="1.0" encoding="utf-8"?>
-<p:notes xmlns:a="http://schemas.openxmlformats.org/drawingml/2006/main" xmlns:r="http://schemas.openxmlformats.org/officeDocument/2006/relationships" xmlns:p="http://schemas.openxmlformats.org/presentationml/2006/main">
-  <p:cSld>
-    <p:spTree>
-      <p:nvGrpSpPr>
-        <p:cNvPr id="1" name=""/>
-        <p:cNvGrpSpPr/>
-        <p:nvPr/>
-      </p:nvGrpSpPr>
-      <p:grpSpPr>
-        <a:xfrm>
-          <a:off x="0" y="0"/>
-          <a:ext cx="0" cy="0"/>
-          <a:chOff x="0" y="0"/>
-          <a:chExt cx="0" cy="0"/>
-        </a:xfrm>
-      </p:grpSpPr>
-      <p:sp>
-        <p:nvSpPr>
-          <p:cNvPr id="2" name="幻灯片图像占位符 1"/>
-          <p:cNvSpPr>
-            <a:spLocks noGrp="1" noRot="1" noChangeAspect="1"/>
-          </p:cNvSpPr>
-          <p:nvPr>
-            <p:ph type="sldImg"/>
-          </p:nvPr>
-        </p:nvSpPr>
-        <p:spPr/>
-      </p:sp>
-      <p:sp>
-        <p:nvSpPr>
-          <p:cNvPr id="3" name="备注占位符 2"/>
-          <p:cNvSpPr>
-            <a:spLocks noGrp="1"/>
-          </p:cNvSpPr>
-          <p:nvPr>
-            <p:ph type="body" idx="1"/>
-          </p:nvPr>
-        </p:nvSpPr>
-        <p:spPr/>
-        <p:txBody>
-          <a:bodyPr/>
-          <a:lstStyle/>
-          <a:p>
-            <a:endParaRPr lang="zh-CN" altLang="en-US"/>
-          </a:p>
-        </p:txBody>
-      </p:sp>
-      <p:sp>
-        <p:nvSpPr>
-          <p:cNvPr id="4" name="灯片编号占位符 3"/>
-          <p:cNvSpPr>
-            <a:spLocks noGrp="1"/>
-          </p:cNvSpPr>
-          <p:nvPr>
-            <p:ph type="sldNum" sz="quarter" idx="10"/>
-          </p:nvPr>
-        </p:nvSpPr>
-        <p:spPr/>
-        <p:txBody>
-          <a:bodyPr/>
-          <a:lstStyle/>
-          <a:p>
-            <a:fld id="{8F7E13EF-56DF-477F-9799-2CC6E8A63DC6}" type="slidenum">
-              <a:rPr lang="zh-CN" altLang="en-US" smtClean="0"/>
-              <a:pPr/>
-              <a:t>11</a:t>
-            </a:fld>
-            <a:endParaRPr lang="zh-CN" altLang="en-US"/>
-          </a:p>
-        </p:txBody>
-      </p:sp>
-    </p:spTree>
-    <p:extLst>
-      <p:ext uri="{BB962C8B-B14F-4D97-AF65-F5344CB8AC3E}">
-        <p14:creationId xmlns:p14="http://schemas.microsoft.com/office/powerpoint/2010/main" xmlns="" val="3809611177"/>
-      </p:ext>
-    </p:extLst>
-  </p:cSld>
-  <p:clrMapOvr>
-    <a:masterClrMapping/>
-  </p:clrMapOvr>
-</p:notes>
-</file>
-
-<file path=ppt/notesSlides/notesSlide12.xml><?xml version="1.0" encoding="utf-8"?>
-<p:notes xmlns:a="http://schemas.openxmlformats.org/drawingml/2006/main" xmlns:r="http://schemas.openxmlformats.org/officeDocument/2006/relationships" xmlns:p="http://schemas.openxmlformats.org/presentationml/2006/main">
-  <p:cSld>
-    <p:spTree>
-      <p:nvGrpSpPr>
-        <p:cNvPr id="1" name=""/>
-        <p:cNvGrpSpPr/>
-        <p:nvPr/>
-      </p:nvGrpSpPr>
-      <p:grpSpPr>
-        <a:xfrm>
-          <a:off x="0" y="0"/>
-          <a:ext cx="0" cy="0"/>
-          <a:chOff x="0" y="0"/>
-          <a:chExt cx="0" cy="0"/>
-        </a:xfrm>
-      </p:grpSpPr>
-      <p:sp>
-        <p:nvSpPr>
-          <p:cNvPr id="2" name="幻灯片图像占位符 1"/>
-          <p:cNvSpPr>
-            <a:spLocks noGrp="1" noRot="1" noChangeAspect="1"/>
-          </p:cNvSpPr>
-          <p:nvPr>
-            <p:ph type="sldImg"/>
-          </p:nvPr>
-        </p:nvSpPr>
-        <p:spPr/>
-      </p:sp>
-      <p:sp>
-        <p:nvSpPr>
-          <p:cNvPr id="3" name="备注占位符 2"/>
-          <p:cNvSpPr>
-            <a:spLocks noGrp="1"/>
-          </p:cNvSpPr>
-          <p:nvPr>
-            <p:ph type="body" idx="1"/>
-          </p:nvPr>
-        </p:nvSpPr>
-        <p:spPr/>
-        <p:txBody>
-          <a:bodyPr/>
-          <a:lstStyle/>
-          <a:p>
-            <a:endParaRPr lang="zh-CN" altLang="en-US"/>
-          </a:p>
-        </p:txBody>
-      </p:sp>
-      <p:sp>
-        <p:nvSpPr>
-          <p:cNvPr id="4" name="灯片编号占位符 3"/>
-          <p:cNvSpPr>
-            <a:spLocks noGrp="1"/>
-          </p:cNvSpPr>
-          <p:nvPr>
-            <p:ph type="sldNum" sz="quarter" idx="10"/>
-          </p:nvPr>
-        </p:nvSpPr>
-        <p:spPr/>
-        <p:txBody>
-          <a:bodyPr/>
-          <a:lstStyle/>
-          <a:p>
-            <a:fld id="{8F7E13EF-56DF-477F-9799-2CC6E8A63DC6}" type="slidenum">
-              <a:rPr lang="zh-CN" altLang="en-US" smtClean="0"/>
-              <a:pPr/>
-              <a:t>12</a:t>
-            </a:fld>
-            <a:endParaRPr lang="zh-CN" altLang="en-US"/>
-          </a:p>
-        </p:txBody>
-      </p:sp>
-    </p:spTree>
-    <p:extLst>
-      <p:ext uri="{BB962C8B-B14F-4D97-AF65-F5344CB8AC3E}">
-        <p14:creationId xmlns:p14="http://schemas.microsoft.com/office/powerpoint/2010/main" xmlns="" val="3512645906"/>
+        <p14:creationId xmlns="" xmlns:p14="http://schemas.microsoft.com/office/powerpoint/2010/main" val="3512645906"/>
       </p:ext>
     </p:extLst>
   </p:cSld>
@@ -896,7 +724,7 @@
     </p:spTree>
     <p:extLst>
       <p:ext uri="{BB962C8B-B14F-4D97-AF65-F5344CB8AC3E}">
-        <p14:creationId xmlns:p14="http://schemas.microsoft.com/office/powerpoint/2010/main" xmlns="" val="1186547562"/>
+        <p14:creationId xmlns="" xmlns:p14="http://schemas.microsoft.com/office/powerpoint/2010/main" val="1186547562"/>
       </p:ext>
     </p:extLst>
   </p:cSld>
@@ -981,7 +809,7 @@
     </p:spTree>
     <p:extLst>
       <p:ext uri="{BB962C8B-B14F-4D97-AF65-F5344CB8AC3E}">
-        <p14:creationId xmlns:p14="http://schemas.microsoft.com/office/powerpoint/2010/main" xmlns="" val="1779644859"/>
+        <p14:creationId xmlns="" xmlns:p14="http://schemas.microsoft.com/office/powerpoint/2010/main" val="1779644859"/>
       </p:ext>
     </p:extLst>
   </p:cSld>
@@ -1066,7 +894,7 @@
     </p:spTree>
     <p:extLst>
       <p:ext uri="{BB962C8B-B14F-4D97-AF65-F5344CB8AC3E}">
-        <p14:creationId xmlns:p14="http://schemas.microsoft.com/office/powerpoint/2010/main" xmlns="" val="1779644859"/>
+        <p14:creationId xmlns="" xmlns:p14="http://schemas.microsoft.com/office/powerpoint/2010/main" val="3056646089"/>
       </p:ext>
     </p:extLst>
   </p:cSld>
@@ -1151,7 +979,7 @@
     </p:spTree>
     <p:extLst>
       <p:ext uri="{BB962C8B-B14F-4D97-AF65-F5344CB8AC3E}">
-        <p14:creationId xmlns:p14="http://schemas.microsoft.com/office/powerpoint/2010/main" xmlns="" val="1779644859"/>
+        <p14:creationId xmlns="" xmlns:p14="http://schemas.microsoft.com/office/powerpoint/2010/main" val="3809611177"/>
       </p:ext>
     </p:extLst>
   </p:cSld>
@@ -1236,7 +1064,7 @@
     </p:spTree>
     <p:extLst>
       <p:ext uri="{BB962C8B-B14F-4D97-AF65-F5344CB8AC3E}">
-        <p14:creationId xmlns:p14="http://schemas.microsoft.com/office/powerpoint/2010/main" xmlns="" val="3056646089"/>
+        <p14:creationId xmlns="" xmlns:p14="http://schemas.microsoft.com/office/powerpoint/2010/main" val="3809611177"/>
       </p:ext>
     </p:extLst>
   </p:cSld>
@@ -1321,7 +1149,7 @@
     </p:spTree>
     <p:extLst>
       <p:ext uri="{BB962C8B-B14F-4D97-AF65-F5344CB8AC3E}">
-        <p14:creationId xmlns:p14="http://schemas.microsoft.com/office/powerpoint/2010/main" xmlns="" val="3809611177"/>
+        <p14:creationId xmlns="" xmlns:p14="http://schemas.microsoft.com/office/powerpoint/2010/main" val="3809611177"/>
       </p:ext>
     </p:extLst>
   </p:cSld>
@@ -1406,7 +1234,7 @@
     </p:spTree>
     <p:extLst>
       <p:ext uri="{BB962C8B-B14F-4D97-AF65-F5344CB8AC3E}">
-        <p14:creationId xmlns:p14="http://schemas.microsoft.com/office/powerpoint/2010/main" xmlns="" val="3809611177"/>
+        <p14:creationId xmlns="" xmlns:p14="http://schemas.microsoft.com/office/powerpoint/2010/main" val="3809611177"/>
       </p:ext>
     </p:extLst>
   </p:cSld>
@@ -1491,7 +1319,7 @@
     </p:spTree>
     <p:extLst>
       <p:ext uri="{BB962C8B-B14F-4D97-AF65-F5344CB8AC3E}">
-        <p14:creationId xmlns:p14="http://schemas.microsoft.com/office/powerpoint/2010/main" xmlns="" val="3809611177"/>
+        <p14:creationId xmlns="" xmlns:p14="http://schemas.microsoft.com/office/powerpoint/2010/main" val="3809611177"/>
       </p:ext>
     </p:extLst>
   </p:cSld>
@@ -1521,7 +1349,7 @@
     </p:spTree>
     <p:extLst>
       <p:ext uri="{BB962C8B-B14F-4D97-AF65-F5344CB8AC3E}">
-        <p14:creationId xmlns:p14="http://schemas.microsoft.com/office/powerpoint/2010/main" xmlns="" val="2939545236"/>
+        <p14:creationId xmlns="" xmlns:p14="http://schemas.microsoft.com/office/powerpoint/2010/main" val="2939545236"/>
       </p:ext>
     </p:extLst>
   </p:cSld>
@@ -1558,7 +1386,7 @@
     </p:spTree>
     <p:extLst>
       <p:ext uri="{BB962C8B-B14F-4D97-AF65-F5344CB8AC3E}">
-        <p14:creationId xmlns:p14="http://schemas.microsoft.com/office/powerpoint/2010/main" xmlns="" val="4164331960"/>
+        <p14:creationId xmlns="" xmlns:p14="http://schemas.microsoft.com/office/powerpoint/2010/main" val="4164331960"/>
       </p:ext>
     </p:extLst>
   </p:cSld>
@@ -1859,7 +1687,7 @@
     </p:spTree>
     <p:extLst>
       <p:ext uri="{BB962C8B-B14F-4D97-AF65-F5344CB8AC3E}">
-        <p14:creationId xmlns:p14="http://schemas.microsoft.com/office/powerpoint/2010/main" xmlns="" val="137150532"/>
+        <p14:creationId xmlns="" xmlns:p14="http://schemas.microsoft.com/office/powerpoint/2010/main" val="137150532"/>
       </p:ext>
     </p:extLst>
   </p:cSld>
@@ -2256,7 +2084,7 @@
     </p:spTree>
     <p:extLst>
       <p:ext uri="{BB962C8B-B14F-4D97-AF65-F5344CB8AC3E}">
-        <p14:creationId xmlns:p14="http://schemas.microsoft.com/office/powerpoint/2010/main" xmlns="" val="610095288"/>
+        <p14:creationId xmlns="" xmlns:p14="http://schemas.microsoft.com/office/powerpoint/2010/main" val="610095288"/>
       </p:ext>
     </p:extLst>
   </p:cSld>
@@ -2509,7 +2337,7 @@
     </p:spTree>
     <p:extLst>
       <p:ext uri="{BB962C8B-B14F-4D97-AF65-F5344CB8AC3E}">
-        <p14:creationId xmlns:p14="http://schemas.microsoft.com/office/powerpoint/2010/main" xmlns="" val="1625796334"/>
+        <p14:creationId xmlns="" xmlns:p14="http://schemas.microsoft.com/office/powerpoint/2010/main" val="1625796334"/>
       </p:ext>
     </p:extLst>
   </p:cSld>
@@ -2618,7 +2446,7 @@
     </p:spTree>
     <p:extLst>
       <p:ext uri="{BB962C8B-B14F-4D97-AF65-F5344CB8AC3E}">
-        <p14:creationId xmlns:p14="http://schemas.microsoft.com/office/powerpoint/2010/main" xmlns="" val="3413687735"/>
+        <p14:creationId xmlns="" xmlns:p14="http://schemas.microsoft.com/office/powerpoint/2010/main" val="3413687735"/>
       </p:ext>
     </p:extLst>
   </p:cSld>
@@ -2799,7 +2627,7 @@
     </p:spTree>
     <p:extLst>
       <p:ext uri="{BB962C8B-B14F-4D97-AF65-F5344CB8AC3E}">
-        <p14:creationId xmlns:p14="http://schemas.microsoft.com/office/powerpoint/2010/main" xmlns="" val="1678586501"/>
+        <p14:creationId xmlns="" xmlns:p14="http://schemas.microsoft.com/office/powerpoint/2010/main" val="1678586501"/>
       </p:ext>
     </p:extLst>
   </p:cSld>
@@ -3031,7 +2859,7 @@
     </p:spTree>
     <p:extLst>
       <p:ext uri="{BB962C8B-B14F-4D97-AF65-F5344CB8AC3E}">
-        <p14:creationId xmlns:p14="http://schemas.microsoft.com/office/powerpoint/2010/main" xmlns="" val="3197070546"/>
+        <p14:creationId xmlns="" xmlns:p14="http://schemas.microsoft.com/office/powerpoint/2010/main" val="3197070546"/>
       </p:ext>
     </p:extLst>
   </p:cSld>
@@ -3073,7 +2901,7 @@
     </p:spTree>
     <p:extLst>
       <p:ext uri="{BB962C8B-B14F-4D97-AF65-F5344CB8AC3E}">
-        <p14:creationId xmlns:p14="http://schemas.microsoft.com/office/powerpoint/2010/main" xmlns="" val="1581037467"/>
+        <p14:creationId xmlns="" xmlns:p14="http://schemas.microsoft.com/office/powerpoint/2010/main" val="1581037467"/>
       </p:ext>
     </p:extLst>
   </p:cSld>
@@ -3377,7 +3205,7 @@
   </p:txStyles>
   <p:extLst mod="1">
     <p:ext uri="{27BBF7A9-308A-43DC-89C8-2F10F3537804}">
-      <p15:sldGuideLst xmlns:p15="http://schemas.microsoft.com/office/powerpoint/2012/main" xmlns=""/>
+      <p15:sldGuideLst xmlns="" xmlns:p15="http://schemas.microsoft.com/office/powerpoint/2012/main"/>
     </p:ext>
   </p:extLst>
 </p:sldMaster>
@@ -3766,7 +3594,7 @@
     </p:spTree>
     <p:extLst>
       <p:ext uri="{BB962C8B-B14F-4D97-AF65-F5344CB8AC3E}">
-        <p14:creationId xmlns:p14="http://schemas.microsoft.com/office/powerpoint/2010/main" xmlns="" val="517217651"/>
+        <p14:creationId xmlns="" xmlns:p14="http://schemas.microsoft.com/office/powerpoint/2010/main" val="517217651"/>
       </p:ext>
     </p:extLst>
   </p:cSld>
@@ -3774,7 +3602,7 @@
     <a:masterClrMapping/>
   </p:clrMapOvr>
   <mc:AlternateContent xmlns:mc="http://schemas.openxmlformats.org/markup-compatibility/2006">
-    <mc:Choice xmlns:p14="http://schemas.microsoft.com/office/powerpoint/2010/main" xmlns="" Requires="p14">
+    <mc:Choice xmlns="" xmlns:p14="http://schemas.microsoft.com/office/powerpoint/2010/main" Requires="p14">
       <p:transition spd="slow" p14:dur="1400">
         <p14:ripple/>
       </p:transition>
@@ -4238,418 +4066,6 @@
           <a:chExt cx="0" cy="0"/>
         </a:xfrm>
       </p:grpSpPr>
-      <p:cxnSp>
-        <p:nvCxnSpPr>
-          <p:cNvPr id="28" name="直接连接符 27"/>
-          <p:cNvCxnSpPr>
-            <a:endCxn id="30" idx="1"/>
-          </p:cNvCxnSpPr>
-          <p:nvPr/>
-        </p:nvCxnSpPr>
-        <p:spPr>
-          <a:xfrm>
-            <a:off x="0" y="635000"/>
-            <a:ext cx="4567376" cy="2680"/>
-          </a:xfrm>
-          <a:prstGeom prst="line">
-            <a:avLst/>
-          </a:prstGeom>
-          <a:ln>
-            <a:solidFill>
-              <a:schemeClr val="bg1">
-                <a:lumMod val="65000"/>
-              </a:schemeClr>
-            </a:solidFill>
-            <a:tailEnd type="oval"/>
-          </a:ln>
-        </p:spPr>
-        <p:style>
-          <a:lnRef idx="1">
-            <a:schemeClr val="accent1"/>
-          </a:lnRef>
-          <a:fillRef idx="0">
-            <a:schemeClr val="accent1"/>
-          </a:fillRef>
-          <a:effectRef idx="0">
-            <a:schemeClr val="accent1"/>
-          </a:effectRef>
-          <a:fontRef idx="minor">
-            <a:schemeClr val="tx1"/>
-          </a:fontRef>
-        </p:style>
-      </p:cxnSp>
-      <p:cxnSp>
-        <p:nvCxnSpPr>
-          <p:cNvPr id="29" name="直接连接符 28"/>
-          <p:cNvCxnSpPr>
-            <a:stCxn id="30" idx="3"/>
-          </p:cNvCxnSpPr>
-          <p:nvPr/>
-        </p:nvCxnSpPr>
-        <p:spPr>
-          <a:xfrm flipV="1">
-            <a:off x="7624624" y="635000"/>
-            <a:ext cx="4567376" cy="2680"/>
-          </a:xfrm>
-          <a:prstGeom prst="line">
-            <a:avLst/>
-          </a:prstGeom>
-          <a:ln>
-            <a:solidFill>
-              <a:schemeClr val="bg1">
-                <a:lumMod val="65000"/>
-              </a:schemeClr>
-            </a:solidFill>
-            <a:headEnd type="oval"/>
-            <a:tailEnd type="none"/>
-          </a:ln>
-        </p:spPr>
-        <p:style>
-          <a:lnRef idx="1">
-            <a:schemeClr val="accent1"/>
-          </a:lnRef>
-          <a:fillRef idx="0">
-            <a:schemeClr val="accent1"/>
-          </a:fillRef>
-          <a:effectRef idx="0">
-            <a:schemeClr val="accent1"/>
-          </a:effectRef>
-          <a:fontRef idx="minor">
-            <a:schemeClr val="tx1"/>
-          </a:fontRef>
-        </p:style>
-      </p:cxnSp>
-      <p:sp>
-        <p:nvSpPr>
-          <p:cNvPr id="30" name="文本框 29"/>
-          <p:cNvSpPr txBox="1"/>
-          <p:nvPr/>
-        </p:nvSpPr>
-        <p:spPr>
-          <a:xfrm>
-            <a:off x="4567376" y="345292"/>
-            <a:ext cx="3057248" cy="584775"/>
-          </a:xfrm>
-          <a:prstGeom prst="rect">
-            <a:avLst/>
-          </a:prstGeom>
-          <a:noFill/>
-        </p:spPr>
-        <p:txBody>
-          <a:bodyPr wrap="none" rtlCol="0">
-            <a:spAutoFit/>
-            <a:scene3d>
-              <a:camera prst="orthographicFront"/>
-              <a:lightRig rig="threePt" dir="t"/>
-            </a:scene3d>
-            <a:sp3d contourW="12700"/>
-          </a:bodyPr>
-          <a:lstStyle/>
-          <a:p>
-            <a:pPr algn="ctr"/>
-            <a:r>
-              <a:rPr lang="zh-CN" altLang="en-US" sz="3200" dirty="0" smtClean="0">
-                <a:latin typeface="Agency FB" panose="020B0503020202020204" pitchFamily="34" charset="0"/>
-              </a:rPr>
-              <a:t>贷款申请时序图</a:t>
-            </a:r>
-            <a:endParaRPr lang="zh-CN" altLang="en-US" sz="3200" dirty="0">
-              <a:latin typeface="Agency FB" panose="020B0503020202020204" pitchFamily="34" charset="0"/>
-            </a:endParaRPr>
-          </a:p>
-        </p:txBody>
-      </p:sp>
-      <p:pic>
-        <p:nvPicPr>
-          <p:cNvPr id="5123" name="Picture 3"/>
-          <p:cNvPicPr>
-            <a:picLocks noChangeAspect="1" noChangeArrowheads="1"/>
-          </p:cNvPicPr>
-          <p:nvPr/>
-        </p:nvPicPr>
-        <p:blipFill>
-          <a:blip r:embed="rId4" cstate="print"/>
-          <a:srcRect/>
-          <a:stretch>
-            <a:fillRect/>
-          </a:stretch>
-        </p:blipFill>
-        <p:spPr bwMode="auto">
-          <a:xfrm>
-            <a:off x="180975" y="1081454"/>
-            <a:ext cx="11828463" cy="5776546"/>
-          </a:xfrm>
-          <a:prstGeom prst="rect">
-            <a:avLst/>
-          </a:prstGeom>
-          <a:noFill/>
-          <a:ln w="9525">
-            <a:noFill/>
-            <a:miter lim="800000"/>
-            <a:headEnd/>
-            <a:tailEnd/>
-          </a:ln>
-          <a:effectLst/>
-        </p:spPr>
-      </p:pic>
-    </p:spTree>
-    <p:custDataLst>
-      <p:tags r:id="rId1"/>
-    </p:custDataLst>
-    <p:extLst>
-      <p:ext uri="{BB962C8B-B14F-4D97-AF65-F5344CB8AC3E}">
-        <p14:creationId xmlns:p14="http://schemas.microsoft.com/office/powerpoint/2010/main" xmlns="" val="1981112831"/>
-      </p:ext>
-    </p:extLst>
-  </p:cSld>
-  <p:clrMapOvr>
-    <a:masterClrMapping/>
-  </p:clrMapOvr>
-  <mc:AlternateContent xmlns:mc="http://schemas.openxmlformats.org/markup-compatibility/2006">
-    <mc:Choice xmlns:p14="http://schemas.microsoft.com/office/powerpoint/2010/main" xmlns="" Requires="p14">
-      <p:transition spd="slow" p14:dur="1500">
-        <p:random/>
-      </p:transition>
-    </mc:Choice>
-    <mc:Fallback>
-      <p:transition spd="slow">
-        <p:random/>
-      </p:transition>
-    </mc:Fallback>
-  </mc:AlternateContent>
-  <p:timing>
-    <p:tnLst>
-      <p:par>
-        <p:cTn id="1" dur="indefinite" restart="never" nodeType="tmRoot"/>
-      </p:par>
-    </p:tnLst>
-  </p:timing>
-</p:sld>
-</file>
-
-<file path=ppt/slides/slide11.xml><?xml version="1.0" encoding="utf-8"?>
-<p:sld xmlns:a="http://schemas.openxmlformats.org/drawingml/2006/main" xmlns:r="http://schemas.openxmlformats.org/officeDocument/2006/relationships" xmlns:p="http://schemas.openxmlformats.org/presentationml/2006/main">
-  <p:cSld>
-    <p:spTree>
-      <p:nvGrpSpPr>
-        <p:cNvPr id="1" name=""/>
-        <p:cNvGrpSpPr/>
-        <p:nvPr/>
-      </p:nvGrpSpPr>
-      <p:grpSpPr>
-        <a:xfrm>
-          <a:off x="0" y="0"/>
-          <a:ext cx="0" cy="0"/>
-          <a:chOff x="0" y="0"/>
-          <a:chExt cx="0" cy="0"/>
-        </a:xfrm>
-      </p:grpSpPr>
-      <p:cxnSp>
-        <p:nvCxnSpPr>
-          <p:cNvPr id="28" name="直接连接符 27"/>
-          <p:cNvCxnSpPr>
-            <a:endCxn id="30" idx="1"/>
-          </p:cNvCxnSpPr>
-          <p:nvPr/>
-        </p:nvCxnSpPr>
-        <p:spPr>
-          <a:xfrm>
-            <a:off x="0" y="635000"/>
-            <a:ext cx="4567376" cy="2680"/>
-          </a:xfrm>
-          <a:prstGeom prst="line">
-            <a:avLst/>
-          </a:prstGeom>
-          <a:ln>
-            <a:solidFill>
-              <a:schemeClr val="bg1">
-                <a:lumMod val="65000"/>
-              </a:schemeClr>
-            </a:solidFill>
-            <a:tailEnd type="oval"/>
-          </a:ln>
-        </p:spPr>
-        <p:style>
-          <a:lnRef idx="1">
-            <a:schemeClr val="accent1"/>
-          </a:lnRef>
-          <a:fillRef idx="0">
-            <a:schemeClr val="accent1"/>
-          </a:fillRef>
-          <a:effectRef idx="0">
-            <a:schemeClr val="accent1"/>
-          </a:effectRef>
-          <a:fontRef idx="minor">
-            <a:schemeClr val="tx1"/>
-          </a:fontRef>
-        </p:style>
-      </p:cxnSp>
-      <p:cxnSp>
-        <p:nvCxnSpPr>
-          <p:cNvPr id="29" name="直接连接符 28"/>
-          <p:cNvCxnSpPr>
-            <a:stCxn id="30" idx="3"/>
-          </p:cNvCxnSpPr>
-          <p:nvPr/>
-        </p:nvCxnSpPr>
-        <p:spPr>
-          <a:xfrm flipV="1">
-            <a:off x="7624624" y="635000"/>
-            <a:ext cx="4567376" cy="2680"/>
-          </a:xfrm>
-          <a:prstGeom prst="line">
-            <a:avLst/>
-          </a:prstGeom>
-          <a:ln>
-            <a:solidFill>
-              <a:schemeClr val="bg1">
-                <a:lumMod val="65000"/>
-              </a:schemeClr>
-            </a:solidFill>
-            <a:headEnd type="oval"/>
-            <a:tailEnd type="none"/>
-          </a:ln>
-        </p:spPr>
-        <p:style>
-          <a:lnRef idx="1">
-            <a:schemeClr val="accent1"/>
-          </a:lnRef>
-          <a:fillRef idx="0">
-            <a:schemeClr val="accent1"/>
-          </a:fillRef>
-          <a:effectRef idx="0">
-            <a:schemeClr val="accent1"/>
-          </a:effectRef>
-          <a:fontRef idx="minor">
-            <a:schemeClr val="tx1"/>
-          </a:fontRef>
-        </p:style>
-      </p:cxnSp>
-      <p:sp>
-        <p:nvSpPr>
-          <p:cNvPr id="30" name="文本框 29"/>
-          <p:cNvSpPr txBox="1"/>
-          <p:nvPr/>
-        </p:nvSpPr>
-        <p:spPr>
-          <a:xfrm>
-            <a:off x="4567376" y="345292"/>
-            <a:ext cx="3057248" cy="584775"/>
-          </a:xfrm>
-          <a:prstGeom prst="rect">
-            <a:avLst/>
-          </a:prstGeom>
-          <a:noFill/>
-        </p:spPr>
-        <p:txBody>
-          <a:bodyPr wrap="none" rtlCol="0">
-            <a:spAutoFit/>
-            <a:scene3d>
-              <a:camera prst="orthographicFront"/>
-              <a:lightRig rig="threePt" dir="t"/>
-            </a:scene3d>
-            <a:sp3d contourW="12700"/>
-          </a:bodyPr>
-          <a:lstStyle/>
-          <a:p>
-            <a:pPr algn="ctr"/>
-            <a:r>
-              <a:rPr lang="zh-CN" altLang="en-US" sz="3200" dirty="0" smtClean="0">
-                <a:latin typeface="Agency FB" panose="020B0503020202020204" pitchFamily="34" charset="0"/>
-              </a:rPr>
-              <a:t>贷款处理时序图</a:t>
-            </a:r>
-            <a:endParaRPr lang="zh-CN" altLang="en-US" sz="3200" dirty="0">
-              <a:latin typeface="Agency FB" panose="020B0503020202020204" pitchFamily="34" charset="0"/>
-            </a:endParaRPr>
-          </a:p>
-        </p:txBody>
-      </p:sp>
-      <p:pic>
-        <p:nvPicPr>
-          <p:cNvPr id="6146" name="Picture 2"/>
-          <p:cNvPicPr>
-            <a:picLocks noChangeAspect="1" noChangeArrowheads="1"/>
-          </p:cNvPicPr>
-          <p:nvPr/>
-        </p:nvPicPr>
-        <p:blipFill>
-          <a:blip r:embed="rId4" cstate="print"/>
-          <a:srcRect/>
-          <a:stretch>
-            <a:fillRect/>
-          </a:stretch>
-        </p:blipFill>
-        <p:spPr bwMode="auto">
-          <a:xfrm>
-            <a:off x="86519" y="1099038"/>
-            <a:ext cx="12018963" cy="5750164"/>
-          </a:xfrm>
-          <a:prstGeom prst="rect">
-            <a:avLst/>
-          </a:prstGeom>
-          <a:noFill/>
-          <a:ln w="9525">
-            <a:noFill/>
-            <a:miter lim="800000"/>
-            <a:headEnd/>
-            <a:tailEnd/>
-          </a:ln>
-          <a:effectLst/>
-        </p:spPr>
-      </p:pic>
-    </p:spTree>
-    <p:custDataLst>
-      <p:tags r:id="rId1"/>
-    </p:custDataLst>
-    <p:extLst>
-      <p:ext uri="{BB962C8B-B14F-4D97-AF65-F5344CB8AC3E}">
-        <p14:creationId xmlns:p14="http://schemas.microsoft.com/office/powerpoint/2010/main" xmlns="" val="1981112831"/>
-      </p:ext>
-    </p:extLst>
-  </p:cSld>
-  <p:clrMapOvr>
-    <a:masterClrMapping/>
-  </p:clrMapOvr>
-  <mc:AlternateContent xmlns:mc="http://schemas.openxmlformats.org/markup-compatibility/2006">
-    <mc:Choice xmlns:p14="http://schemas.microsoft.com/office/powerpoint/2010/main" xmlns="" Requires="p14">
-      <p:transition spd="slow" p14:dur="1500">
-        <p:random/>
-      </p:transition>
-    </mc:Choice>
-    <mc:Fallback>
-      <p:transition spd="slow">
-        <p:random/>
-      </p:transition>
-    </mc:Fallback>
-  </mc:AlternateContent>
-  <p:timing>
-    <p:tnLst>
-      <p:par>
-        <p:cTn id="1" dur="indefinite" restart="never" nodeType="tmRoot"/>
-      </p:par>
-    </p:tnLst>
-  </p:timing>
-</p:sld>
-</file>
-
-<file path=ppt/slides/slide12.xml><?xml version="1.0" encoding="utf-8"?>
-<p:sld xmlns:a="http://schemas.openxmlformats.org/drawingml/2006/main" xmlns:r="http://schemas.openxmlformats.org/officeDocument/2006/relationships" xmlns:p="http://schemas.openxmlformats.org/presentationml/2006/main">
-  <p:cSld>
-    <p:spTree>
-      <p:nvGrpSpPr>
-        <p:cNvPr id="1" name=""/>
-        <p:cNvGrpSpPr/>
-        <p:nvPr/>
-      </p:nvGrpSpPr>
-      <p:grpSpPr>
-        <a:xfrm>
-          <a:off x="0" y="0"/>
-          <a:ext cx="0" cy="0"/>
-          <a:chOff x="0" y="0"/>
-          <a:chExt cx="0" cy="0"/>
-        </a:xfrm>
-      </p:grpSpPr>
       <p:sp>
         <p:nvSpPr>
           <p:cNvPr id="5" name="等腰三角形 4"/>
@@ -5016,7 +4432,7 @@
     </p:spTree>
     <p:extLst>
       <p:ext uri="{BB962C8B-B14F-4D97-AF65-F5344CB8AC3E}">
-        <p14:creationId xmlns:p14="http://schemas.microsoft.com/office/powerpoint/2010/main" xmlns="" val="888636050"/>
+        <p14:creationId xmlns="" xmlns:p14="http://schemas.microsoft.com/office/powerpoint/2010/main" val="888636050"/>
       </p:ext>
     </p:extLst>
   </p:cSld>
@@ -5024,7 +4440,7 @@
     <a:masterClrMapping/>
   </p:clrMapOvr>
   <mc:AlternateContent xmlns:mc="http://schemas.openxmlformats.org/markup-compatibility/2006">
-    <mc:Choice xmlns:p14="http://schemas.microsoft.com/office/powerpoint/2010/main" xmlns="" Requires="p14">
+    <mc:Choice xmlns="" xmlns:p14="http://schemas.microsoft.com/office/powerpoint/2010/main" Requires="p14">
       <p:transition spd="slow" p14:dur="1500">
         <p:random/>
       </p:transition>
@@ -6569,7 +5985,18 @@
                       </a:schemeClr>
                     </a:solidFill>
                   </a:rPr>
-                  <a:t>针对不同客群定义相应信贷产品及其他相应配置。</a:t>
+                  <a:t>针对不同客</a:t>
+                </a:r>
+                <a:r>
+                  <a:rPr lang="zh-CN" altLang="en-US" sz="1100" dirty="0" smtClean="0">
+                    <a:solidFill>
+                      <a:schemeClr val="tx1">
+                        <a:lumMod val="50000"/>
+                        <a:lumOff val="50000"/>
+                      </a:schemeClr>
+                    </a:solidFill>
+                  </a:rPr>
+                  <a:t>群群研究并定义信贷产品。</a:t>
                 </a:r>
                 <a:endParaRPr lang="en-US" altLang="zh-CN" sz="1100" dirty="0" smtClean="0">
                   <a:solidFill>
@@ -8898,7 +8325,7 @@
     </p:custDataLst>
     <p:extLst>
       <p:ext uri="{BB962C8B-B14F-4D97-AF65-F5344CB8AC3E}">
-        <p14:creationId xmlns:p14="http://schemas.microsoft.com/office/powerpoint/2010/main" xmlns="" val="758362457"/>
+        <p14:creationId xmlns="" xmlns:p14="http://schemas.microsoft.com/office/powerpoint/2010/main" val="758362457"/>
       </p:ext>
     </p:extLst>
   </p:cSld>
@@ -8906,7 +8333,7 @@
     <a:masterClrMapping/>
   </p:clrMapOvr>
   <mc:AlternateContent xmlns:mc="http://schemas.openxmlformats.org/markup-compatibility/2006">
-    <mc:Choice xmlns:p14="http://schemas.microsoft.com/office/powerpoint/2010/main" xmlns="" Requires="p14">
+    <mc:Choice xmlns="" xmlns:p14="http://schemas.microsoft.com/office/powerpoint/2010/main" Requires="p14">
       <p:transition spd="slow" p14:dur="1500">
         <p:random/>
       </p:transition>
@@ -9291,13 +8718,7 @@
               <a:rPr lang="zh-CN" altLang="en-US" sz="3200" dirty="0" smtClean="0">
                 <a:latin typeface="Agency FB" panose="020B0503020202020204" pitchFamily="34" charset="0"/>
               </a:rPr>
-              <a:t>老架构存在</a:t>
-            </a:r>
-            <a:r>
-              <a:rPr lang="zh-CN" altLang="en-US" sz="3200" dirty="0" smtClean="0">
-                <a:latin typeface="Agency FB" panose="020B0503020202020204" pitchFamily="34" charset="0"/>
-              </a:rPr>
-              <a:t>的痛点</a:t>
+              <a:t>老架构存在的痛点</a:t>
             </a:r>
             <a:endParaRPr lang="zh-CN" altLang="en-US" sz="3200" dirty="0">
               <a:latin typeface="Agency FB" panose="020B0503020202020204" pitchFamily="34" charset="0"/>
@@ -9314,7 +8735,7 @@
         <p:spPr>
           <a:xfrm>
             <a:off x="1238250" y="1395812"/>
-            <a:ext cx="9715500" cy="4985980"/>
+            <a:ext cx="9715500" cy="3970318"/>
           </a:xfrm>
           <a:prstGeom prst="rect">
             <a:avLst/>
@@ -9333,15 +8754,7 @@
             </a:r>
             <a:r>
               <a:rPr lang="zh-CN" altLang="en-US" dirty="0" smtClean="0"/>
-              <a:t>产品配置不</a:t>
-            </a:r>
-            <a:r>
-              <a:rPr lang="zh-CN" altLang="en-US" dirty="0" smtClean="0"/>
-              <a:t>支持扩展</a:t>
-            </a:r>
-            <a:r>
-              <a:rPr lang="zh-CN" altLang="en-US" dirty="0" smtClean="0"/>
-              <a:t>属性，授信或者贷款流程不支持流程阶段</a:t>
+              <a:t>产品配置不支持扩展属性，授信或者贷款流程不支持流程阶段</a:t>
             </a:r>
             <a:r>
               <a:rPr lang="en-US" altLang="zh-CN" dirty="0" smtClean="0"/>
@@ -9349,15 +8762,7 @@
             </a:r>
             <a:r>
               <a:rPr lang="zh-CN" altLang="en-US" dirty="0" smtClean="0"/>
-              <a:t>数据配置，</a:t>
-            </a:r>
-            <a:r>
-              <a:rPr lang="zh-CN" altLang="en-US" dirty="0" smtClean="0"/>
-              <a:t>当</a:t>
-            </a:r>
-            <a:r>
-              <a:rPr lang="zh-CN" altLang="en-US" dirty="0" smtClean="0"/>
-              <a:t>某产品</a:t>
+              <a:t>数据配置，当某产品</a:t>
             </a:r>
             <a:r>
               <a:rPr lang="en-US" altLang="zh-CN" dirty="0" smtClean="0"/>
@@ -9365,1279 +8770,17 @@
             </a:r>
             <a:r>
               <a:rPr lang="zh-CN" altLang="en-US" dirty="0" smtClean="0"/>
-              <a:t>需要增加一个属性或者流程审批要录入某种业务场景数据时</a:t>
+              <a:t>需要增加一个属性或者流程审批要录入某种业务场景数据时，需要额外单独开发，然后回归测试再部署</a:t>
             </a:r>
             <a:r>
               <a:rPr lang="zh-CN" altLang="en-US" dirty="0" smtClean="0"/>
-              <a:t>，</a:t>
+              <a:t>。严重影响业务</a:t>
             </a:r>
             <a:r>
               <a:rPr lang="zh-CN" altLang="en-US" dirty="0" smtClean="0"/>
-              <a:t>需要额外单独开发，然后回归测试</a:t>
-            </a:r>
-            <a:r>
-              <a:rPr lang="zh-CN" altLang="en-US" dirty="0" smtClean="0"/>
-              <a:t>再部署</a:t>
-            </a:r>
-            <a:r>
-              <a:rPr lang="zh-CN" altLang="en-US" dirty="0" smtClean="0"/>
-              <a:t>。当</a:t>
-            </a:r>
-            <a:r>
-              <a:rPr lang="zh-CN" altLang="en-US" dirty="0" smtClean="0"/>
-              <a:t>这种特殊字段多了以后，不利于管理，复用性不大，而且影响业务快速迭代。</a:t>
+              <a:t>快速迭代。</a:t>
             </a:r>
             <a:endParaRPr lang="en-US" altLang="zh-CN" dirty="0" smtClean="0"/>
-          </a:p>
-          <a:p>
-            <a:r>
-              <a:rPr lang="zh-CN" altLang="en-US" dirty="0" smtClean="0">
-                <a:solidFill>
-                  <a:srgbClr val="FF0000"/>
-                </a:solidFill>
-              </a:rPr>
-              <a:t>解决</a:t>
-            </a:r>
-            <a:r>
-              <a:rPr lang="en-US" altLang="zh-CN" dirty="0" smtClean="0">
-                <a:solidFill>
-                  <a:srgbClr val="FF0000"/>
-                </a:solidFill>
-              </a:rPr>
-              <a:t>:</a:t>
-            </a:r>
-            <a:r>
-              <a:rPr lang="zh-CN" altLang="en-US" dirty="0" smtClean="0">
-                <a:solidFill>
-                  <a:srgbClr val="FF0000"/>
-                </a:solidFill>
-              </a:rPr>
-              <a:t>产品配置明确定义好</a:t>
-            </a:r>
-            <a:r>
-              <a:rPr lang="en-US" altLang="zh-CN" dirty="0" smtClean="0">
-                <a:solidFill>
-                  <a:srgbClr val="FF0000"/>
-                </a:solidFill>
-              </a:rPr>
-              <a:t>90%</a:t>
-            </a:r>
-            <a:r>
-              <a:rPr lang="zh-CN" altLang="en-US" dirty="0" smtClean="0">
-                <a:solidFill>
-                  <a:srgbClr val="FF0000"/>
-                </a:solidFill>
-              </a:rPr>
-              <a:t>以上通用属性。再给产品配置设计扩展属性用来满足特殊场景。</a:t>
-            </a:r>
-            <a:endParaRPr lang="en-US" altLang="zh-CN" dirty="0" smtClean="0"/>
-          </a:p>
-          <a:p>
-            <a:endParaRPr lang="en-US" altLang="zh-CN" dirty="0" smtClean="0"/>
-          </a:p>
-          <a:p>
-            <a:pPr marL="0" lvl="1"/>
-            <a:r>
-              <a:rPr lang="en-US" altLang="zh-CN" dirty="0" smtClean="0"/>
-              <a:t>2. </a:t>
-            </a:r>
-            <a:r>
-              <a:rPr lang="zh-CN" altLang="zh-CN" dirty="0" smtClean="0"/>
-              <a:t>授信流程和贷款流程不支持流程阶段</a:t>
-            </a:r>
-            <a:r>
-              <a:rPr lang="en-US" altLang="zh-CN" dirty="0" smtClean="0"/>
-              <a:t>Input</a:t>
-            </a:r>
-            <a:r>
-              <a:rPr lang="zh-CN" altLang="zh-CN" dirty="0" smtClean="0"/>
-              <a:t>数据绑定。</a:t>
-            </a:r>
-            <a:r>
-              <a:rPr lang="zh-CN" altLang="en-US" dirty="0" smtClean="0"/>
-              <a:t>当某产品授信或者贷款场景需要客户</a:t>
-            </a:r>
-            <a:endParaRPr lang="en-US" altLang="zh-CN" dirty="0" smtClean="0"/>
-          </a:p>
-          <a:p>
-            <a:pPr marL="0" lvl="1"/>
-            <a:r>
-              <a:rPr lang="en-US" altLang="zh-CN" dirty="0" smtClean="0"/>
-              <a:t>    </a:t>
-            </a:r>
-            <a:r>
-              <a:rPr lang="zh-CN" altLang="en-US" dirty="0" smtClean="0"/>
-              <a:t>提供某类数据时，需要额外单独开发出相应功能，并做数据校验，存储，权限查看等。</a:t>
-            </a:r>
-            <a:endParaRPr lang="en-US" altLang="zh-CN" dirty="0" smtClean="0"/>
-          </a:p>
-          <a:p>
-            <a:pPr marL="0" lvl="1"/>
-            <a:r>
-              <a:rPr lang="zh-CN" altLang="en-US" dirty="0" smtClean="0">
-                <a:solidFill>
-                  <a:srgbClr val="FF0000"/>
-                </a:solidFill>
-              </a:rPr>
-              <a:t>解决</a:t>
-            </a:r>
-            <a:r>
-              <a:rPr lang="en-US" altLang="zh-CN" dirty="0" smtClean="0">
-                <a:solidFill>
-                  <a:srgbClr val="FF0000"/>
-                </a:solidFill>
-              </a:rPr>
-              <a:t>:</a:t>
-            </a:r>
-            <a:r>
-              <a:rPr lang="zh-CN" altLang="en-US" dirty="0" smtClean="0">
-                <a:solidFill>
-                  <a:srgbClr val="FF0000"/>
-                </a:solidFill>
-              </a:rPr>
-              <a:t>让流程节点支持</a:t>
-            </a:r>
-            <a:r>
-              <a:rPr lang="en-US" altLang="zh-CN" dirty="0" smtClean="0">
-                <a:solidFill>
-                  <a:srgbClr val="FF0000"/>
-                </a:solidFill>
-              </a:rPr>
-              <a:t>Input</a:t>
-            </a:r>
-            <a:r>
-              <a:rPr lang="zh-CN" altLang="en-US" dirty="0" smtClean="0">
-                <a:solidFill>
-                  <a:srgbClr val="FF0000"/>
-                </a:solidFill>
-              </a:rPr>
-              <a:t>数据绑定，并且提供常用数据类配置和检验</a:t>
-            </a:r>
-            <a:r>
-              <a:rPr lang="en-US" altLang="zh-CN" dirty="0" smtClean="0">
-                <a:solidFill>
-                  <a:srgbClr val="FF0000"/>
-                </a:solidFill>
-              </a:rPr>
-              <a:t>(</a:t>
-            </a:r>
-            <a:r>
-              <a:rPr lang="zh-CN" altLang="en-US" dirty="0" smtClean="0">
-                <a:solidFill>
-                  <a:srgbClr val="FF0000"/>
-                </a:solidFill>
-              </a:rPr>
-              <a:t>比如字符长度，邮箱，身份证号，文件等</a:t>
-            </a:r>
-            <a:r>
-              <a:rPr lang="en-US" altLang="zh-CN" dirty="0" smtClean="0">
-                <a:solidFill>
-                  <a:srgbClr val="FF0000"/>
-                </a:solidFill>
-              </a:rPr>
-              <a:t>)</a:t>
-            </a:r>
-            <a:r>
-              <a:rPr lang="zh-CN" altLang="en-US" dirty="0" smtClean="0">
-                <a:solidFill>
-                  <a:srgbClr val="FF0000"/>
-                </a:solidFill>
-              </a:rPr>
-              <a:t>，并且基于流程</a:t>
-            </a:r>
-            <a:r>
-              <a:rPr lang="en-US" altLang="zh-CN" dirty="0" smtClean="0">
-                <a:solidFill>
-                  <a:srgbClr val="FF0000"/>
-                </a:solidFill>
-              </a:rPr>
-              <a:t>role</a:t>
-            </a:r>
-            <a:r>
-              <a:rPr lang="zh-CN" altLang="en-US" dirty="0" smtClean="0">
-                <a:solidFill>
-                  <a:srgbClr val="FF0000"/>
-                </a:solidFill>
-              </a:rPr>
-              <a:t>实现每个阶段节点只能读当前节点和前面节点的数据，</a:t>
-            </a:r>
-            <a:endParaRPr lang="en-US" altLang="zh-CN" dirty="0" smtClean="0">
-              <a:solidFill>
-                <a:srgbClr val="FF0000"/>
-              </a:solidFill>
-            </a:endParaRPr>
-          </a:p>
-          <a:p>
-            <a:pPr marL="0" lvl="1"/>
-            <a:r>
-              <a:rPr lang="zh-CN" altLang="en-US" dirty="0" smtClean="0">
-                <a:solidFill>
-                  <a:srgbClr val="FF0000"/>
-                </a:solidFill>
-              </a:rPr>
-              <a:t>并且只能写当前节点配置的</a:t>
-            </a:r>
-            <a:r>
-              <a:rPr lang="en-US" altLang="zh-CN" dirty="0" smtClean="0">
-                <a:solidFill>
-                  <a:srgbClr val="FF0000"/>
-                </a:solidFill>
-              </a:rPr>
-              <a:t>Input</a:t>
-            </a:r>
-            <a:r>
-              <a:rPr lang="zh-CN" altLang="en-US" dirty="0" smtClean="0">
-                <a:solidFill>
-                  <a:srgbClr val="FF0000"/>
-                </a:solidFill>
-              </a:rPr>
-              <a:t>数据。流程所有的</a:t>
-            </a:r>
-            <a:r>
-              <a:rPr lang="en-US" altLang="zh-CN" dirty="0" smtClean="0">
-                <a:solidFill>
-                  <a:srgbClr val="FF0000"/>
-                </a:solidFill>
-              </a:rPr>
-              <a:t>Input</a:t>
-            </a:r>
-            <a:r>
-              <a:rPr lang="zh-CN" altLang="en-US" dirty="0" smtClean="0">
-                <a:solidFill>
-                  <a:srgbClr val="FF0000"/>
-                </a:solidFill>
-              </a:rPr>
-              <a:t>数据以以下</a:t>
-            </a:r>
-            <a:r>
-              <a:rPr lang="en-US" altLang="zh-CN" dirty="0" err="1" smtClean="0">
-                <a:solidFill>
-                  <a:srgbClr val="FF0000"/>
-                </a:solidFill>
-              </a:rPr>
-              <a:t>json</a:t>
-            </a:r>
-            <a:r>
-              <a:rPr lang="zh-CN" altLang="en-US" dirty="0" smtClean="0">
-                <a:solidFill>
-                  <a:srgbClr val="FF0000"/>
-                </a:solidFill>
-              </a:rPr>
-              <a:t>格式保存，并且通过</a:t>
-            </a:r>
-            <a:endParaRPr lang="en-US" altLang="zh-CN" dirty="0" smtClean="0">
-              <a:solidFill>
-                <a:srgbClr val="FF0000"/>
-              </a:solidFill>
-            </a:endParaRPr>
-          </a:p>
-          <a:p>
-            <a:pPr marL="0" lvl="1"/>
-            <a:r>
-              <a:rPr lang="en-US" altLang="zh-CN" dirty="0" err="1" smtClean="0">
-                <a:solidFill>
-                  <a:srgbClr val="FF0000"/>
-                </a:solidFill>
-              </a:rPr>
-              <a:t>Json</a:t>
-            </a:r>
-            <a:r>
-              <a:rPr lang="en-US" altLang="zh-CN" dirty="0" smtClean="0">
-                <a:solidFill>
-                  <a:srgbClr val="FF0000"/>
-                </a:solidFill>
-              </a:rPr>
-              <a:t> selector</a:t>
-            </a:r>
-            <a:r>
-              <a:rPr lang="zh-CN" altLang="en-US" dirty="0" smtClean="0">
-                <a:solidFill>
-                  <a:srgbClr val="FF0000"/>
-                </a:solidFill>
-              </a:rPr>
-              <a:t>取值或者自定义</a:t>
-            </a:r>
-            <a:r>
-              <a:rPr lang="en-US" altLang="zh-CN" dirty="0" err="1" smtClean="0">
-                <a:solidFill>
-                  <a:srgbClr val="FF0000"/>
-                </a:solidFill>
-              </a:rPr>
-              <a:t>json</a:t>
-            </a:r>
-            <a:r>
-              <a:rPr lang="zh-CN" altLang="en-US" dirty="0" smtClean="0">
-                <a:solidFill>
-                  <a:srgbClr val="FF0000"/>
-                </a:solidFill>
-              </a:rPr>
-              <a:t>函数处理。</a:t>
-            </a:r>
-            <a:endParaRPr lang="en-US" altLang="zh-CN" dirty="0" smtClean="0">
-              <a:solidFill>
-                <a:srgbClr val="FF0000"/>
-              </a:solidFill>
-            </a:endParaRPr>
-          </a:p>
-          <a:p>
-            <a:pPr marL="0" lvl="1"/>
-            <a:r>
-              <a:rPr lang="en-US" altLang="zh-CN" sz="1000" dirty="0" smtClean="0">
-                <a:solidFill>
-                  <a:srgbClr val="FF0000"/>
-                </a:solidFill>
-              </a:rPr>
-              <a:t>{</a:t>
-            </a:r>
-          </a:p>
-          <a:p>
-            <a:pPr marL="0" lvl="1"/>
-            <a:r>
-              <a:rPr lang="en-US" altLang="zh-CN" sz="1000" dirty="0" smtClean="0">
-                <a:solidFill>
-                  <a:srgbClr val="FF0000"/>
-                </a:solidFill>
-              </a:rPr>
-              <a:t> "</a:t>
-            </a:r>
-            <a:r>
-              <a:rPr lang="zh-CN" altLang="en-US" sz="1000" dirty="0" smtClean="0">
-                <a:solidFill>
-                  <a:srgbClr val="FF0000"/>
-                </a:solidFill>
-              </a:rPr>
-              <a:t>流程</a:t>
-            </a:r>
-            <a:r>
-              <a:rPr lang="en-US" altLang="zh-CN" sz="1000" dirty="0" smtClean="0">
-                <a:solidFill>
-                  <a:srgbClr val="FF0000"/>
-                </a:solidFill>
-              </a:rPr>
-              <a:t>id": "20180920-120000-000000000001",</a:t>
-            </a:r>
-          </a:p>
-          <a:p>
-            <a:pPr marL="0" lvl="1"/>
-            <a:r>
-              <a:rPr lang="en-US" altLang="zh-CN" sz="1000" dirty="0" smtClean="0">
-                <a:solidFill>
-                  <a:srgbClr val="FF0000"/>
-                </a:solidFill>
-              </a:rPr>
-              <a:t> "</a:t>
-            </a:r>
-            <a:r>
-              <a:rPr lang="en-US" altLang="zh-CN" sz="1000" dirty="0" err="1" smtClean="0">
-                <a:solidFill>
-                  <a:srgbClr val="FF0000"/>
-                </a:solidFill>
-              </a:rPr>
-              <a:t>input_data</a:t>
-            </a:r>
-            <a:r>
-              <a:rPr lang="en-US" altLang="zh-CN" sz="1000" dirty="0" smtClean="0">
-                <a:solidFill>
-                  <a:srgbClr val="FF0000"/>
-                </a:solidFill>
-              </a:rPr>
-              <a:t>": [{</a:t>
-            </a:r>
-          </a:p>
-          <a:p>
-            <a:pPr marL="0" lvl="1"/>
-            <a:r>
-              <a:rPr lang="en-US" altLang="zh-CN" sz="1000" dirty="0" smtClean="0">
-                <a:solidFill>
-                  <a:srgbClr val="FF0000"/>
-                </a:solidFill>
-              </a:rPr>
-              <a:t>	"version": 0,</a:t>
-            </a:r>
-          </a:p>
-          <a:p>
-            <a:pPr marL="0" lvl="1"/>
-            <a:r>
-              <a:rPr lang="en-US" altLang="zh-CN" sz="1000" dirty="0" smtClean="0">
-                <a:solidFill>
-                  <a:srgbClr val="FF0000"/>
-                </a:solidFill>
-              </a:rPr>
-              <a:t>	"data": {</a:t>
-            </a:r>
-          </a:p>
-          <a:p>
-            <a:pPr marL="0" lvl="1"/>
-            <a:r>
-              <a:rPr lang="en-US" altLang="zh-CN" sz="1000" dirty="0" smtClean="0">
-                <a:solidFill>
-                  <a:srgbClr val="FF0000"/>
-                </a:solidFill>
-              </a:rPr>
-              <a:t>	            "</a:t>
-            </a:r>
-            <a:r>
-              <a:rPr lang="zh-CN" altLang="en-US" sz="1000" dirty="0" smtClean="0">
-                <a:solidFill>
-                  <a:srgbClr val="FF0000"/>
-                </a:solidFill>
-              </a:rPr>
-              <a:t>申请</a:t>
-            </a:r>
-            <a:r>
-              <a:rPr lang="en-US" altLang="zh-CN" sz="1000" dirty="0" smtClean="0">
-                <a:solidFill>
-                  <a:srgbClr val="FF0000"/>
-                </a:solidFill>
-              </a:rPr>
-              <a:t>": [{</a:t>
-            </a:r>
-          </a:p>
-          <a:p>
-            <a:pPr marL="0" lvl="1"/>
-            <a:r>
-              <a:rPr lang="en-US" altLang="zh-CN" sz="1000" dirty="0" smtClean="0">
-                <a:solidFill>
-                  <a:srgbClr val="FF0000"/>
-                </a:solidFill>
-              </a:rPr>
-              <a:t>	                         "</a:t>
-            </a:r>
-            <a:r>
-              <a:rPr lang="zh-CN" altLang="en-US" sz="1000" dirty="0" smtClean="0">
-                <a:solidFill>
-                  <a:srgbClr val="FF0000"/>
-                </a:solidFill>
-              </a:rPr>
-              <a:t>客户</a:t>
-            </a:r>
-            <a:r>
-              <a:rPr lang="en-US" altLang="zh-CN" sz="1000" dirty="0" smtClean="0">
-                <a:solidFill>
-                  <a:srgbClr val="FF0000"/>
-                </a:solidFill>
-              </a:rPr>
-              <a:t>ID": "</a:t>
-            </a:r>
-            <a:r>
-              <a:rPr lang="en-US" altLang="zh-CN" sz="1000" dirty="0" err="1" smtClean="0">
-                <a:solidFill>
-                  <a:srgbClr val="FF0000"/>
-                </a:solidFill>
-              </a:rPr>
-              <a:t>sixliu</a:t>
-            </a:r>
-            <a:r>
-              <a:rPr lang="en-US" altLang="zh-CN" sz="1000" dirty="0" smtClean="0">
-                <a:solidFill>
-                  <a:srgbClr val="FF0000"/>
-                </a:solidFill>
-              </a:rPr>
-              <a:t>",</a:t>
-            </a:r>
-          </a:p>
-          <a:p>
-            <a:pPr marL="0" lvl="1"/>
-            <a:r>
-              <a:rPr lang="en-US" altLang="zh-CN" sz="1000" dirty="0" smtClean="0">
-                <a:solidFill>
-                  <a:srgbClr val="FF0000"/>
-                </a:solidFill>
-              </a:rPr>
-              <a:t>		"type": "string"</a:t>
-            </a:r>
-          </a:p>
-          <a:p>
-            <a:pPr marL="0" lvl="1"/>
-            <a:r>
-              <a:rPr lang="en-US" altLang="zh-CN" sz="1000" dirty="0" smtClean="0">
-                <a:solidFill>
-                  <a:srgbClr val="FF0000"/>
-                </a:solidFill>
-              </a:rPr>
-              <a:t>		}]</a:t>
-            </a:r>
-          </a:p>
-          <a:p>
-            <a:pPr marL="0" lvl="1"/>
-            <a:r>
-              <a:rPr lang="en-US" altLang="zh-CN" sz="1000" dirty="0" smtClean="0">
-                <a:solidFill>
-                  <a:srgbClr val="FF0000"/>
-                </a:solidFill>
-              </a:rPr>
-              <a:t>	            }</a:t>
-            </a:r>
-          </a:p>
-          <a:p>
-            <a:pPr marL="0" lvl="1"/>
-            <a:r>
-              <a:rPr lang="en-US" altLang="zh-CN" sz="1000" dirty="0" smtClean="0">
-                <a:solidFill>
-                  <a:srgbClr val="FF0000"/>
-                </a:solidFill>
-              </a:rPr>
-              <a:t>	}]</a:t>
-            </a:r>
-          </a:p>
-          <a:p>
-            <a:pPr marL="0" lvl="1"/>
-            <a:r>
-              <a:rPr lang="en-US" altLang="zh-CN" sz="1000" dirty="0" smtClean="0">
-                <a:solidFill>
-                  <a:srgbClr val="FF0000"/>
-                </a:solidFill>
-              </a:rPr>
-              <a:t>}</a:t>
-            </a:r>
-          </a:p>
-        </p:txBody>
-      </p:sp>
-    </p:spTree>
-    <p:custDataLst>
-      <p:tags r:id="rId1"/>
-    </p:custDataLst>
-    <p:extLst>
-      <p:ext uri="{BB962C8B-B14F-4D97-AF65-F5344CB8AC3E}">
-        <p14:creationId xmlns:p14="http://schemas.microsoft.com/office/powerpoint/2010/main" xmlns="" val="3713010676"/>
-      </p:ext>
-    </p:extLst>
-  </p:cSld>
-  <p:clrMapOvr>
-    <a:masterClrMapping/>
-  </p:clrMapOvr>
-  <mc:AlternateContent xmlns:mc="http://schemas.openxmlformats.org/markup-compatibility/2006">
-    <mc:Choice xmlns:p14="http://schemas.microsoft.com/office/powerpoint/2010/main" xmlns="" Requires="p14">
-      <p:transition spd="slow" p14:dur="1500">
-        <p:random/>
-      </p:transition>
-    </mc:Choice>
-    <mc:Fallback>
-      <p:transition spd="slow">
-        <p:random/>
-      </p:transition>
-    </mc:Fallback>
-  </mc:AlternateContent>
-  <p:timing>
-    <p:tnLst>
-      <p:par>
-        <p:cTn id="1" dur="indefinite" restart="never" nodeType="tmRoot"/>
-      </p:par>
-    </p:tnLst>
-  </p:timing>
-</p:sld>
-</file>
-
-<file path=ppt/slides/slide4.xml><?xml version="1.0" encoding="utf-8"?>
-<p:sld xmlns:a="http://schemas.openxmlformats.org/drawingml/2006/main" xmlns:r="http://schemas.openxmlformats.org/officeDocument/2006/relationships" xmlns:p="http://schemas.openxmlformats.org/presentationml/2006/main">
-  <p:cSld>
-    <p:spTree>
-      <p:nvGrpSpPr>
-        <p:cNvPr id="1" name=""/>
-        <p:cNvGrpSpPr/>
-        <p:nvPr/>
-      </p:nvGrpSpPr>
-      <p:grpSpPr>
-        <a:xfrm>
-          <a:off x="0" y="0"/>
-          <a:ext cx="0" cy="0"/>
-          <a:chOff x="0" y="0"/>
-          <a:chExt cx="0" cy="0"/>
-        </a:xfrm>
-      </p:grpSpPr>
-      <p:cxnSp>
-        <p:nvCxnSpPr>
-          <p:cNvPr id="41" name="直接连接符 40"/>
-          <p:cNvCxnSpPr/>
-          <p:nvPr/>
-        </p:nvCxnSpPr>
-        <p:spPr>
-          <a:xfrm flipV="1">
-            <a:off x="0" y="624254"/>
-            <a:ext cx="4317023" cy="10746"/>
-          </a:xfrm>
-          <a:prstGeom prst="line">
-            <a:avLst/>
-          </a:prstGeom>
-          <a:ln>
-            <a:solidFill>
-              <a:schemeClr val="bg1">
-                <a:lumMod val="65000"/>
-              </a:schemeClr>
-            </a:solidFill>
-            <a:tailEnd type="oval"/>
-          </a:ln>
-        </p:spPr>
-        <p:style>
-          <a:lnRef idx="1">
-            <a:schemeClr val="accent1"/>
-          </a:lnRef>
-          <a:fillRef idx="0">
-            <a:schemeClr val="accent1"/>
-          </a:fillRef>
-          <a:effectRef idx="0">
-            <a:schemeClr val="accent1"/>
-          </a:effectRef>
-          <a:fontRef idx="minor">
-            <a:schemeClr val="tx1"/>
-          </a:fontRef>
-        </p:style>
-      </p:cxnSp>
-      <p:cxnSp>
-        <p:nvCxnSpPr>
-          <p:cNvPr id="42" name="直接连接符 41"/>
-          <p:cNvCxnSpPr>
-            <a:stCxn id="43" idx="3"/>
-          </p:cNvCxnSpPr>
-          <p:nvPr/>
-        </p:nvCxnSpPr>
-        <p:spPr>
-          <a:xfrm flipV="1">
-            <a:off x="7829808" y="635000"/>
-            <a:ext cx="4362192" cy="2680"/>
-          </a:xfrm>
-          <a:prstGeom prst="line">
-            <a:avLst/>
-          </a:prstGeom>
-          <a:ln>
-            <a:solidFill>
-              <a:schemeClr val="bg1">
-                <a:lumMod val="65000"/>
-              </a:schemeClr>
-            </a:solidFill>
-            <a:headEnd type="oval"/>
-            <a:tailEnd type="none"/>
-          </a:ln>
-        </p:spPr>
-        <p:style>
-          <a:lnRef idx="1">
-            <a:schemeClr val="accent1"/>
-          </a:lnRef>
-          <a:fillRef idx="0">
-            <a:schemeClr val="accent1"/>
-          </a:fillRef>
-          <a:effectRef idx="0">
-            <a:schemeClr val="accent1"/>
-          </a:effectRef>
-          <a:fontRef idx="minor">
-            <a:schemeClr val="tx1"/>
-          </a:fontRef>
-        </p:style>
-      </p:cxnSp>
-      <p:sp>
-        <p:nvSpPr>
-          <p:cNvPr id="43" name="文本框 42"/>
-          <p:cNvSpPr txBox="1"/>
-          <p:nvPr/>
-        </p:nvSpPr>
-        <p:spPr>
-          <a:xfrm>
-            <a:off x="4362192" y="345292"/>
-            <a:ext cx="3467616" cy="584775"/>
-          </a:xfrm>
-          <a:prstGeom prst="rect">
-            <a:avLst/>
-          </a:prstGeom>
-          <a:noFill/>
-        </p:spPr>
-        <p:txBody>
-          <a:bodyPr wrap="none" rtlCol="0">
-            <a:spAutoFit/>
-            <a:scene3d>
-              <a:camera prst="orthographicFront"/>
-              <a:lightRig rig="threePt" dir="t"/>
-            </a:scene3d>
-            <a:sp3d contourW="12700"/>
-          </a:bodyPr>
-          <a:lstStyle/>
-          <a:p>
-            <a:pPr algn="ctr"/>
-            <a:r>
-              <a:rPr lang="zh-CN" altLang="en-US" sz="3200" dirty="0" smtClean="0">
-                <a:latin typeface="Agency FB" panose="020B0503020202020204" pitchFamily="34" charset="0"/>
-              </a:rPr>
-              <a:t>老架构存在</a:t>
-            </a:r>
-            <a:r>
-              <a:rPr lang="zh-CN" altLang="en-US" sz="3200" dirty="0" smtClean="0">
-                <a:latin typeface="Agency FB" panose="020B0503020202020204" pitchFamily="34" charset="0"/>
-              </a:rPr>
-              <a:t>的痛点</a:t>
-            </a:r>
-            <a:endParaRPr lang="zh-CN" altLang="en-US" sz="3200" dirty="0">
-              <a:latin typeface="Agency FB" panose="020B0503020202020204" pitchFamily="34" charset="0"/>
-            </a:endParaRPr>
-          </a:p>
-        </p:txBody>
-      </p:sp>
-      <p:sp>
-        <p:nvSpPr>
-          <p:cNvPr id="29" name="TextBox 28"/>
-          <p:cNvSpPr txBox="1"/>
-          <p:nvPr/>
-        </p:nvSpPr>
-        <p:spPr>
-          <a:xfrm>
-            <a:off x="1238250" y="1534311"/>
-            <a:ext cx="9715500" cy="3139321"/>
-          </a:xfrm>
-          <a:prstGeom prst="rect">
-            <a:avLst/>
-          </a:prstGeom>
-          <a:noFill/>
-        </p:spPr>
-        <p:txBody>
-          <a:bodyPr wrap="square" rtlCol="0" anchor="ctr">
-            <a:spAutoFit/>
-          </a:bodyPr>
-          <a:lstStyle/>
-          <a:p>
-            <a:r>
-              <a:rPr lang="en-US" altLang="zh-CN" dirty="0" smtClean="0"/>
-              <a:t>3. </a:t>
-            </a:r>
-            <a:r>
-              <a:rPr lang="zh-CN" altLang="en-US" dirty="0" smtClean="0"/>
-              <a:t>流程节点没有区分自动处理和人工处理。目前自动处理完全依赖于定时任务驱动。定时任务</a:t>
-            </a:r>
-          </a:p>
-          <a:p>
-            <a:r>
-              <a:rPr lang="zh-CN" altLang="en-US" dirty="0" smtClean="0"/>
-              <a:t>    扫描频率过快占用资源，频率过慢严重影响审批速度。</a:t>
-            </a:r>
-            <a:endParaRPr lang="en-US" altLang="zh-CN" dirty="0" smtClean="0"/>
-          </a:p>
-          <a:p>
-            <a:r>
-              <a:rPr lang="zh-CN" altLang="en-US" dirty="0" smtClean="0">
-                <a:solidFill>
-                  <a:srgbClr val="FF0000"/>
-                </a:solidFill>
-              </a:rPr>
-              <a:t>解决</a:t>
-            </a:r>
-            <a:r>
-              <a:rPr lang="en-US" altLang="zh-CN" dirty="0" smtClean="0">
-                <a:solidFill>
-                  <a:srgbClr val="FF0000"/>
-                </a:solidFill>
-              </a:rPr>
-              <a:t>:</a:t>
-            </a:r>
-            <a:r>
-              <a:rPr lang="zh-CN" altLang="en-US" dirty="0" smtClean="0">
-                <a:solidFill>
-                  <a:srgbClr val="FF0000"/>
-                </a:solidFill>
-              </a:rPr>
-              <a:t>明确定义流程任务类型为</a:t>
-            </a:r>
-            <a:r>
-              <a:rPr lang="en-US" altLang="zh-CN" dirty="0" smtClean="0">
-                <a:solidFill>
-                  <a:srgbClr val="FF0000"/>
-                </a:solidFill>
-              </a:rPr>
-              <a:t>:</a:t>
-            </a:r>
-            <a:r>
-              <a:rPr lang="zh-CN" altLang="en-US" dirty="0" smtClean="0">
-                <a:solidFill>
-                  <a:srgbClr val="FF0000"/>
-                </a:solidFill>
-              </a:rPr>
-              <a:t>人工或者自动审批，当流程任务审批结果提交时，并且提交结果为</a:t>
-            </a:r>
-            <a:r>
-              <a:rPr lang="en-US" altLang="zh-CN" dirty="0" smtClean="0">
-                <a:solidFill>
-                  <a:srgbClr val="FF0000"/>
-                </a:solidFill>
-              </a:rPr>
-              <a:t>pass</a:t>
-            </a:r>
-            <a:r>
-              <a:rPr lang="zh-CN" altLang="en-US" dirty="0" smtClean="0">
-                <a:solidFill>
-                  <a:srgbClr val="FF0000"/>
-                </a:solidFill>
-              </a:rPr>
-              <a:t>时，异步通知流程任务自动审批管理组件。管理组件内部发布此任务消息，如果有已注册的自动审批处理</a:t>
-            </a:r>
-            <a:r>
-              <a:rPr lang="en-US" altLang="zh-CN" dirty="0" smtClean="0">
-                <a:solidFill>
-                  <a:srgbClr val="FF0000"/>
-                </a:solidFill>
-              </a:rPr>
-              <a:t>handler</a:t>
-            </a:r>
-            <a:r>
-              <a:rPr lang="zh-CN" altLang="en-US" dirty="0" smtClean="0">
-                <a:solidFill>
-                  <a:srgbClr val="FF0000"/>
-                </a:solidFill>
-              </a:rPr>
-              <a:t>感兴趣，那么即对它进行处理。同时保留定时任务扫描，扫描间隔时间比较长，用来保证没有被异步通知处理的任务。</a:t>
-            </a:r>
-            <a:endParaRPr lang="en-US" altLang="zh-CN" dirty="0" smtClean="0"/>
-          </a:p>
-          <a:p>
-            <a:pPr marL="0" lvl="1"/>
-            <a:endParaRPr lang="en-US" altLang="zh-CN" dirty="0" smtClean="0"/>
-          </a:p>
-          <a:p>
-            <a:pPr marL="0" lvl="1"/>
-            <a:r>
-              <a:rPr lang="en-US" altLang="zh-CN" dirty="0" smtClean="0"/>
-              <a:t>4. </a:t>
-            </a:r>
-            <a:r>
-              <a:rPr lang="zh-CN" altLang="en-US" dirty="0" smtClean="0"/>
-              <a:t>流程</a:t>
-            </a:r>
-            <a:r>
-              <a:rPr lang="en-US" altLang="zh-CN" dirty="0" smtClean="0"/>
-              <a:t>job</a:t>
-            </a:r>
-            <a:r>
-              <a:rPr lang="zh-CN" altLang="en-US" dirty="0" smtClean="0"/>
-              <a:t>和</a:t>
-            </a:r>
-            <a:r>
-              <a:rPr lang="en-US" altLang="zh-CN" dirty="0" smtClean="0"/>
-              <a:t>task</a:t>
-            </a:r>
-            <a:r>
-              <a:rPr lang="zh-CN" altLang="en-US" dirty="0" smtClean="0"/>
-              <a:t>概念和状态混乱，在代码层面不能统一管理，容易出错。</a:t>
-            </a:r>
-            <a:endParaRPr lang="en-US" altLang="zh-CN" dirty="0" smtClean="0"/>
-          </a:p>
-          <a:p>
-            <a:pPr marL="0" lvl="1"/>
-            <a:r>
-              <a:rPr lang="zh-CN" altLang="en-US" dirty="0" smtClean="0"/>
-              <a:t>解决</a:t>
-            </a:r>
-            <a:r>
-              <a:rPr lang="en-US" altLang="zh-CN" dirty="0" smtClean="0"/>
-              <a:t>:</a:t>
-            </a:r>
-            <a:r>
-              <a:rPr lang="zh-CN" altLang="en-US" dirty="0" smtClean="0"/>
-              <a:t>划分流程</a:t>
-            </a:r>
-            <a:r>
-              <a:rPr lang="en-US" altLang="zh-CN" dirty="0" smtClean="0"/>
-              <a:t>job</a:t>
-            </a:r>
-            <a:r>
-              <a:rPr lang="zh-CN" altLang="en-US" dirty="0" smtClean="0"/>
-              <a:t>和</a:t>
-            </a:r>
-            <a:r>
-              <a:rPr lang="en-US" altLang="zh-CN" dirty="0" smtClean="0"/>
-              <a:t>task</a:t>
-            </a:r>
-            <a:r>
-              <a:rPr lang="zh-CN" altLang="en-US" dirty="0" smtClean="0"/>
-              <a:t>状态，并且通过任务</a:t>
-            </a:r>
-            <a:r>
-              <a:rPr lang="en-US" altLang="zh-CN" dirty="0" smtClean="0"/>
-              <a:t>task</a:t>
-            </a:r>
-            <a:r>
-              <a:rPr lang="zh-CN" altLang="en-US" dirty="0" smtClean="0"/>
-              <a:t>状态机严格进行状态流转。</a:t>
-            </a:r>
-            <a:endParaRPr lang="en-US" altLang="zh-CN" dirty="0" smtClean="0"/>
-          </a:p>
-          <a:p>
-            <a:pPr marL="0" lvl="1"/>
-            <a:r>
-              <a:rPr lang="en-US" altLang="zh-CN" dirty="0" smtClean="0">
-                <a:solidFill>
-                  <a:srgbClr val="FF0000"/>
-                </a:solidFill>
-              </a:rPr>
-              <a:t>Job</a:t>
-            </a:r>
-            <a:r>
-              <a:rPr lang="zh-CN" altLang="en-US" dirty="0" smtClean="0">
-                <a:solidFill>
-                  <a:srgbClr val="FF0000"/>
-                </a:solidFill>
-              </a:rPr>
-              <a:t>状态</a:t>
-            </a:r>
-            <a:r>
-              <a:rPr lang="en-US" altLang="zh-CN" dirty="0" smtClean="0">
-                <a:solidFill>
-                  <a:srgbClr val="FF0000"/>
-                </a:solidFill>
-              </a:rPr>
-              <a:t>:</a:t>
-            </a:r>
-            <a:r>
-              <a:rPr lang="zh-CN" altLang="en-US" dirty="0" smtClean="0">
-                <a:solidFill>
-                  <a:srgbClr val="FF0000"/>
-                </a:solidFill>
-              </a:rPr>
-              <a:t>开始，通过结束，拒绝结束，取消结束，过期结束</a:t>
-            </a:r>
-            <a:endParaRPr lang="en-US" altLang="zh-CN" dirty="0" smtClean="0">
-              <a:solidFill>
-                <a:srgbClr val="FF0000"/>
-              </a:solidFill>
-            </a:endParaRPr>
-          </a:p>
-          <a:p>
-            <a:pPr marL="0" lvl="1"/>
-            <a:r>
-              <a:rPr lang="en-US" altLang="zh-CN" dirty="0" smtClean="0">
-                <a:solidFill>
-                  <a:srgbClr val="FF0000"/>
-                </a:solidFill>
-              </a:rPr>
-              <a:t>Task</a:t>
-            </a:r>
-            <a:r>
-              <a:rPr lang="zh-CN" altLang="en-US" dirty="0" smtClean="0">
-                <a:solidFill>
-                  <a:srgbClr val="FF0000"/>
-                </a:solidFill>
-              </a:rPr>
-              <a:t>状态</a:t>
-            </a:r>
-            <a:r>
-              <a:rPr lang="en-US" altLang="zh-CN" dirty="0" smtClean="0">
-                <a:solidFill>
-                  <a:srgbClr val="FF0000"/>
-                </a:solidFill>
-              </a:rPr>
-              <a:t>:</a:t>
-            </a:r>
-            <a:r>
-              <a:rPr lang="zh-CN" altLang="en-US" dirty="0" smtClean="0">
-                <a:solidFill>
-                  <a:srgbClr val="FF0000"/>
-                </a:solidFill>
-              </a:rPr>
-              <a:t>待领取，待处理，退回到待领取，转移到其他人，通过，拒绝，驳回，异常挂起</a:t>
-            </a:r>
-            <a:endParaRPr lang="en-US" altLang="zh-CN" dirty="0" smtClean="0">
-              <a:solidFill>
-                <a:srgbClr val="FF0000"/>
-              </a:solidFill>
-            </a:endParaRPr>
-          </a:p>
-        </p:txBody>
-      </p:sp>
-    </p:spTree>
-    <p:custDataLst>
-      <p:tags r:id="rId1"/>
-    </p:custDataLst>
-    <p:extLst>
-      <p:ext uri="{BB962C8B-B14F-4D97-AF65-F5344CB8AC3E}">
-        <p14:creationId xmlns:p14="http://schemas.microsoft.com/office/powerpoint/2010/main" xmlns="" val="3713010676"/>
-      </p:ext>
-    </p:extLst>
-  </p:cSld>
-  <p:clrMapOvr>
-    <a:masterClrMapping/>
-  </p:clrMapOvr>
-  <mc:AlternateContent xmlns:mc="http://schemas.openxmlformats.org/markup-compatibility/2006">
-    <mc:Choice xmlns:p14="http://schemas.microsoft.com/office/powerpoint/2010/main" xmlns="" Requires="p14">
-      <p:transition spd="slow" p14:dur="1500">
-        <p:random/>
-      </p:transition>
-    </mc:Choice>
-    <mc:Fallback>
-      <p:transition spd="slow">
-        <p:random/>
-      </p:transition>
-    </mc:Fallback>
-  </mc:AlternateContent>
-  <p:timing>
-    <p:tnLst>
-      <p:par>
-        <p:cTn id="1" dur="indefinite" restart="never" nodeType="tmRoot"/>
-      </p:par>
-    </p:tnLst>
-  </p:timing>
-</p:sld>
-</file>
-
-<file path=ppt/slides/slide5.xml><?xml version="1.0" encoding="utf-8"?>
-<p:sld xmlns:a="http://schemas.openxmlformats.org/drawingml/2006/main" xmlns:r="http://schemas.openxmlformats.org/officeDocument/2006/relationships" xmlns:p="http://schemas.openxmlformats.org/presentationml/2006/main">
-  <p:cSld>
-    <p:spTree>
-      <p:nvGrpSpPr>
-        <p:cNvPr id="1" name=""/>
-        <p:cNvGrpSpPr/>
-        <p:nvPr/>
-      </p:nvGrpSpPr>
-      <p:grpSpPr>
-        <a:xfrm>
-          <a:off x="0" y="0"/>
-          <a:ext cx="0" cy="0"/>
-          <a:chOff x="0" y="0"/>
-          <a:chExt cx="0" cy="0"/>
-        </a:xfrm>
-      </p:grpSpPr>
-      <p:cxnSp>
-        <p:nvCxnSpPr>
-          <p:cNvPr id="41" name="直接连接符 40"/>
-          <p:cNvCxnSpPr/>
-          <p:nvPr/>
-        </p:nvCxnSpPr>
-        <p:spPr>
-          <a:xfrm flipV="1">
-            <a:off x="0" y="615462"/>
-            <a:ext cx="4290646" cy="19539"/>
-          </a:xfrm>
-          <a:prstGeom prst="line">
-            <a:avLst/>
-          </a:prstGeom>
-          <a:ln>
-            <a:solidFill>
-              <a:schemeClr val="bg1">
-                <a:lumMod val="65000"/>
-              </a:schemeClr>
-            </a:solidFill>
-            <a:tailEnd type="oval"/>
-          </a:ln>
-        </p:spPr>
-        <p:style>
-          <a:lnRef idx="1">
-            <a:schemeClr val="accent1"/>
-          </a:lnRef>
-          <a:fillRef idx="0">
-            <a:schemeClr val="accent1"/>
-          </a:fillRef>
-          <a:effectRef idx="0">
-            <a:schemeClr val="accent1"/>
-          </a:effectRef>
-          <a:fontRef idx="minor">
-            <a:schemeClr val="tx1"/>
-          </a:fontRef>
-        </p:style>
-      </p:cxnSp>
-      <p:cxnSp>
-        <p:nvCxnSpPr>
-          <p:cNvPr id="42" name="直接连接符 41"/>
-          <p:cNvCxnSpPr>
-            <a:stCxn id="43" idx="3"/>
-          </p:cNvCxnSpPr>
-          <p:nvPr/>
-        </p:nvCxnSpPr>
-        <p:spPr>
-          <a:xfrm flipV="1">
-            <a:off x="7829808" y="635000"/>
-            <a:ext cx="4362192" cy="2680"/>
-          </a:xfrm>
-          <a:prstGeom prst="line">
-            <a:avLst/>
-          </a:prstGeom>
-          <a:ln>
-            <a:solidFill>
-              <a:schemeClr val="bg1">
-                <a:lumMod val="65000"/>
-              </a:schemeClr>
-            </a:solidFill>
-            <a:headEnd type="oval"/>
-            <a:tailEnd type="none"/>
-          </a:ln>
-        </p:spPr>
-        <p:style>
-          <a:lnRef idx="1">
-            <a:schemeClr val="accent1"/>
-          </a:lnRef>
-          <a:fillRef idx="0">
-            <a:schemeClr val="accent1"/>
-          </a:fillRef>
-          <a:effectRef idx="0">
-            <a:schemeClr val="accent1"/>
-          </a:effectRef>
-          <a:fontRef idx="minor">
-            <a:schemeClr val="tx1"/>
-          </a:fontRef>
-        </p:style>
-      </p:cxnSp>
-      <p:sp>
-        <p:nvSpPr>
-          <p:cNvPr id="43" name="文本框 42"/>
-          <p:cNvSpPr txBox="1"/>
-          <p:nvPr/>
-        </p:nvSpPr>
-        <p:spPr>
-          <a:xfrm>
-            <a:off x="4362192" y="345292"/>
-            <a:ext cx="3467616" cy="584775"/>
-          </a:xfrm>
-          <a:prstGeom prst="rect">
-            <a:avLst/>
-          </a:prstGeom>
-          <a:noFill/>
-        </p:spPr>
-        <p:txBody>
-          <a:bodyPr wrap="none" rtlCol="0">
-            <a:spAutoFit/>
-            <a:scene3d>
-              <a:camera prst="orthographicFront"/>
-              <a:lightRig rig="threePt" dir="t"/>
-            </a:scene3d>
-            <a:sp3d contourW="12700"/>
-          </a:bodyPr>
-          <a:lstStyle/>
-          <a:p>
-            <a:pPr algn="ctr"/>
-            <a:r>
-              <a:rPr lang="zh-CN" altLang="en-US" sz="3200" dirty="0" smtClean="0">
-                <a:latin typeface="Agency FB" panose="020B0503020202020204" pitchFamily="34" charset="0"/>
-              </a:rPr>
-              <a:t>老架构存在</a:t>
-            </a:r>
-            <a:r>
-              <a:rPr lang="zh-CN" altLang="en-US" sz="3200" dirty="0" smtClean="0">
-                <a:latin typeface="Agency FB" panose="020B0503020202020204" pitchFamily="34" charset="0"/>
-              </a:rPr>
-              <a:t>的</a:t>
-            </a:r>
-            <a:r>
-              <a:rPr lang="zh-CN" altLang="en-US" sz="3200" dirty="0" smtClean="0">
-                <a:latin typeface="Agency FB" panose="020B0503020202020204" pitchFamily="34" charset="0"/>
-              </a:rPr>
-              <a:t>痛点</a:t>
-            </a:r>
-            <a:endParaRPr lang="zh-CN" altLang="en-US" sz="3200" dirty="0">
-              <a:latin typeface="Agency FB" panose="020B0503020202020204" pitchFamily="34" charset="0"/>
-            </a:endParaRPr>
-          </a:p>
-        </p:txBody>
-      </p:sp>
-      <p:sp>
-        <p:nvSpPr>
-          <p:cNvPr id="29" name="TextBox 28"/>
-          <p:cNvSpPr txBox="1"/>
-          <p:nvPr/>
-        </p:nvSpPr>
-        <p:spPr>
-          <a:xfrm>
-            <a:off x="1233131" y="1807028"/>
-            <a:ext cx="9725739" cy="3139321"/>
-          </a:xfrm>
-          <a:prstGeom prst="rect">
-            <a:avLst/>
-          </a:prstGeom>
-          <a:noFill/>
-        </p:spPr>
-        <p:txBody>
-          <a:bodyPr wrap="square" rtlCol="0" anchor="ctr">
-            <a:spAutoFit/>
-          </a:bodyPr>
-          <a:lstStyle/>
-          <a:p>
-            <a:r>
-              <a:rPr lang="en-US" altLang="zh-CN" dirty="0" smtClean="0"/>
-              <a:t>5. </a:t>
-            </a:r>
-            <a:r>
-              <a:rPr lang="zh-CN" altLang="en-US" dirty="0" smtClean="0"/>
-              <a:t>没有对数据链路进行</a:t>
-            </a:r>
-            <a:r>
-              <a:rPr lang="en-US" altLang="zh-CN" dirty="0" smtClean="0"/>
-              <a:t>segment</a:t>
-            </a:r>
-            <a:r>
-              <a:rPr lang="zh-CN" altLang="en-US" dirty="0" smtClean="0"/>
-              <a:t>划分，整个链路处理全部依赖于同一个产品配置，数据极易被污染，不好维护，并且容易引起同客户的法律纠纷。</a:t>
-            </a:r>
-            <a:endParaRPr lang="en-US" altLang="zh-CN" dirty="0" smtClean="0"/>
-          </a:p>
-          <a:p>
-            <a:r>
-              <a:rPr lang="zh-CN" altLang="en-US" dirty="0" smtClean="0">
-                <a:solidFill>
-                  <a:srgbClr val="FF0000"/>
-                </a:solidFill>
-              </a:rPr>
-              <a:t>解决</a:t>
-            </a:r>
-            <a:r>
-              <a:rPr lang="en-US" altLang="zh-CN" dirty="0" smtClean="0">
-                <a:solidFill>
-                  <a:srgbClr val="FF0000"/>
-                </a:solidFill>
-              </a:rPr>
-              <a:t>:</a:t>
-            </a:r>
-            <a:r>
-              <a:rPr lang="zh-CN" altLang="en-US" dirty="0" smtClean="0">
-                <a:solidFill>
-                  <a:srgbClr val="FF0000"/>
-                </a:solidFill>
-              </a:rPr>
-              <a:t>将整个链路划分为</a:t>
-            </a:r>
-            <a:r>
-              <a:rPr lang="en-US" altLang="zh-CN" dirty="0" smtClean="0">
-                <a:solidFill>
-                  <a:srgbClr val="FF0000"/>
-                </a:solidFill>
-              </a:rPr>
-              <a:t>:</a:t>
-            </a:r>
-            <a:r>
-              <a:rPr lang="zh-CN" altLang="en-US" dirty="0" smtClean="0">
-                <a:solidFill>
-                  <a:srgbClr val="FF0000"/>
-                </a:solidFill>
-              </a:rPr>
-              <a:t>产品配置，授信，贷款</a:t>
-            </a:r>
-            <a:r>
-              <a:rPr lang="en-US" altLang="zh-CN" dirty="0" smtClean="0">
-                <a:solidFill>
-                  <a:srgbClr val="FF0000"/>
-                </a:solidFill>
-              </a:rPr>
-              <a:t>3</a:t>
-            </a:r>
-            <a:r>
-              <a:rPr lang="zh-CN" altLang="en-US" dirty="0" smtClean="0">
-                <a:solidFill>
-                  <a:srgbClr val="FF0000"/>
-                </a:solidFill>
-              </a:rPr>
-              <a:t>个阶段。并且为授信和贷款做产品配置的</a:t>
-            </a:r>
-            <a:r>
-              <a:rPr lang="en-US" altLang="zh-CN" dirty="0" smtClean="0">
-                <a:solidFill>
-                  <a:srgbClr val="FF0000"/>
-                </a:solidFill>
-              </a:rPr>
-              <a:t>snapshot</a:t>
-            </a:r>
-            <a:r>
-              <a:rPr lang="zh-CN" altLang="en-US" dirty="0" smtClean="0">
-                <a:solidFill>
-                  <a:srgbClr val="FF0000"/>
-                </a:solidFill>
-              </a:rPr>
-              <a:t>。</a:t>
-            </a:r>
-            <a:endParaRPr lang="en-US" altLang="zh-CN" dirty="0" smtClean="0">
-              <a:solidFill>
-                <a:srgbClr val="FF0000"/>
-              </a:solidFill>
-            </a:endParaRPr>
           </a:p>
           <a:p>
             <a:endParaRPr lang="en-US" altLang="zh-CN" dirty="0" smtClean="0">
@@ -10649,7 +8792,65 @@
           <a:p>
             <a:r>
               <a:rPr lang="en-US" altLang="zh-CN" dirty="0" smtClean="0"/>
-              <a:t>6. </a:t>
+              <a:t>2. </a:t>
+            </a:r>
+            <a:r>
+              <a:rPr lang="zh-CN" altLang="en-US" dirty="0" smtClean="0"/>
+              <a:t>没有</a:t>
+            </a:r>
+            <a:r>
+              <a:rPr lang="zh-CN" altLang="en-US" dirty="0" smtClean="0"/>
+              <a:t>对整个数据链路</a:t>
+            </a:r>
+            <a:r>
+              <a:rPr lang="zh-CN" altLang="en-US" dirty="0" smtClean="0"/>
+              <a:t>进行</a:t>
+            </a:r>
+            <a:r>
+              <a:rPr lang="en-US" altLang="zh-CN" dirty="0" smtClean="0"/>
+              <a:t>segment</a:t>
+            </a:r>
+            <a:r>
+              <a:rPr lang="zh-CN" altLang="en-US" dirty="0" smtClean="0"/>
+              <a:t>划分，整个链路</a:t>
+            </a:r>
+            <a:r>
+              <a:rPr lang="zh-CN" altLang="en-US" dirty="0" smtClean="0"/>
+              <a:t>处理中全部</a:t>
+            </a:r>
+            <a:r>
+              <a:rPr lang="zh-CN" altLang="en-US" dirty="0" smtClean="0"/>
+              <a:t>依赖于同</a:t>
+            </a:r>
+            <a:r>
+              <a:rPr lang="zh-CN" altLang="en-US" dirty="0" smtClean="0"/>
+              <a:t>一份产品</a:t>
+            </a:r>
+            <a:r>
+              <a:rPr lang="zh-CN" altLang="en-US" dirty="0" smtClean="0"/>
+              <a:t>配置，数据极易被污染</a:t>
+            </a:r>
+            <a:r>
+              <a:rPr lang="zh-CN" altLang="en-US" dirty="0" smtClean="0"/>
+              <a:t>，容易混乱，不好维护，并且因为费率等敏感数据容易</a:t>
+            </a:r>
+            <a:r>
+              <a:rPr lang="zh-CN" altLang="en-US" dirty="0" smtClean="0"/>
+              <a:t>引起同客户的法律纠纷。</a:t>
+            </a:r>
+            <a:endParaRPr lang="en-US" altLang="zh-CN" dirty="0" smtClean="0"/>
+          </a:p>
+          <a:p>
+            <a:endParaRPr lang="en-US" altLang="zh-CN" dirty="0" smtClean="0">
+              <a:solidFill>
+                <a:srgbClr val="FF0000"/>
+              </a:solidFill>
+            </a:endParaRPr>
+          </a:p>
+          <a:p>
+            <a:r>
+              <a:rPr lang="en-US" altLang="zh-CN" dirty="0" smtClean="0"/>
+              <a:t>3. </a:t>
             </a:r>
             <a:r>
               <a:rPr lang="zh-CN" altLang="en-US" dirty="0" smtClean="0"/>
@@ -10690,30 +8891,6 @@
             <a:endParaRPr lang="en-US" altLang="zh-CN" dirty="0" smtClean="0"/>
           </a:p>
           <a:p>
-            <a:r>
-              <a:rPr lang="zh-CN" altLang="en-US" dirty="0" smtClean="0">
-                <a:solidFill>
-                  <a:srgbClr val="FF0000"/>
-                </a:solidFill>
-              </a:rPr>
-              <a:t>解决</a:t>
-            </a:r>
-            <a:r>
-              <a:rPr lang="en-US" altLang="zh-CN" dirty="0" smtClean="0">
-                <a:solidFill>
-                  <a:srgbClr val="FF0000"/>
-                </a:solidFill>
-              </a:rPr>
-              <a:t>:</a:t>
-            </a:r>
-            <a:r>
-              <a:rPr lang="zh-CN" altLang="en-US" dirty="0" smtClean="0">
-                <a:solidFill>
-                  <a:srgbClr val="FF0000"/>
-                </a:solidFill>
-              </a:rPr>
-              <a:t>将系统横向划分为配置，授信，贷款。纵向划分为前置应用，中台复合服务，产品线服务，</a:t>
-            </a:r>
             <a:endParaRPr lang="en-US" altLang="zh-CN" dirty="0" smtClean="0">
               <a:solidFill>
                 <a:srgbClr val="FF0000"/>
@@ -10721,19 +8898,10 @@
             </a:endParaRPr>
           </a:p>
           <a:p>
-            <a:r>
-              <a:rPr lang="zh-CN" altLang="en-US" dirty="0" smtClean="0">
-                <a:solidFill>
-                  <a:srgbClr val="FF0000"/>
-                </a:solidFill>
-              </a:rPr>
-              <a:t>产品线开发基础依赖，基础服务等。</a:t>
-            </a:r>
-            <a:endParaRPr lang="en-US" altLang="zh-CN" dirty="0" smtClean="0">
-              <a:solidFill>
-                <a:srgbClr val="FF0000"/>
-              </a:solidFill>
-            </a:endParaRPr>
+            <a:endParaRPr lang="en-US" altLang="zh-CN" dirty="0" smtClean="0"/>
+          </a:p>
+          <a:p>
+            <a:endParaRPr lang="en-US" altLang="zh-CN" dirty="0" smtClean="0"/>
           </a:p>
         </p:txBody>
       </p:sp>
@@ -10743,7 +8911,7 @@
     </p:custDataLst>
     <p:extLst>
       <p:ext uri="{BB962C8B-B14F-4D97-AF65-F5344CB8AC3E}">
-        <p14:creationId xmlns:p14="http://schemas.microsoft.com/office/powerpoint/2010/main" xmlns="" val="3713010676"/>
+        <p14:creationId xmlns="" xmlns:p14="http://schemas.microsoft.com/office/powerpoint/2010/main" val="3713010676"/>
       </p:ext>
     </p:extLst>
   </p:cSld>
@@ -10751,7 +8919,7 @@
     <a:masterClrMapping/>
   </p:clrMapOvr>
   <mc:AlternateContent xmlns:mc="http://schemas.openxmlformats.org/markup-compatibility/2006">
-    <mc:Choice xmlns:p14="http://schemas.microsoft.com/office/powerpoint/2010/main" xmlns="" Requires="p14">
+    <mc:Choice xmlns="" xmlns:p14="http://schemas.microsoft.com/office/powerpoint/2010/main" Requires="p14">
       <p:transition spd="slow" p14:dur="1500">
         <p:random/>
       </p:transition>
@@ -10772,7 +8940,7 @@
 </p:sld>
 </file>
 
-<file path=ppt/slides/slide6.xml><?xml version="1.0" encoding="utf-8"?>
+<file path=ppt/slides/slide4.xml><?xml version="1.0" encoding="utf-8"?>
 <p:sld xmlns:a="http://schemas.openxmlformats.org/drawingml/2006/main" xmlns:r="http://schemas.openxmlformats.org/officeDocument/2006/relationships" xmlns:p="http://schemas.openxmlformats.org/presentationml/2006/main">
   <p:cSld>
     <p:spTree>
@@ -10944,7 +9112,7 @@
     </p:custDataLst>
     <p:extLst>
       <p:ext uri="{BB962C8B-B14F-4D97-AF65-F5344CB8AC3E}">
-        <p14:creationId xmlns:p14="http://schemas.microsoft.com/office/powerpoint/2010/main" xmlns="" val="2805908120"/>
+        <p14:creationId xmlns="" xmlns:p14="http://schemas.microsoft.com/office/powerpoint/2010/main" val="2805908120"/>
       </p:ext>
     </p:extLst>
   </p:cSld>
@@ -10952,7 +9120,7 @@
     <a:masterClrMapping/>
   </p:clrMapOvr>
   <mc:AlternateContent xmlns:mc="http://schemas.openxmlformats.org/markup-compatibility/2006">
-    <mc:Choice xmlns:p14="http://schemas.microsoft.com/office/powerpoint/2010/main" xmlns="" Requires="p14">
+    <mc:Choice xmlns="" xmlns:p14="http://schemas.microsoft.com/office/powerpoint/2010/main" Requires="p14">
       <p:transition spd="slow" p14:dur="1500">
         <p:random/>
       </p:transition>
@@ -10973,7 +9141,7 @@
 </p:sld>
 </file>
 
-<file path=ppt/slides/slide7.xml><?xml version="1.0" encoding="utf-8"?>
+<file path=ppt/slides/slide5.xml><?xml version="1.0" encoding="utf-8"?>
 <p:sld xmlns:a="http://schemas.openxmlformats.org/drawingml/2006/main" xmlns:r="http://schemas.openxmlformats.org/officeDocument/2006/relationships" xmlns:p="http://schemas.openxmlformats.org/presentationml/2006/main">
   <p:cSld>
     <p:spTree>
@@ -11150,7 +9318,7 @@
     </p:custDataLst>
     <p:extLst>
       <p:ext uri="{BB962C8B-B14F-4D97-AF65-F5344CB8AC3E}">
-        <p14:creationId xmlns:p14="http://schemas.microsoft.com/office/powerpoint/2010/main" xmlns="" val="1981112831"/>
+        <p14:creationId xmlns="" xmlns:p14="http://schemas.microsoft.com/office/powerpoint/2010/main" val="1981112831"/>
       </p:ext>
     </p:extLst>
   </p:cSld>
@@ -11158,7 +9326,7 @@
     <a:masterClrMapping/>
   </p:clrMapOvr>
   <mc:AlternateContent xmlns:mc="http://schemas.openxmlformats.org/markup-compatibility/2006">
-    <mc:Choice xmlns:p14="http://schemas.microsoft.com/office/powerpoint/2010/main" xmlns="" Requires="p14">
+    <mc:Choice xmlns="" xmlns:p14="http://schemas.microsoft.com/office/powerpoint/2010/main" Requires="p14">
       <p:transition spd="slow" p14:dur="1500">
         <p:random/>
       </p:transition>
@@ -11179,7 +9347,7 @@
 </p:sld>
 </file>
 
-<file path=ppt/slides/slide8.xml><?xml version="1.0" encoding="utf-8"?>
+<file path=ppt/slides/slide6.xml><?xml version="1.0" encoding="utf-8"?>
 <p:sld xmlns:a="http://schemas.openxmlformats.org/drawingml/2006/main" xmlns:r="http://schemas.openxmlformats.org/officeDocument/2006/relationships" xmlns:p="http://schemas.openxmlformats.org/presentationml/2006/main">
   <p:cSld>
     <p:spTree>
@@ -11356,7 +9524,7 @@
     </p:custDataLst>
     <p:extLst>
       <p:ext uri="{BB962C8B-B14F-4D97-AF65-F5344CB8AC3E}">
-        <p14:creationId xmlns:p14="http://schemas.microsoft.com/office/powerpoint/2010/main" xmlns="" val="1981112831"/>
+        <p14:creationId xmlns="" xmlns:p14="http://schemas.microsoft.com/office/powerpoint/2010/main" val="1981112831"/>
       </p:ext>
     </p:extLst>
   </p:cSld>
@@ -11364,7 +9532,7 @@
     <a:masterClrMapping/>
   </p:clrMapOvr>
   <mc:AlternateContent xmlns:mc="http://schemas.openxmlformats.org/markup-compatibility/2006">
-    <mc:Choice xmlns:p14="http://schemas.microsoft.com/office/powerpoint/2010/main" xmlns="" Requires="p14">
+    <mc:Choice xmlns="" xmlns:p14="http://schemas.microsoft.com/office/powerpoint/2010/main" Requires="p14">
       <p:transition spd="slow" p14:dur="1500">
         <p:random/>
       </p:transition>
@@ -11385,7 +9553,7 @@
 </p:sld>
 </file>
 
-<file path=ppt/slides/slide9.xml><?xml version="1.0" encoding="utf-8"?>
+<file path=ppt/slides/slide7.xml><?xml version="1.0" encoding="utf-8"?>
 <p:sld xmlns:a="http://schemas.openxmlformats.org/drawingml/2006/main" xmlns:r="http://schemas.openxmlformats.org/officeDocument/2006/relationships" xmlns:p="http://schemas.openxmlformats.org/presentationml/2006/main">
   <p:cSld>
     <p:spTree>
@@ -11562,7 +9730,7 @@
     </p:custDataLst>
     <p:extLst>
       <p:ext uri="{BB962C8B-B14F-4D97-AF65-F5344CB8AC3E}">
-        <p14:creationId xmlns:p14="http://schemas.microsoft.com/office/powerpoint/2010/main" xmlns="" val="1981112831"/>
+        <p14:creationId xmlns="" xmlns:p14="http://schemas.microsoft.com/office/powerpoint/2010/main" val="1981112831"/>
       </p:ext>
     </p:extLst>
   </p:cSld>
@@ -11570,7 +9738,419 @@
     <a:masterClrMapping/>
   </p:clrMapOvr>
   <mc:AlternateContent xmlns:mc="http://schemas.openxmlformats.org/markup-compatibility/2006">
-    <mc:Choice xmlns:p14="http://schemas.microsoft.com/office/powerpoint/2010/main" xmlns="" Requires="p14">
+    <mc:Choice xmlns="" xmlns:p14="http://schemas.microsoft.com/office/powerpoint/2010/main" Requires="p14">
+      <p:transition spd="slow" p14:dur="1500">
+        <p:random/>
+      </p:transition>
+    </mc:Choice>
+    <mc:Fallback>
+      <p:transition spd="slow">
+        <p:random/>
+      </p:transition>
+    </mc:Fallback>
+  </mc:AlternateContent>
+  <p:timing>
+    <p:tnLst>
+      <p:par>
+        <p:cTn id="1" dur="indefinite" restart="never" nodeType="tmRoot"/>
+      </p:par>
+    </p:tnLst>
+  </p:timing>
+</p:sld>
+</file>
+
+<file path=ppt/slides/slide8.xml><?xml version="1.0" encoding="utf-8"?>
+<p:sld xmlns:a="http://schemas.openxmlformats.org/drawingml/2006/main" xmlns:r="http://schemas.openxmlformats.org/officeDocument/2006/relationships" xmlns:p="http://schemas.openxmlformats.org/presentationml/2006/main">
+  <p:cSld>
+    <p:spTree>
+      <p:nvGrpSpPr>
+        <p:cNvPr id="1" name=""/>
+        <p:cNvGrpSpPr/>
+        <p:nvPr/>
+      </p:nvGrpSpPr>
+      <p:grpSpPr>
+        <a:xfrm>
+          <a:off x="0" y="0"/>
+          <a:ext cx="0" cy="0"/>
+          <a:chOff x="0" y="0"/>
+          <a:chExt cx="0" cy="0"/>
+        </a:xfrm>
+      </p:grpSpPr>
+      <p:cxnSp>
+        <p:nvCxnSpPr>
+          <p:cNvPr id="28" name="直接连接符 27"/>
+          <p:cNvCxnSpPr>
+            <a:endCxn id="30" idx="1"/>
+          </p:cNvCxnSpPr>
+          <p:nvPr/>
+        </p:nvCxnSpPr>
+        <p:spPr>
+          <a:xfrm>
+            <a:off x="0" y="635000"/>
+            <a:ext cx="4567376" cy="2680"/>
+          </a:xfrm>
+          <a:prstGeom prst="line">
+            <a:avLst/>
+          </a:prstGeom>
+          <a:ln>
+            <a:solidFill>
+              <a:schemeClr val="bg1">
+                <a:lumMod val="65000"/>
+              </a:schemeClr>
+            </a:solidFill>
+            <a:tailEnd type="oval"/>
+          </a:ln>
+        </p:spPr>
+        <p:style>
+          <a:lnRef idx="1">
+            <a:schemeClr val="accent1"/>
+          </a:lnRef>
+          <a:fillRef idx="0">
+            <a:schemeClr val="accent1"/>
+          </a:fillRef>
+          <a:effectRef idx="0">
+            <a:schemeClr val="accent1"/>
+          </a:effectRef>
+          <a:fontRef idx="minor">
+            <a:schemeClr val="tx1"/>
+          </a:fontRef>
+        </p:style>
+      </p:cxnSp>
+      <p:cxnSp>
+        <p:nvCxnSpPr>
+          <p:cNvPr id="29" name="直接连接符 28"/>
+          <p:cNvCxnSpPr>
+            <a:stCxn id="30" idx="3"/>
+          </p:cNvCxnSpPr>
+          <p:nvPr/>
+        </p:nvCxnSpPr>
+        <p:spPr>
+          <a:xfrm flipV="1">
+            <a:off x="7624624" y="635000"/>
+            <a:ext cx="4567376" cy="2680"/>
+          </a:xfrm>
+          <a:prstGeom prst="line">
+            <a:avLst/>
+          </a:prstGeom>
+          <a:ln>
+            <a:solidFill>
+              <a:schemeClr val="bg1">
+                <a:lumMod val="65000"/>
+              </a:schemeClr>
+            </a:solidFill>
+            <a:headEnd type="oval"/>
+            <a:tailEnd type="none"/>
+          </a:ln>
+        </p:spPr>
+        <p:style>
+          <a:lnRef idx="1">
+            <a:schemeClr val="accent1"/>
+          </a:lnRef>
+          <a:fillRef idx="0">
+            <a:schemeClr val="accent1"/>
+          </a:fillRef>
+          <a:effectRef idx="0">
+            <a:schemeClr val="accent1"/>
+          </a:effectRef>
+          <a:fontRef idx="minor">
+            <a:schemeClr val="tx1"/>
+          </a:fontRef>
+        </p:style>
+      </p:cxnSp>
+      <p:sp>
+        <p:nvSpPr>
+          <p:cNvPr id="30" name="文本框 29"/>
+          <p:cNvSpPr txBox="1"/>
+          <p:nvPr/>
+        </p:nvSpPr>
+        <p:spPr>
+          <a:xfrm>
+            <a:off x="4567376" y="345292"/>
+            <a:ext cx="3057248" cy="584775"/>
+          </a:xfrm>
+          <a:prstGeom prst="rect">
+            <a:avLst/>
+          </a:prstGeom>
+          <a:noFill/>
+        </p:spPr>
+        <p:txBody>
+          <a:bodyPr wrap="none" rtlCol="0">
+            <a:spAutoFit/>
+            <a:scene3d>
+              <a:camera prst="orthographicFront"/>
+              <a:lightRig rig="threePt" dir="t"/>
+            </a:scene3d>
+            <a:sp3d contourW="12700"/>
+          </a:bodyPr>
+          <a:lstStyle/>
+          <a:p>
+            <a:pPr algn="ctr"/>
+            <a:r>
+              <a:rPr lang="zh-CN" altLang="en-US" sz="3200" dirty="0" smtClean="0">
+                <a:latin typeface="Agency FB" panose="020B0503020202020204" pitchFamily="34" charset="0"/>
+              </a:rPr>
+              <a:t>贷款申请时序图</a:t>
+            </a:r>
+            <a:endParaRPr lang="zh-CN" altLang="en-US" sz="3200" dirty="0">
+              <a:latin typeface="Agency FB" panose="020B0503020202020204" pitchFamily="34" charset="0"/>
+            </a:endParaRPr>
+          </a:p>
+        </p:txBody>
+      </p:sp>
+      <p:pic>
+        <p:nvPicPr>
+          <p:cNvPr id="5123" name="Picture 3"/>
+          <p:cNvPicPr>
+            <a:picLocks noChangeAspect="1" noChangeArrowheads="1"/>
+          </p:cNvPicPr>
+          <p:nvPr/>
+        </p:nvPicPr>
+        <p:blipFill>
+          <a:blip r:embed="rId4" cstate="print"/>
+          <a:srcRect/>
+          <a:stretch>
+            <a:fillRect/>
+          </a:stretch>
+        </p:blipFill>
+        <p:spPr bwMode="auto">
+          <a:xfrm>
+            <a:off x="180975" y="1081454"/>
+            <a:ext cx="11828463" cy="5776546"/>
+          </a:xfrm>
+          <a:prstGeom prst="rect">
+            <a:avLst/>
+          </a:prstGeom>
+          <a:noFill/>
+          <a:ln w="9525">
+            <a:noFill/>
+            <a:miter lim="800000"/>
+            <a:headEnd/>
+            <a:tailEnd/>
+          </a:ln>
+          <a:effectLst/>
+        </p:spPr>
+      </p:pic>
+    </p:spTree>
+    <p:custDataLst>
+      <p:tags r:id="rId1"/>
+    </p:custDataLst>
+    <p:extLst>
+      <p:ext uri="{BB962C8B-B14F-4D97-AF65-F5344CB8AC3E}">
+        <p14:creationId xmlns="" xmlns:p14="http://schemas.microsoft.com/office/powerpoint/2010/main" val="1981112831"/>
+      </p:ext>
+    </p:extLst>
+  </p:cSld>
+  <p:clrMapOvr>
+    <a:masterClrMapping/>
+  </p:clrMapOvr>
+  <mc:AlternateContent xmlns:mc="http://schemas.openxmlformats.org/markup-compatibility/2006">
+    <mc:Choice xmlns="" xmlns:p14="http://schemas.microsoft.com/office/powerpoint/2010/main" Requires="p14">
+      <p:transition spd="slow" p14:dur="1500">
+        <p:random/>
+      </p:transition>
+    </mc:Choice>
+    <mc:Fallback>
+      <p:transition spd="slow">
+        <p:random/>
+      </p:transition>
+    </mc:Fallback>
+  </mc:AlternateContent>
+  <p:timing>
+    <p:tnLst>
+      <p:par>
+        <p:cTn id="1" dur="indefinite" restart="never" nodeType="tmRoot"/>
+      </p:par>
+    </p:tnLst>
+  </p:timing>
+</p:sld>
+</file>
+
+<file path=ppt/slides/slide9.xml><?xml version="1.0" encoding="utf-8"?>
+<p:sld xmlns:a="http://schemas.openxmlformats.org/drawingml/2006/main" xmlns:r="http://schemas.openxmlformats.org/officeDocument/2006/relationships" xmlns:p="http://schemas.openxmlformats.org/presentationml/2006/main">
+  <p:cSld>
+    <p:spTree>
+      <p:nvGrpSpPr>
+        <p:cNvPr id="1" name=""/>
+        <p:cNvGrpSpPr/>
+        <p:nvPr/>
+      </p:nvGrpSpPr>
+      <p:grpSpPr>
+        <a:xfrm>
+          <a:off x="0" y="0"/>
+          <a:ext cx="0" cy="0"/>
+          <a:chOff x="0" y="0"/>
+          <a:chExt cx="0" cy="0"/>
+        </a:xfrm>
+      </p:grpSpPr>
+      <p:cxnSp>
+        <p:nvCxnSpPr>
+          <p:cNvPr id="28" name="直接连接符 27"/>
+          <p:cNvCxnSpPr>
+            <a:endCxn id="30" idx="1"/>
+          </p:cNvCxnSpPr>
+          <p:nvPr/>
+        </p:nvCxnSpPr>
+        <p:spPr>
+          <a:xfrm>
+            <a:off x="0" y="635000"/>
+            <a:ext cx="4567376" cy="2680"/>
+          </a:xfrm>
+          <a:prstGeom prst="line">
+            <a:avLst/>
+          </a:prstGeom>
+          <a:ln>
+            <a:solidFill>
+              <a:schemeClr val="bg1">
+                <a:lumMod val="65000"/>
+              </a:schemeClr>
+            </a:solidFill>
+            <a:tailEnd type="oval"/>
+          </a:ln>
+        </p:spPr>
+        <p:style>
+          <a:lnRef idx="1">
+            <a:schemeClr val="accent1"/>
+          </a:lnRef>
+          <a:fillRef idx="0">
+            <a:schemeClr val="accent1"/>
+          </a:fillRef>
+          <a:effectRef idx="0">
+            <a:schemeClr val="accent1"/>
+          </a:effectRef>
+          <a:fontRef idx="minor">
+            <a:schemeClr val="tx1"/>
+          </a:fontRef>
+        </p:style>
+      </p:cxnSp>
+      <p:cxnSp>
+        <p:nvCxnSpPr>
+          <p:cNvPr id="29" name="直接连接符 28"/>
+          <p:cNvCxnSpPr>
+            <a:stCxn id="30" idx="3"/>
+          </p:cNvCxnSpPr>
+          <p:nvPr/>
+        </p:nvCxnSpPr>
+        <p:spPr>
+          <a:xfrm flipV="1">
+            <a:off x="7624624" y="635000"/>
+            <a:ext cx="4567376" cy="2680"/>
+          </a:xfrm>
+          <a:prstGeom prst="line">
+            <a:avLst/>
+          </a:prstGeom>
+          <a:ln>
+            <a:solidFill>
+              <a:schemeClr val="bg1">
+                <a:lumMod val="65000"/>
+              </a:schemeClr>
+            </a:solidFill>
+            <a:headEnd type="oval"/>
+            <a:tailEnd type="none"/>
+          </a:ln>
+        </p:spPr>
+        <p:style>
+          <a:lnRef idx="1">
+            <a:schemeClr val="accent1"/>
+          </a:lnRef>
+          <a:fillRef idx="0">
+            <a:schemeClr val="accent1"/>
+          </a:fillRef>
+          <a:effectRef idx="0">
+            <a:schemeClr val="accent1"/>
+          </a:effectRef>
+          <a:fontRef idx="minor">
+            <a:schemeClr val="tx1"/>
+          </a:fontRef>
+        </p:style>
+      </p:cxnSp>
+      <p:sp>
+        <p:nvSpPr>
+          <p:cNvPr id="30" name="文本框 29"/>
+          <p:cNvSpPr txBox="1"/>
+          <p:nvPr/>
+        </p:nvSpPr>
+        <p:spPr>
+          <a:xfrm>
+            <a:off x="4567376" y="345292"/>
+            <a:ext cx="3057248" cy="584775"/>
+          </a:xfrm>
+          <a:prstGeom prst="rect">
+            <a:avLst/>
+          </a:prstGeom>
+          <a:noFill/>
+        </p:spPr>
+        <p:txBody>
+          <a:bodyPr wrap="none" rtlCol="0">
+            <a:spAutoFit/>
+            <a:scene3d>
+              <a:camera prst="orthographicFront"/>
+              <a:lightRig rig="threePt" dir="t"/>
+            </a:scene3d>
+            <a:sp3d contourW="12700"/>
+          </a:bodyPr>
+          <a:lstStyle/>
+          <a:p>
+            <a:pPr algn="ctr"/>
+            <a:r>
+              <a:rPr lang="zh-CN" altLang="en-US" sz="3200" dirty="0" smtClean="0">
+                <a:latin typeface="Agency FB" panose="020B0503020202020204" pitchFamily="34" charset="0"/>
+              </a:rPr>
+              <a:t>贷款处理时序图</a:t>
+            </a:r>
+            <a:endParaRPr lang="zh-CN" altLang="en-US" sz="3200" dirty="0">
+              <a:latin typeface="Agency FB" panose="020B0503020202020204" pitchFamily="34" charset="0"/>
+            </a:endParaRPr>
+          </a:p>
+        </p:txBody>
+      </p:sp>
+      <p:pic>
+        <p:nvPicPr>
+          <p:cNvPr id="6146" name="Picture 2"/>
+          <p:cNvPicPr>
+            <a:picLocks noChangeAspect="1" noChangeArrowheads="1"/>
+          </p:cNvPicPr>
+          <p:nvPr/>
+        </p:nvPicPr>
+        <p:blipFill>
+          <a:blip r:embed="rId4" cstate="print"/>
+          <a:srcRect/>
+          <a:stretch>
+            <a:fillRect/>
+          </a:stretch>
+        </p:blipFill>
+        <p:spPr bwMode="auto">
+          <a:xfrm>
+            <a:off x="86519" y="1099038"/>
+            <a:ext cx="12018963" cy="5750164"/>
+          </a:xfrm>
+          <a:prstGeom prst="rect">
+            <a:avLst/>
+          </a:prstGeom>
+          <a:noFill/>
+          <a:ln w="9525">
+            <a:noFill/>
+            <a:miter lim="800000"/>
+            <a:headEnd/>
+            <a:tailEnd/>
+          </a:ln>
+          <a:effectLst/>
+        </p:spPr>
+      </p:pic>
+    </p:spTree>
+    <p:custDataLst>
+      <p:tags r:id="rId1"/>
+    </p:custDataLst>
+    <p:extLst>
+      <p:ext uri="{BB962C8B-B14F-4D97-AF65-F5344CB8AC3E}">
+        <p14:creationId xmlns="" xmlns:p14="http://schemas.microsoft.com/office/powerpoint/2010/main" val="1981112831"/>
+      </p:ext>
+    </p:extLst>
+  </p:cSld>
+  <p:clrMapOvr>
+    <a:masterClrMapping/>
+  </p:clrMapOvr>
+  <mc:AlternateContent xmlns:mc="http://schemas.openxmlformats.org/markup-compatibility/2006">
+    <mc:Choice xmlns="" xmlns:p14="http://schemas.microsoft.com/office/powerpoint/2010/main" Requires="p14">
       <p:transition spd="slow" p14:dur="1500">
         <p:random/>
       </p:transition>
@@ -11597,18 +10177,6 @@
 </p:tagLst>
 </file>
 
-<file path=ppt/tags/tag10.xml><?xml version="1.0" encoding="utf-8"?>
-<p:tagLst xmlns:a="http://schemas.openxmlformats.org/drawingml/2006/main" xmlns:r="http://schemas.openxmlformats.org/officeDocument/2006/relationships" xmlns:p="http://schemas.openxmlformats.org/presentationml/2006/main">
-  <p:tag name="ISLIDE.DIAGRAM" val="3d40523a-94c9-48a3-b0b5-21058e317182"/>
-</p:tagLst>
-</file>
-
-<file path=ppt/tags/tag11.xml><?xml version="1.0" encoding="utf-8"?>
-<p:tagLst xmlns:a="http://schemas.openxmlformats.org/drawingml/2006/main" xmlns:r="http://schemas.openxmlformats.org/officeDocument/2006/relationships" xmlns:p="http://schemas.openxmlformats.org/presentationml/2006/main">
-  <p:tag name="ISLIDE.DIAGRAM" val="3d40523a-94c9-48a3-b0b5-21058e317182"/>
-</p:tagLst>
-</file>
-
 <file path=ppt/tags/tag2.xml><?xml version="1.0" encoding="utf-8"?>
 <p:tagLst xmlns:a="http://schemas.openxmlformats.org/drawingml/2006/main" xmlns:r="http://schemas.openxmlformats.org/officeDocument/2006/relationships" xmlns:p="http://schemas.openxmlformats.org/presentationml/2006/main">
   <p:tag name="ISLIDE.DIAGRAM" val="fce02f6d-e5cd-4546-9067-9c516b8d3097"/>
@@ -11623,19 +10191,19 @@
 
 <file path=ppt/tags/tag4.xml><?xml version="1.0" encoding="utf-8"?>
 <p:tagLst xmlns:a="http://schemas.openxmlformats.org/drawingml/2006/main" xmlns:r="http://schemas.openxmlformats.org/officeDocument/2006/relationships" xmlns:p="http://schemas.openxmlformats.org/presentationml/2006/main">
-  <p:tag name="ISLIDE.DIAGRAM" val="c62864e6-5dfd-4234-a041-6d21e65d296c"/>
+  <p:tag name="ISLIDE.DIAGRAM" val="3389ca0e-54a0-423b-be57-9cfe4a4acd71"/>
 </p:tagLst>
 </file>
 
 <file path=ppt/tags/tag5.xml><?xml version="1.0" encoding="utf-8"?>
 <p:tagLst xmlns:a="http://schemas.openxmlformats.org/drawingml/2006/main" xmlns:r="http://schemas.openxmlformats.org/officeDocument/2006/relationships" xmlns:p="http://schemas.openxmlformats.org/presentationml/2006/main">
-  <p:tag name="ISLIDE.DIAGRAM" val="c62864e6-5dfd-4234-a041-6d21e65d296c"/>
+  <p:tag name="ISLIDE.DIAGRAM" val="3d40523a-94c9-48a3-b0b5-21058e317182"/>
 </p:tagLst>
 </file>
 
 <file path=ppt/tags/tag6.xml><?xml version="1.0" encoding="utf-8"?>
 <p:tagLst xmlns:a="http://schemas.openxmlformats.org/drawingml/2006/main" xmlns:r="http://schemas.openxmlformats.org/officeDocument/2006/relationships" xmlns:p="http://schemas.openxmlformats.org/presentationml/2006/main">
-  <p:tag name="ISLIDE.DIAGRAM" val="3389ca0e-54a0-423b-be57-9cfe4a4acd71"/>
+  <p:tag name="ISLIDE.DIAGRAM" val="3d40523a-94c9-48a3-b0b5-21058e317182"/>
 </p:tagLst>
 </file>
 
@@ -11665,7 +10233,7 @@
         <a:sysClr val="windowText" lastClr="000000"/>
       </a:dk1>
       <a:lt1>
-        <a:sysClr val="window" lastClr="C7EDCC"/>
+        <a:sysClr val="window" lastClr="FFFFFF"/>
       </a:lt1>
       <a:dk2>
         <a:srgbClr val="44546A"/>
@@ -11852,7 +10420,7 @@
   <a:extraClrSchemeLst/>
   <a:extLst>
     <a:ext uri="{05A4C25C-085E-4340-85A3-A5531E510DB2}">
-      <thm15:themeFamily xmlns:thm15="http://schemas.microsoft.com/office/thememl/2012/main" xmlns="" name="包图主题2" id="{50CFA792-C506-47E4-B272-6A6183483AB3}" vid="{CC1AE437-2F7F-4319-9F22-408F5F8C346F}"/>
+      <thm15:themeFamily xmlns="" xmlns:thm15="http://schemas.microsoft.com/office/thememl/2012/main" name="包图主题2" id="{50CFA792-C506-47E4-B272-6A6183483AB3}" vid="{CC1AE437-2F7F-4319-9F22-408F5F8C346F}"/>
     </a:ext>
   </a:extLst>
 </a:theme>
@@ -11866,7 +10434,7 @@
         <a:sysClr val="windowText" lastClr="000000"/>
       </a:dk1>
       <a:lt1>
-        <a:sysClr val="window" lastClr="C7EDCC"/>
+        <a:sysClr val="window" lastClr="FFFFFF"/>
       </a:lt1>
       <a:dk2>
         <a:srgbClr val="44546A"/>
@@ -12113,7 +10681,7 @@
   <a:extraClrSchemeLst/>
   <a:extLst>
     <a:ext uri="{05A4C25C-085E-4340-85A3-A5531E510DB2}">
-      <thm15:themeFamily xmlns:thm15="http://schemas.microsoft.com/office/thememl/2012/main" xmlns="" name="Office Theme" id="{62F939B6-93AF-4DB8-9C6B-D6C7DFDC589F}" vid="{4A3C46E8-61CC-4603-A589-7422A47A8E4A}"/>
+      <thm15:themeFamily xmlns="" xmlns:thm15="http://schemas.microsoft.com/office/thememl/2012/main" name="Office Theme" id="{62F939B6-93AF-4DB8-9C6B-D6C7DFDC589F}" vid="{4A3C46E8-61CC-4603-A589-7422A47A8E4A}"/>
     </a:ext>
   </a:extLst>
 </a:theme>

--- a/design/doc/2018-09-20草稿.pptx
+++ b/design/doc/2018-09-20草稿.pptx
@@ -121,7 +121,7 @@
   </p:defaultTextStyle>
   <p:extLst>
     <p:ext uri="{EFAFB233-063F-42B5-8137-9DF3F51BA10A}">
-      <p15:sldGuideLst xmlns="" xmlns:p15="http://schemas.microsoft.com/office/powerpoint/2012/main"/>
+      <p15:sldGuideLst xmlns:p15="http://schemas.microsoft.com/office/powerpoint/2012/main" xmlns=""/>
     </p:ext>
   </p:extLst>
 </p:presentation>
@@ -210,7 +210,7 @@
             <a:fld id="{C1DAF21E-AA1D-4678-9985-583FF147C867}" type="datetimeFigureOut">
               <a:rPr lang="zh-CN" altLang="en-US" smtClean="0"/>
               <a:pPr/>
-              <a:t>2018-9-18</a:t>
+              <a:t>2018/9/19</a:t>
             </a:fld>
             <a:endParaRPr lang="zh-CN" altLang="en-US"/>
           </a:p>
@@ -379,7 +379,7 @@
     </p:spTree>
     <p:extLst>
       <p:ext uri="{BB962C8B-B14F-4D97-AF65-F5344CB8AC3E}">
-        <p14:creationId xmlns="" xmlns:p14="http://schemas.microsoft.com/office/powerpoint/2010/main" val="3668839552"/>
+        <p14:creationId xmlns:p14="http://schemas.microsoft.com/office/powerpoint/2010/main" xmlns="" val="3668839552"/>
       </p:ext>
     </p:extLst>
   </p:cSld>
@@ -554,7 +554,7 @@
     </p:spTree>
     <p:extLst>
       <p:ext uri="{BB962C8B-B14F-4D97-AF65-F5344CB8AC3E}">
-        <p14:creationId xmlns="" xmlns:p14="http://schemas.microsoft.com/office/powerpoint/2010/main" val="1338507553"/>
+        <p14:creationId xmlns:p14="http://schemas.microsoft.com/office/powerpoint/2010/main" xmlns="" val="1338507553"/>
       </p:ext>
     </p:extLst>
   </p:cSld>
@@ -639,7 +639,7 @@
     </p:spTree>
     <p:extLst>
       <p:ext uri="{BB962C8B-B14F-4D97-AF65-F5344CB8AC3E}">
-        <p14:creationId xmlns="" xmlns:p14="http://schemas.microsoft.com/office/powerpoint/2010/main" val="3512645906"/>
+        <p14:creationId xmlns:p14="http://schemas.microsoft.com/office/powerpoint/2010/main" xmlns="" val="3512645906"/>
       </p:ext>
     </p:extLst>
   </p:cSld>
@@ -724,7 +724,7 @@
     </p:spTree>
     <p:extLst>
       <p:ext uri="{BB962C8B-B14F-4D97-AF65-F5344CB8AC3E}">
-        <p14:creationId xmlns="" xmlns:p14="http://schemas.microsoft.com/office/powerpoint/2010/main" val="1186547562"/>
+        <p14:creationId xmlns:p14="http://schemas.microsoft.com/office/powerpoint/2010/main" xmlns="" val="1186547562"/>
       </p:ext>
     </p:extLst>
   </p:cSld>
@@ -809,7 +809,7 @@
     </p:spTree>
     <p:extLst>
       <p:ext uri="{BB962C8B-B14F-4D97-AF65-F5344CB8AC3E}">
-        <p14:creationId xmlns="" xmlns:p14="http://schemas.microsoft.com/office/powerpoint/2010/main" val="1779644859"/>
+        <p14:creationId xmlns:p14="http://schemas.microsoft.com/office/powerpoint/2010/main" xmlns="" val="1779644859"/>
       </p:ext>
     </p:extLst>
   </p:cSld>
@@ -894,7 +894,7 @@
     </p:spTree>
     <p:extLst>
       <p:ext uri="{BB962C8B-B14F-4D97-AF65-F5344CB8AC3E}">
-        <p14:creationId xmlns="" xmlns:p14="http://schemas.microsoft.com/office/powerpoint/2010/main" val="3056646089"/>
+        <p14:creationId xmlns:p14="http://schemas.microsoft.com/office/powerpoint/2010/main" xmlns="" val="3056646089"/>
       </p:ext>
     </p:extLst>
   </p:cSld>
@@ -979,7 +979,7 @@
     </p:spTree>
     <p:extLst>
       <p:ext uri="{BB962C8B-B14F-4D97-AF65-F5344CB8AC3E}">
-        <p14:creationId xmlns="" xmlns:p14="http://schemas.microsoft.com/office/powerpoint/2010/main" val="3809611177"/>
+        <p14:creationId xmlns:p14="http://schemas.microsoft.com/office/powerpoint/2010/main" xmlns="" val="3809611177"/>
       </p:ext>
     </p:extLst>
   </p:cSld>
@@ -1064,7 +1064,7 @@
     </p:spTree>
     <p:extLst>
       <p:ext uri="{BB962C8B-B14F-4D97-AF65-F5344CB8AC3E}">
-        <p14:creationId xmlns="" xmlns:p14="http://schemas.microsoft.com/office/powerpoint/2010/main" val="3809611177"/>
+        <p14:creationId xmlns:p14="http://schemas.microsoft.com/office/powerpoint/2010/main" xmlns="" val="3809611177"/>
       </p:ext>
     </p:extLst>
   </p:cSld>
@@ -1149,7 +1149,7 @@
     </p:spTree>
     <p:extLst>
       <p:ext uri="{BB962C8B-B14F-4D97-AF65-F5344CB8AC3E}">
-        <p14:creationId xmlns="" xmlns:p14="http://schemas.microsoft.com/office/powerpoint/2010/main" val="3809611177"/>
+        <p14:creationId xmlns:p14="http://schemas.microsoft.com/office/powerpoint/2010/main" xmlns="" val="3809611177"/>
       </p:ext>
     </p:extLst>
   </p:cSld>
@@ -1234,7 +1234,7 @@
     </p:spTree>
     <p:extLst>
       <p:ext uri="{BB962C8B-B14F-4D97-AF65-F5344CB8AC3E}">
-        <p14:creationId xmlns="" xmlns:p14="http://schemas.microsoft.com/office/powerpoint/2010/main" val="3809611177"/>
+        <p14:creationId xmlns:p14="http://schemas.microsoft.com/office/powerpoint/2010/main" xmlns="" val="3809611177"/>
       </p:ext>
     </p:extLst>
   </p:cSld>
@@ -1319,7 +1319,7 @@
     </p:spTree>
     <p:extLst>
       <p:ext uri="{BB962C8B-B14F-4D97-AF65-F5344CB8AC3E}">
-        <p14:creationId xmlns="" xmlns:p14="http://schemas.microsoft.com/office/powerpoint/2010/main" val="3809611177"/>
+        <p14:creationId xmlns:p14="http://schemas.microsoft.com/office/powerpoint/2010/main" xmlns="" val="3809611177"/>
       </p:ext>
     </p:extLst>
   </p:cSld>
@@ -1349,7 +1349,7 @@
     </p:spTree>
     <p:extLst>
       <p:ext uri="{BB962C8B-B14F-4D97-AF65-F5344CB8AC3E}">
-        <p14:creationId xmlns="" xmlns:p14="http://schemas.microsoft.com/office/powerpoint/2010/main" val="2939545236"/>
+        <p14:creationId xmlns:p14="http://schemas.microsoft.com/office/powerpoint/2010/main" xmlns="" val="2939545236"/>
       </p:ext>
     </p:extLst>
   </p:cSld>
@@ -1386,7 +1386,7 @@
     </p:spTree>
     <p:extLst>
       <p:ext uri="{BB962C8B-B14F-4D97-AF65-F5344CB8AC3E}">
-        <p14:creationId xmlns="" xmlns:p14="http://schemas.microsoft.com/office/powerpoint/2010/main" val="4164331960"/>
+        <p14:creationId xmlns:p14="http://schemas.microsoft.com/office/powerpoint/2010/main" xmlns="" val="4164331960"/>
       </p:ext>
     </p:extLst>
   </p:cSld>
@@ -1687,7 +1687,7 @@
     </p:spTree>
     <p:extLst>
       <p:ext uri="{BB962C8B-B14F-4D97-AF65-F5344CB8AC3E}">
-        <p14:creationId xmlns="" xmlns:p14="http://schemas.microsoft.com/office/powerpoint/2010/main" val="137150532"/>
+        <p14:creationId xmlns:p14="http://schemas.microsoft.com/office/powerpoint/2010/main" xmlns="" val="137150532"/>
       </p:ext>
     </p:extLst>
   </p:cSld>
@@ -2084,7 +2084,7 @@
     </p:spTree>
     <p:extLst>
       <p:ext uri="{BB962C8B-B14F-4D97-AF65-F5344CB8AC3E}">
-        <p14:creationId xmlns="" xmlns:p14="http://schemas.microsoft.com/office/powerpoint/2010/main" val="610095288"/>
+        <p14:creationId xmlns:p14="http://schemas.microsoft.com/office/powerpoint/2010/main" xmlns="" val="610095288"/>
       </p:ext>
     </p:extLst>
   </p:cSld>
@@ -2337,7 +2337,7 @@
     </p:spTree>
     <p:extLst>
       <p:ext uri="{BB962C8B-B14F-4D97-AF65-F5344CB8AC3E}">
-        <p14:creationId xmlns="" xmlns:p14="http://schemas.microsoft.com/office/powerpoint/2010/main" val="1625796334"/>
+        <p14:creationId xmlns:p14="http://schemas.microsoft.com/office/powerpoint/2010/main" xmlns="" val="1625796334"/>
       </p:ext>
     </p:extLst>
   </p:cSld>
@@ -2446,7 +2446,7 @@
     </p:spTree>
     <p:extLst>
       <p:ext uri="{BB962C8B-B14F-4D97-AF65-F5344CB8AC3E}">
-        <p14:creationId xmlns="" xmlns:p14="http://schemas.microsoft.com/office/powerpoint/2010/main" val="3413687735"/>
+        <p14:creationId xmlns:p14="http://schemas.microsoft.com/office/powerpoint/2010/main" xmlns="" val="3413687735"/>
       </p:ext>
     </p:extLst>
   </p:cSld>
@@ -2627,7 +2627,7 @@
     </p:spTree>
     <p:extLst>
       <p:ext uri="{BB962C8B-B14F-4D97-AF65-F5344CB8AC3E}">
-        <p14:creationId xmlns="" xmlns:p14="http://schemas.microsoft.com/office/powerpoint/2010/main" val="1678586501"/>
+        <p14:creationId xmlns:p14="http://schemas.microsoft.com/office/powerpoint/2010/main" xmlns="" val="1678586501"/>
       </p:ext>
     </p:extLst>
   </p:cSld>
@@ -2859,7 +2859,7 @@
     </p:spTree>
     <p:extLst>
       <p:ext uri="{BB962C8B-B14F-4D97-AF65-F5344CB8AC3E}">
-        <p14:creationId xmlns="" xmlns:p14="http://schemas.microsoft.com/office/powerpoint/2010/main" val="3197070546"/>
+        <p14:creationId xmlns:p14="http://schemas.microsoft.com/office/powerpoint/2010/main" xmlns="" val="3197070546"/>
       </p:ext>
     </p:extLst>
   </p:cSld>
@@ -2901,7 +2901,7 @@
     </p:spTree>
     <p:extLst>
       <p:ext uri="{BB962C8B-B14F-4D97-AF65-F5344CB8AC3E}">
-        <p14:creationId xmlns="" xmlns:p14="http://schemas.microsoft.com/office/powerpoint/2010/main" val="1581037467"/>
+        <p14:creationId xmlns:p14="http://schemas.microsoft.com/office/powerpoint/2010/main" xmlns="" val="1581037467"/>
       </p:ext>
     </p:extLst>
   </p:cSld>
@@ -3205,7 +3205,7 @@
   </p:txStyles>
   <p:extLst mod="1">
     <p:ext uri="{27BBF7A9-308A-43DC-89C8-2F10F3537804}">
-      <p15:sldGuideLst xmlns="" xmlns:p15="http://schemas.microsoft.com/office/powerpoint/2012/main"/>
+      <p15:sldGuideLst xmlns:p15="http://schemas.microsoft.com/office/powerpoint/2012/main" xmlns=""/>
     </p:ext>
   </p:extLst>
 </p:sldMaster>
@@ -3594,7 +3594,7 @@
     </p:spTree>
     <p:extLst>
       <p:ext uri="{BB962C8B-B14F-4D97-AF65-F5344CB8AC3E}">
-        <p14:creationId xmlns="" xmlns:p14="http://schemas.microsoft.com/office/powerpoint/2010/main" val="517217651"/>
+        <p14:creationId xmlns:p14="http://schemas.microsoft.com/office/powerpoint/2010/main" xmlns="" val="517217651"/>
       </p:ext>
     </p:extLst>
   </p:cSld>
@@ -3602,7 +3602,7 @@
     <a:masterClrMapping/>
   </p:clrMapOvr>
   <mc:AlternateContent xmlns:mc="http://schemas.openxmlformats.org/markup-compatibility/2006">
-    <mc:Choice xmlns="" xmlns:p14="http://schemas.microsoft.com/office/powerpoint/2010/main" Requires="p14">
+    <mc:Choice xmlns:p14="http://schemas.microsoft.com/office/powerpoint/2010/main" xmlns="" Requires="p14">
       <p:transition spd="slow" p14:dur="1400">
         <p14:ripple/>
       </p:transition>
@@ -4432,7 +4432,7 @@
     </p:spTree>
     <p:extLst>
       <p:ext uri="{BB962C8B-B14F-4D97-AF65-F5344CB8AC3E}">
-        <p14:creationId xmlns="" xmlns:p14="http://schemas.microsoft.com/office/powerpoint/2010/main" val="888636050"/>
+        <p14:creationId xmlns:p14="http://schemas.microsoft.com/office/powerpoint/2010/main" xmlns="" val="888636050"/>
       </p:ext>
     </p:extLst>
   </p:cSld>
@@ -4440,7 +4440,7 @@
     <a:masterClrMapping/>
   </p:clrMapOvr>
   <mc:AlternateContent xmlns:mc="http://schemas.openxmlformats.org/markup-compatibility/2006">
-    <mc:Choice xmlns="" xmlns:p14="http://schemas.microsoft.com/office/powerpoint/2010/main" Requires="p14">
+    <mc:Choice xmlns:p14="http://schemas.microsoft.com/office/powerpoint/2010/main" xmlns="" Requires="p14">
       <p:transition spd="slow" p14:dur="1500">
         <p:random/>
       </p:transition>
@@ -5985,18 +5985,7 @@
                       </a:schemeClr>
                     </a:solidFill>
                   </a:rPr>
-                  <a:t>针对不同客</a:t>
-                </a:r>
-                <a:r>
-                  <a:rPr lang="zh-CN" altLang="en-US" sz="1100" dirty="0" smtClean="0">
-                    <a:solidFill>
-                      <a:schemeClr val="tx1">
-                        <a:lumMod val="50000"/>
-                        <a:lumOff val="50000"/>
-                      </a:schemeClr>
-                    </a:solidFill>
-                  </a:rPr>
-                  <a:t>群群研究并定义信贷产品。</a:t>
+                  <a:t>针对不同客群群研究并定义信贷产品。</a:t>
                 </a:r>
                 <a:endParaRPr lang="en-US" altLang="zh-CN" sz="1100" dirty="0" smtClean="0">
                   <a:solidFill>
@@ -8325,7 +8314,7 @@
     </p:custDataLst>
     <p:extLst>
       <p:ext uri="{BB962C8B-B14F-4D97-AF65-F5344CB8AC3E}">
-        <p14:creationId xmlns="" xmlns:p14="http://schemas.microsoft.com/office/powerpoint/2010/main" val="758362457"/>
+        <p14:creationId xmlns:p14="http://schemas.microsoft.com/office/powerpoint/2010/main" xmlns="" val="758362457"/>
       </p:ext>
     </p:extLst>
   </p:cSld>
@@ -8333,7 +8322,7 @@
     <a:masterClrMapping/>
   </p:clrMapOvr>
   <mc:AlternateContent xmlns:mc="http://schemas.openxmlformats.org/markup-compatibility/2006">
-    <mc:Choice xmlns="" xmlns:p14="http://schemas.microsoft.com/office/powerpoint/2010/main" Requires="p14">
+    <mc:Choice xmlns:p14="http://schemas.microsoft.com/office/powerpoint/2010/main" xmlns="" Requires="p14">
       <p:transition spd="slow" p14:dur="1500">
         <p:random/>
       </p:transition>
@@ -8734,8 +8723,8 @@
         </p:nvSpPr>
         <p:spPr>
           <a:xfrm>
-            <a:off x="1238250" y="1395812"/>
-            <a:ext cx="9715500" cy="3970318"/>
+            <a:off x="1238250" y="1831067"/>
+            <a:ext cx="9715500" cy="2585323"/>
           </a:xfrm>
           <a:prstGeom prst="rect">
             <a:avLst/>
@@ -8748,147 +8737,54 @@
           </a:bodyPr>
           <a:lstStyle/>
           <a:p>
-            <a:r>
-              <a:rPr lang="en-US" altLang="zh-CN" dirty="0" smtClean="0"/>
-              <a:t>1. </a:t>
-            </a:r>
+            <a:pPr marL="342900" indent="-342900">
+              <a:buAutoNum type="arabicPeriod"/>
+            </a:pPr>
             <a:r>
               <a:rPr lang="zh-CN" altLang="en-US" dirty="0" smtClean="0"/>
-              <a:t>产品配置不支持扩展属性，授信或者贷款流程不支持流程阶段</a:t>
-            </a:r>
-            <a:r>
-              <a:rPr lang="en-US" altLang="zh-CN" dirty="0" smtClean="0"/>
-              <a:t>Input</a:t>
-            </a:r>
-            <a:r>
-              <a:rPr lang="zh-CN" altLang="en-US" dirty="0" smtClean="0"/>
-              <a:t>数据配置，当某产品</a:t>
-            </a:r>
-            <a:r>
-              <a:rPr lang="en-US" altLang="zh-CN" dirty="0" smtClean="0"/>
-              <a:t>A</a:t>
-            </a:r>
-            <a:r>
-              <a:rPr lang="zh-CN" altLang="en-US" dirty="0" smtClean="0"/>
-              <a:t>需要增加一个属性或者流程审批要录入某种业务场景数据时，需要额外单独开发，然后回归测试再部署</a:t>
-            </a:r>
-            <a:r>
-              <a:rPr lang="zh-CN" altLang="en-US" dirty="0" smtClean="0"/>
-              <a:t>。严重影响业务</a:t>
-            </a:r>
-            <a:r>
-              <a:rPr lang="zh-CN" altLang="en-US" dirty="0" smtClean="0"/>
-              <a:t>快速迭代。</a:t>
+              <a:t>数据隔离</a:t>
             </a:r>
             <a:endParaRPr lang="en-US" altLang="zh-CN" dirty="0" smtClean="0"/>
           </a:p>
           <a:p>
+            <a:pPr marL="342900" indent="-342900">
+              <a:buAutoNum type="arabicPeriod"/>
+            </a:pPr>
+            <a:endParaRPr lang="en-US" altLang="zh-CN" dirty="0" smtClean="0"/>
+          </a:p>
+          <a:p>
+            <a:pPr marL="342900" indent="-342900">
+              <a:buAutoNum type="arabicPeriod" startAt="2"/>
+            </a:pPr>
+            <a:r>
+              <a:rPr lang="zh-CN" altLang="en-US" dirty="0" smtClean="0"/>
+              <a:t>可扩展性</a:t>
+            </a:r>
+            <a:endParaRPr lang="en-US" altLang="zh-CN" dirty="0" smtClean="0"/>
+          </a:p>
+          <a:p>
+            <a:pPr marL="342900" indent="-342900">
+              <a:buAutoNum type="arabicPeriod" startAt="2"/>
+            </a:pPr>
+            <a:endParaRPr lang="en-US" altLang="zh-CN" dirty="0" smtClean="0"/>
+          </a:p>
+          <a:p>
+            <a:pPr marL="342900" indent="-342900">
+              <a:buAutoNum type="arabicPeriod" startAt="3"/>
+            </a:pPr>
+            <a:r>
+              <a:rPr lang="zh-CN" altLang="en-US" dirty="0" smtClean="0"/>
+              <a:t>服务化</a:t>
+            </a:r>
+            <a:endParaRPr lang="en-US" altLang="zh-CN" dirty="0" smtClean="0"/>
+          </a:p>
+          <a:p>
+            <a:pPr marL="342900" indent="-342900"/>
             <a:endParaRPr lang="en-US" altLang="zh-CN" dirty="0" smtClean="0">
               <a:solidFill>
                 <a:srgbClr val="FF0000"/>
               </a:solidFill>
             </a:endParaRPr>
-          </a:p>
-          <a:p>
-            <a:r>
-              <a:rPr lang="en-US" altLang="zh-CN" dirty="0" smtClean="0"/>
-              <a:t>2. </a:t>
-            </a:r>
-            <a:r>
-              <a:rPr lang="zh-CN" altLang="en-US" dirty="0" smtClean="0"/>
-              <a:t>没有</a:t>
-            </a:r>
-            <a:r>
-              <a:rPr lang="zh-CN" altLang="en-US" dirty="0" smtClean="0"/>
-              <a:t>对整个数据链路</a:t>
-            </a:r>
-            <a:r>
-              <a:rPr lang="zh-CN" altLang="en-US" dirty="0" smtClean="0"/>
-              <a:t>进行</a:t>
-            </a:r>
-            <a:r>
-              <a:rPr lang="en-US" altLang="zh-CN" dirty="0" smtClean="0"/>
-              <a:t>segment</a:t>
-            </a:r>
-            <a:r>
-              <a:rPr lang="zh-CN" altLang="en-US" dirty="0" smtClean="0"/>
-              <a:t>划分，整个链路</a:t>
-            </a:r>
-            <a:r>
-              <a:rPr lang="zh-CN" altLang="en-US" dirty="0" smtClean="0"/>
-              <a:t>处理中全部</a:t>
-            </a:r>
-            <a:r>
-              <a:rPr lang="zh-CN" altLang="en-US" dirty="0" smtClean="0"/>
-              <a:t>依赖于同</a:t>
-            </a:r>
-            <a:r>
-              <a:rPr lang="zh-CN" altLang="en-US" dirty="0" smtClean="0"/>
-              <a:t>一份产品</a:t>
-            </a:r>
-            <a:r>
-              <a:rPr lang="zh-CN" altLang="en-US" dirty="0" smtClean="0"/>
-              <a:t>配置，数据极易被污染</a:t>
-            </a:r>
-            <a:r>
-              <a:rPr lang="zh-CN" altLang="en-US" dirty="0" smtClean="0"/>
-              <a:t>，容易混乱，不好维护，并且因为费率等敏感数据容易</a:t>
-            </a:r>
-            <a:r>
-              <a:rPr lang="zh-CN" altLang="en-US" dirty="0" smtClean="0"/>
-              <a:t>引起同客户的法律纠纷。</a:t>
-            </a:r>
-            <a:endParaRPr lang="en-US" altLang="zh-CN" dirty="0" smtClean="0"/>
-          </a:p>
-          <a:p>
-            <a:endParaRPr lang="en-US" altLang="zh-CN" dirty="0" smtClean="0">
-              <a:solidFill>
-                <a:srgbClr val="FF0000"/>
-              </a:solidFill>
-            </a:endParaRPr>
-          </a:p>
-          <a:p>
-            <a:r>
-              <a:rPr lang="en-US" altLang="zh-CN" dirty="0" smtClean="0"/>
-              <a:t>3. </a:t>
-            </a:r>
-            <a:r>
-              <a:rPr lang="zh-CN" altLang="en-US" dirty="0" smtClean="0"/>
-              <a:t>功能模块过度集中，边界不清，层次不分，代码没有严格规范和统一管理。目前</a:t>
-            </a:r>
-            <a:r>
-              <a:rPr lang="en-US" altLang="zh-CN" dirty="0" smtClean="0"/>
-              <a:t>30</a:t>
-            </a:r>
-            <a:r>
-              <a:rPr lang="zh-CN" altLang="en-US" dirty="0" smtClean="0"/>
-              <a:t>个信贷产品，每个产品线开发同事在每次版本迭代时，肆意增加或者修改代码，极易代码冲突或者覆盖，反复的</a:t>
-            </a:r>
-            <a:r>
-              <a:rPr lang="en-US" altLang="zh-CN" dirty="0" smtClean="0"/>
-              <a:t>review</a:t>
-            </a:r>
-            <a:r>
-              <a:rPr lang="zh-CN" altLang="en-US" dirty="0" smtClean="0"/>
-              <a:t>和大量回归测试后</a:t>
-            </a:r>
-            <a:r>
-              <a:rPr lang="en-US" altLang="zh-CN" dirty="0" smtClean="0"/>
-              <a:t>,</a:t>
-            </a:r>
-            <a:r>
-              <a:rPr lang="zh-CN" altLang="en-US" dirty="0" smtClean="0"/>
-              <a:t>整个系统服务</a:t>
-            </a:r>
-            <a:r>
-              <a:rPr lang="en-US" altLang="zh-CN" dirty="0" smtClean="0"/>
-              <a:t>stop</a:t>
-            </a:r>
-            <a:r>
-              <a:rPr lang="zh-CN" altLang="en-US" dirty="0" smtClean="0"/>
-              <a:t>，然后发布。导致维护成本高，业务迭代周期长。</a:t>
-            </a:r>
-            <a:endParaRPr lang="en-US" altLang="zh-CN" dirty="0" smtClean="0"/>
           </a:p>
           <a:p>
             <a:endParaRPr lang="en-US" altLang="zh-CN" dirty="0" smtClean="0">
@@ -8911,7 +8807,7 @@
     </p:custDataLst>
     <p:extLst>
       <p:ext uri="{BB962C8B-B14F-4D97-AF65-F5344CB8AC3E}">
-        <p14:creationId xmlns="" xmlns:p14="http://schemas.microsoft.com/office/powerpoint/2010/main" val="3713010676"/>
+        <p14:creationId xmlns:p14="http://schemas.microsoft.com/office/powerpoint/2010/main" xmlns="" val="3713010676"/>
       </p:ext>
     </p:extLst>
   </p:cSld>
@@ -8919,7 +8815,7 @@
     <a:masterClrMapping/>
   </p:clrMapOvr>
   <mc:AlternateContent xmlns:mc="http://schemas.openxmlformats.org/markup-compatibility/2006">
-    <mc:Choice xmlns="" xmlns:p14="http://schemas.microsoft.com/office/powerpoint/2010/main" Requires="p14">
+    <mc:Choice xmlns:p14="http://schemas.microsoft.com/office/powerpoint/2010/main" xmlns="" Requires="p14">
       <p:transition spd="slow" p14:dur="1500">
         <p:random/>
       </p:transition>
@@ -9112,7 +9008,7 @@
     </p:custDataLst>
     <p:extLst>
       <p:ext uri="{BB962C8B-B14F-4D97-AF65-F5344CB8AC3E}">
-        <p14:creationId xmlns="" xmlns:p14="http://schemas.microsoft.com/office/powerpoint/2010/main" val="2805908120"/>
+        <p14:creationId xmlns:p14="http://schemas.microsoft.com/office/powerpoint/2010/main" xmlns="" val="2805908120"/>
       </p:ext>
     </p:extLst>
   </p:cSld>
@@ -9120,7 +9016,7 @@
     <a:masterClrMapping/>
   </p:clrMapOvr>
   <mc:AlternateContent xmlns:mc="http://schemas.openxmlformats.org/markup-compatibility/2006">
-    <mc:Choice xmlns="" xmlns:p14="http://schemas.microsoft.com/office/powerpoint/2010/main" Requires="p14">
+    <mc:Choice xmlns:p14="http://schemas.microsoft.com/office/powerpoint/2010/main" xmlns="" Requires="p14">
       <p:transition spd="slow" p14:dur="1500">
         <p:random/>
       </p:transition>
@@ -9318,7 +9214,7 @@
     </p:custDataLst>
     <p:extLst>
       <p:ext uri="{BB962C8B-B14F-4D97-AF65-F5344CB8AC3E}">
-        <p14:creationId xmlns="" xmlns:p14="http://schemas.microsoft.com/office/powerpoint/2010/main" val="1981112831"/>
+        <p14:creationId xmlns:p14="http://schemas.microsoft.com/office/powerpoint/2010/main" xmlns="" val="1981112831"/>
       </p:ext>
     </p:extLst>
   </p:cSld>
@@ -9326,7 +9222,7 @@
     <a:masterClrMapping/>
   </p:clrMapOvr>
   <mc:AlternateContent xmlns:mc="http://schemas.openxmlformats.org/markup-compatibility/2006">
-    <mc:Choice xmlns="" xmlns:p14="http://schemas.microsoft.com/office/powerpoint/2010/main" Requires="p14">
+    <mc:Choice xmlns:p14="http://schemas.microsoft.com/office/powerpoint/2010/main" xmlns="" Requires="p14">
       <p:transition spd="slow" p14:dur="1500">
         <p:random/>
       </p:transition>
@@ -9524,7 +9420,7 @@
     </p:custDataLst>
     <p:extLst>
       <p:ext uri="{BB962C8B-B14F-4D97-AF65-F5344CB8AC3E}">
-        <p14:creationId xmlns="" xmlns:p14="http://schemas.microsoft.com/office/powerpoint/2010/main" val="1981112831"/>
+        <p14:creationId xmlns:p14="http://schemas.microsoft.com/office/powerpoint/2010/main" xmlns="" val="1981112831"/>
       </p:ext>
     </p:extLst>
   </p:cSld>
@@ -9532,7 +9428,7 @@
     <a:masterClrMapping/>
   </p:clrMapOvr>
   <mc:AlternateContent xmlns:mc="http://schemas.openxmlformats.org/markup-compatibility/2006">
-    <mc:Choice xmlns="" xmlns:p14="http://schemas.microsoft.com/office/powerpoint/2010/main" Requires="p14">
+    <mc:Choice xmlns:p14="http://schemas.microsoft.com/office/powerpoint/2010/main" xmlns="" Requires="p14">
       <p:transition spd="slow" p14:dur="1500">
         <p:random/>
       </p:transition>
@@ -9730,7 +9626,7 @@
     </p:custDataLst>
     <p:extLst>
       <p:ext uri="{BB962C8B-B14F-4D97-AF65-F5344CB8AC3E}">
-        <p14:creationId xmlns="" xmlns:p14="http://schemas.microsoft.com/office/powerpoint/2010/main" val="1981112831"/>
+        <p14:creationId xmlns:p14="http://schemas.microsoft.com/office/powerpoint/2010/main" xmlns="" val="1981112831"/>
       </p:ext>
     </p:extLst>
   </p:cSld>
@@ -9738,7 +9634,7 @@
     <a:masterClrMapping/>
   </p:clrMapOvr>
   <mc:AlternateContent xmlns:mc="http://schemas.openxmlformats.org/markup-compatibility/2006">
-    <mc:Choice xmlns="" xmlns:p14="http://schemas.microsoft.com/office/powerpoint/2010/main" Requires="p14">
+    <mc:Choice xmlns:p14="http://schemas.microsoft.com/office/powerpoint/2010/main" xmlns="" Requires="p14">
       <p:transition spd="slow" p14:dur="1500">
         <p:random/>
       </p:transition>
@@ -9936,7 +9832,7 @@
     </p:custDataLst>
     <p:extLst>
       <p:ext uri="{BB962C8B-B14F-4D97-AF65-F5344CB8AC3E}">
-        <p14:creationId xmlns="" xmlns:p14="http://schemas.microsoft.com/office/powerpoint/2010/main" val="1981112831"/>
+        <p14:creationId xmlns:p14="http://schemas.microsoft.com/office/powerpoint/2010/main" xmlns="" val="1981112831"/>
       </p:ext>
     </p:extLst>
   </p:cSld>
@@ -9944,7 +9840,7 @@
     <a:masterClrMapping/>
   </p:clrMapOvr>
   <mc:AlternateContent xmlns:mc="http://schemas.openxmlformats.org/markup-compatibility/2006">
-    <mc:Choice xmlns="" xmlns:p14="http://schemas.microsoft.com/office/powerpoint/2010/main" Requires="p14">
+    <mc:Choice xmlns:p14="http://schemas.microsoft.com/office/powerpoint/2010/main" xmlns="" Requires="p14">
       <p:transition spd="slow" p14:dur="1500">
         <p:random/>
       </p:transition>
@@ -10142,7 +10038,7 @@
     </p:custDataLst>
     <p:extLst>
       <p:ext uri="{BB962C8B-B14F-4D97-AF65-F5344CB8AC3E}">
-        <p14:creationId xmlns="" xmlns:p14="http://schemas.microsoft.com/office/powerpoint/2010/main" val="1981112831"/>
+        <p14:creationId xmlns:p14="http://schemas.microsoft.com/office/powerpoint/2010/main" xmlns="" val="1981112831"/>
       </p:ext>
     </p:extLst>
   </p:cSld>
@@ -10150,7 +10046,7 @@
     <a:masterClrMapping/>
   </p:clrMapOvr>
   <mc:AlternateContent xmlns:mc="http://schemas.openxmlformats.org/markup-compatibility/2006">
-    <mc:Choice xmlns="" xmlns:p14="http://schemas.microsoft.com/office/powerpoint/2010/main" Requires="p14">
+    <mc:Choice xmlns:p14="http://schemas.microsoft.com/office/powerpoint/2010/main" xmlns="" Requires="p14">
       <p:transition spd="slow" p14:dur="1500">
         <p:random/>
       </p:transition>
@@ -10233,7 +10129,7 @@
         <a:sysClr val="windowText" lastClr="000000"/>
       </a:dk1>
       <a:lt1>
-        <a:sysClr val="window" lastClr="FFFFFF"/>
+        <a:sysClr val="window" lastClr="C7EDCC"/>
       </a:lt1>
       <a:dk2>
         <a:srgbClr val="44546A"/>
@@ -10420,7 +10316,7 @@
   <a:extraClrSchemeLst/>
   <a:extLst>
     <a:ext uri="{05A4C25C-085E-4340-85A3-A5531E510DB2}">
-      <thm15:themeFamily xmlns="" xmlns:thm15="http://schemas.microsoft.com/office/thememl/2012/main" name="包图主题2" id="{50CFA792-C506-47E4-B272-6A6183483AB3}" vid="{CC1AE437-2F7F-4319-9F22-408F5F8C346F}"/>
+      <thm15:themeFamily xmlns:thm15="http://schemas.microsoft.com/office/thememl/2012/main" xmlns="" name="包图主题2" id="{50CFA792-C506-47E4-B272-6A6183483AB3}" vid="{CC1AE437-2F7F-4319-9F22-408F5F8C346F}"/>
     </a:ext>
   </a:extLst>
 </a:theme>
@@ -10434,7 +10330,7 @@
         <a:sysClr val="windowText" lastClr="000000"/>
       </a:dk1>
       <a:lt1>
-        <a:sysClr val="window" lastClr="FFFFFF"/>
+        <a:sysClr val="window" lastClr="C7EDCC"/>
       </a:lt1>
       <a:dk2>
         <a:srgbClr val="44546A"/>
@@ -10681,7 +10577,7 @@
   <a:extraClrSchemeLst/>
   <a:extLst>
     <a:ext uri="{05A4C25C-085E-4340-85A3-A5531E510DB2}">
-      <thm15:themeFamily xmlns="" xmlns:thm15="http://schemas.microsoft.com/office/thememl/2012/main" name="Office Theme" id="{62F939B6-93AF-4DB8-9C6B-D6C7DFDC589F}" vid="{4A3C46E8-61CC-4603-A589-7422A47A8E4A}"/>
+      <thm15:themeFamily xmlns:thm15="http://schemas.microsoft.com/office/thememl/2012/main" xmlns="" name="Office Theme" id="{62F939B6-93AF-4DB8-9C6B-D6C7DFDC589F}" vid="{4A3C46E8-61CC-4603-A589-7422A47A8E4A}"/>
     </a:ext>
   </a:extLst>
 </a:theme>

--- a/design/doc/2018-09-20草稿.pptx
+++ b/design/doc/2018-09-20草稿.pptx
@@ -121,7 +121,7 @@
   </p:defaultTextStyle>
   <p:extLst>
     <p:ext uri="{EFAFB233-063F-42B5-8137-9DF3F51BA10A}">
-      <p15:sldGuideLst xmlns:p15="http://schemas.microsoft.com/office/powerpoint/2012/main" xmlns=""/>
+      <p15:sldGuideLst xmlns="" xmlns:p15="http://schemas.microsoft.com/office/powerpoint/2012/main"/>
     </p:ext>
   </p:extLst>
 </p:presentation>
@@ -210,7 +210,7 @@
             <a:fld id="{C1DAF21E-AA1D-4678-9985-583FF147C867}" type="datetimeFigureOut">
               <a:rPr lang="zh-CN" altLang="en-US" smtClean="0"/>
               <a:pPr/>
-              <a:t>2018/9/19</a:t>
+              <a:t>2018-10-13</a:t>
             </a:fld>
             <a:endParaRPr lang="zh-CN" altLang="en-US"/>
           </a:p>
@@ -379,7 +379,7 @@
     </p:spTree>
     <p:extLst>
       <p:ext uri="{BB962C8B-B14F-4D97-AF65-F5344CB8AC3E}">
-        <p14:creationId xmlns:p14="http://schemas.microsoft.com/office/powerpoint/2010/main" xmlns="" val="3668839552"/>
+        <p14:creationId xmlns="" xmlns:p14="http://schemas.microsoft.com/office/powerpoint/2010/main" val="3668839552"/>
       </p:ext>
     </p:extLst>
   </p:cSld>
@@ -554,7 +554,7 @@
     </p:spTree>
     <p:extLst>
       <p:ext uri="{BB962C8B-B14F-4D97-AF65-F5344CB8AC3E}">
-        <p14:creationId xmlns:p14="http://schemas.microsoft.com/office/powerpoint/2010/main" xmlns="" val="1338507553"/>
+        <p14:creationId xmlns="" xmlns:p14="http://schemas.microsoft.com/office/powerpoint/2010/main" val="1338507553"/>
       </p:ext>
     </p:extLst>
   </p:cSld>
@@ -639,7 +639,7 @@
     </p:spTree>
     <p:extLst>
       <p:ext uri="{BB962C8B-B14F-4D97-AF65-F5344CB8AC3E}">
-        <p14:creationId xmlns:p14="http://schemas.microsoft.com/office/powerpoint/2010/main" xmlns="" val="3512645906"/>
+        <p14:creationId xmlns="" xmlns:p14="http://schemas.microsoft.com/office/powerpoint/2010/main" val="3512645906"/>
       </p:ext>
     </p:extLst>
   </p:cSld>
@@ -724,7 +724,7 @@
     </p:spTree>
     <p:extLst>
       <p:ext uri="{BB962C8B-B14F-4D97-AF65-F5344CB8AC3E}">
-        <p14:creationId xmlns:p14="http://schemas.microsoft.com/office/powerpoint/2010/main" xmlns="" val="1186547562"/>
+        <p14:creationId xmlns="" xmlns:p14="http://schemas.microsoft.com/office/powerpoint/2010/main" val="1186547562"/>
       </p:ext>
     </p:extLst>
   </p:cSld>
@@ -809,7 +809,7 @@
     </p:spTree>
     <p:extLst>
       <p:ext uri="{BB962C8B-B14F-4D97-AF65-F5344CB8AC3E}">
-        <p14:creationId xmlns:p14="http://schemas.microsoft.com/office/powerpoint/2010/main" xmlns="" val="1779644859"/>
+        <p14:creationId xmlns="" xmlns:p14="http://schemas.microsoft.com/office/powerpoint/2010/main" val="1779644859"/>
       </p:ext>
     </p:extLst>
   </p:cSld>
@@ -894,7 +894,7 @@
     </p:spTree>
     <p:extLst>
       <p:ext uri="{BB962C8B-B14F-4D97-AF65-F5344CB8AC3E}">
-        <p14:creationId xmlns:p14="http://schemas.microsoft.com/office/powerpoint/2010/main" xmlns="" val="3056646089"/>
+        <p14:creationId xmlns="" xmlns:p14="http://schemas.microsoft.com/office/powerpoint/2010/main" val="3056646089"/>
       </p:ext>
     </p:extLst>
   </p:cSld>
@@ -979,7 +979,7 @@
     </p:spTree>
     <p:extLst>
       <p:ext uri="{BB962C8B-B14F-4D97-AF65-F5344CB8AC3E}">
-        <p14:creationId xmlns:p14="http://schemas.microsoft.com/office/powerpoint/2010/main" xmlns="" val="3809611177"/>
+        <p14:creationId xmlns="" xmlns:p14="http://schemas.microsoft.com/office/powerpoint/2010/main" val="3809611177"/>
       </p:ext>
     </p:extLst>
   </p:cSld>
@@ -1064,7 +1064,7 @@
     </p:spTree>
     <p:extLst>
       <p:ext uri="{BB962C8B-B14F-4D97-AF65-F5344CB8AC3E}">
-        <p14:creationId xmlns:p14="http://schemas.microsoft.com/office/powerpoint/2010/main" xmlns="" val="3809611177"/>
+        <p14:creationId xmlns="" xmlns:p14="http://schemas.microsoft.com/office/powerpoint/2010/main" val="3809611177"/>
       </p:ext>
     </p:extLst>
   </p:cSld>
@@ -1149,7 +1149,7 @@
     </p:spTree>
     <p:extLst>
       <p:ext uri="{BB962C8B-B14F-4D97-AF65-F5344CB8AC3E}">
-        <p14:creationId xmlns:p14="http://schemas.microsoft.com/office/powerpoint/2010/main" xmlns="" val="3809611177"/>
+        <p14:creationId xmlns="" xmlns:p14="http://schemas.microsoft.com/office/powerpoint/2010/main" val="3809611177"/>
       </p:ext>
     </p:extLst>
   </p:cSld>
@@ -1234,7 +1234,7 @@
     </p:spTree>
     <p:extLst>
       <p:ext uri="{BB962C8B-B14F-4D97-AF65-F5344CB8AC3E}">
-        <p14:creationId xmlns:p14="http://schemas.microsoft.com/office/powerpoint/2010/main" xmlns="" val="3809611177"/>
+        <p14:creationId xmlns="" xmlns:p14="http://schemas.microsoft.com/office/powerpoint/2010/main" val="3809611177"/>
       </p:ext>
     </p:extLst>
   </p:cSld>
@@ -1319,7 +1319,7 @@
     </p:spTree>
     <p:extLst>
       <p:ext uri="{BB962C8B-B14F-4D97-AF65-F5344CB8AC3E}">
-        <p14:creationId xmlns:p14="http://schemas.microsoft.com/office/powerpoint/2010/main" xmlns="" val="3809611177"/>
+        <p14:creationId xmlns="" xmlns:p14="http://schemas.microsoft.com/office/powerpoint/2010/main" val="3809611177"/>
       </p:ext>
     </p:extLst>
   </p:cSld>
@@ -1349,7 +1349,7 @@
     </p:spTree>
     <p:extLst>
       <p:ext uri="{BB962C8B-B14F-4D97-AF65-F5344CB8AC3E}">
-        <p14:creationId xmlns:p14="http://schemas.microsoft.com/office/powerpoint/2010/main" xmlns="" val="2939545236"/>
+        <p14:creationId xmlns="" xmlns:p14="http://schemas.microsoft.com/office/powerpoint/2010/main" val="2939545236"/>
       </p:ext>
     </p:extLst>
   </p:cSld>
@@ -1386,7 +1386,7 @@
     </p:spTree>
     <p:extLst>
       <p:ext uri="{BB962C8B-B14F-4D97-AF65-F5344CB8AC3E}">
-        <p14:creationId xmlns:p14="http://schemas.microsoft.com/office/powerpoint/2010/main" xmlns="" val="4164331960"/>
+        <p14:creationId xmlns="" xmlns:p14="http://schemas.microsoft.com/office/powerpoint/2010/main" val="4164331960"/>
       </p:ext>
     </p:extLst>
   </p:cSld>
@@ -1687,7 +1687,7 @@
     </p:spTree>
     <p:extLst>
       <p:ext uri="{BB962C8B-B14F-4D97-AF65-F5344CB8AC3E}">
-        <p14:creationId xmlns:p14="http://schemas.microsoft.com/office/powerpoint/2010/main" xmlns="" val="137150532"/>
+        <p14:creationId xmlns="" xmlns:p14="http://schemas.microsoft.com/office/powerpoint/2010/main" val="137150532"/>
       </p:ext>
     </p:extLst>
   </p:cSld>
@@ -2084,7 +2084,7 @@
     </p:spTree>
     <p:extLst>
       <p:ext uri="{BB962C8B-B14F-4D97-AF65-F5344CB8AC3E}">
-        <p14:creationId xmlns:p14="http://schemas.microsoft.com/office/powerpoint/2010/main" xmlns="" val="610095288"/>
+        <p14:creationId xmlns="" xmlns:p14="http://schemas.microsoft.com/office/powerpoint/2010/main" val="610095288"/>
       </p:ext>
     </p:extLst>
   </p:cSld>
@@ -2337,7 +2337,7 @@
     </p:spTree>
     <p:extLst>
       <p:ext uri="{BB962C8B-B14F-4D97-AF65-F5344CB8AC3E}">
-        <p14:creationId xmlns:p14="http://schemas.microsoft.com/office/powerpoint/2010/main" xmlns="" val="1625796334"/>
+        <p14:creationId xmlns="" xmlns:p14="http://schemas.microsoft.com/office/powerpoint/2010/main" val="1625796334"/>
       </p:ext>
     </p:extLst>
   </p:cSld>
@@ -2446,7 +2446,7 @@
     </p:spTree>
     <p:extLst>
       <p:ext uri="{BB962C8B-B14F-4D97-AF65-F5344CB8AC3E}">
-        <p14:creationId xmlns:p14="http://schemas.microsoft.com/office/powerpoint/2010/main" xmlns="" val="3413687735"/>
+        <p14:creationId xmlns="" xmlns:p14="http://schemas.microsoft.com/office/powerpoint/2010/main" val="3413687735"/>
       </p:ext>
     </p:extLst>
   </p:cSld>
@@ -2627,7 +2627,7 @@
     </p:spTree>
     <p:extLst>
       <p:ext uri="{BB962C8B-B14F-4D97-AF65-F5344CB8AC3E}">
-        <p14:creationId xmlns:p14="http://schemas.microsoft.com/office/powerpoint/2010/main" xmlns="" val="1678586501"/>
+        <p14:creationId xmlns="" xmlns:p14="http://schemas.microsoft.com/office/powerpoint/2010/main" val="1678586501"/>
       </p:ext>
     </p:extLst>
   </p:cSld>
@@ -2859,7 +2859,7 @@
     </p:spTree>
     <p:extLst>
       <p:ext uri="{BB962C8B-B14F-4D97-AF65-F5344CB8AC3E}">
-        <p14:creationId xmlns:p14="http://schemas.microsoft.com/office/powerpoint/2010/main" xmlns="" val="3197070546"/>
+        <p14:creationId xmlns="" xmlns:p14="http://schemas.microsoft.com/office/powerpoint/2010/main" val="3197070546"/>
       </p:ext>
     </p:extLst>
   </p:cSld>
@@ -2901,7 +2901,7 @@
     </p:spTree>
     <p:extLst>
       <p:ext uri="{BB962C8B-B14F-4D97-AF65-F5344CB8AC3E}">
-        <p14:creationId xmlns:p14="http://schemas.microsoft.com/office/powerpoint/2010/main" xmlns="" val="1581037467"/>
+        <p14:creationId xmlns="" xmlns:p14="http://schemas.microsoft.com/office/powerpoint/2010/main" val="1581037467"/>
       </p:ext>
     </p:extLst>
   </p:cSld>
@@ -3205,7 +3205,7 @@
   </p:txStyles>
   <p:extLst mod="1">
     <p:ext uri="{27BBF7A9-308A-43DC-89C8-2F10F3537804}">
-      <p15:sldGuideLst xmlns:p15="http://schemas.microsoft.com/office/powerpoint/2012/main" xmlns=""/>
+      <p15:sldGuideLst xmlns="" xmlns:p15="http://schemas.microsoft.com/office/powerpoint/2012/main"/>
     </p:ext>
   </p:extLst>
 </p:sldMaster>
@@ -3594,7 +3594,7 @@
     </p:spTree>
     <p:extLst>
       <p:ext uri="{BB962C8B-B14F-4D97-AF65-F5344CB8AC3E}">
-        <p14:creationId xmlns:p14="http://schemas.microsoft.com/office/powerpoint/2010/main" xmlns="" val="517217651"/>
+        <p14:creationId xmlns="" xmlns:p14="http://schemas.microsoft.com/office/powerpoint/2010/main" val="517217651"/>
       </p:ext>
     </p:extLst>
   </p:cSld>
@@ -3602,7 +3602,7 @@
     <a:masterClrMapping/>
   </p:clrMapOvr>
   <mc:AlternateContent xmlns:mc="http://schemas.openxmlformats.org/markup-compatibility/2006">
-    <mc:Choice xmlns:p14="http://schemas.microsoft.com/office/powerpoint/2010/main" xmlns="" Requires="p14">
+    <mc:Choice xmlns="" xmlns:p14="http://schemas.microsoft.com/office/powerpoint/2010/main" Requires="p14">
       <p:transition spd="slow" p14:dur="1400">
         <p14:ripple/>
       </p:transition>
@@ -4432,7 +4432,7 @@
     </p:spTree>
     <p:extLst>
       <p:ext uri="{BB962C8B-B14F-4D97-AF65-F5344CB8AC3E}">
-        <p14:creationId xmlns:p14="http://schemas.microsoft.com/office/powerpoint/2010/main" xmlns="" val="888636050"/>
+        <p14:creationId xmlns="" xmlns:p14="http://schemas.microsoft.com/office/powerpoint/2010/main" val="888636050"/>
       </p:ext>
     </p:extLst>
   </p:cSld>
@@ -4440,7 +4440,7 @@
     <a:masterClrMapping/>
   </p:clrMapOvr>
   <mc:AlternateContent xmlns:mc="http://schemas.openxmlformats.org/markup-compatibility/2006">
-    <mc:Choice xmlns:p14="http://schemas.microsoft.com/office/powerpoint/2010/main" xmlns="" Requires="p14">
+    <mc:Choice xmlns="" xmlns:p14="http://schemas.microsoft.com/office/powerpoint/2010/main" Requires="p14">
       <p:transition spd="slow" p14:dur="1500">
         <p:random/>
       </p:transition>
@@ -8314,7 +8314,7 @@
     </p:custDataLst>
     <p:extLst>
       <p:ext uri="{BB962C8B-B14F-4D97-AF65-F5344CB8AC3E}">
-        <p14:creationId xmlns:p14="http://schemas.microsoft.com/office/powerpoint/2010/main" xmlns="" val="758362457"/>
+        <p14:creationId xmlns="" xmlns:p14="http://schemas.microsoft.com/office/powerpoint/2010/main" val="758362457"/>
       </p:ext>
     </p:extLst>
   </p:cSld>
@@ -8322,7 +8322,7 @@
     <a:masterClrMapping/>
   </p:clrMapOvr>
   <mc:AlternateContent xmlns:mc="http://schemas.openxmlformats.org/markup-compatibility/2006">
-    <mc:Choice xmlns:p14="http://schemas.microsoft.com/office/powerpoint/2010/main" xmlns="" Requires="p14">
+    <mc:Choice xmlns="" xmlns:p14="http://schemas.microsoft.com/office/powerpoint/2010/main" Requires="p14">
       <p:transition spd="slow" p14:dur="1500">
         <p:random/>
       </p:transition>
@@ -8724,7 +8724,7 @@
         <p:spPr>
           <a:xfrm>
             <a:off x="1238250" y="1831067"/>
-            <a:ext cx="9715500" cy="2585323"/>
+            <a:ext cx="9715500" cy="3139321"/>
           </a:xfrm>
           <a:prstGeom prst="rect">
             <a:avLst/>
@@ -8742,7 +8742,53 @@
             </a:pPr>
             <a:r>
               <a:rPr lang="zh-CN" altLang="en-US" dirty="0" smtClean="0"/>
-              <a:t>数据隔离</a:t>
+              <a:t>数据</a:t>
+            </a:r>
+            <a:r>
+              <a:rPr lang="zh-CN" altLang="en-US" dirty="0" smtClean="0"/>
+              <a:t>隔离</a:t>
+            </a:r>
+            <a:endParaRPr lang="en-US" altLang="zh-CN" dirty="0" smtClean="0"/>
+          </a:p>
+          <a:p>
+            <a:pPr marL="342900" indent="-342900">
+              <a:buAutoNum type="arabicPeriod"/>
+            </a:pPr>
+            <a:r>
+              <a:rPr lang="zh-CN" altLang="en-US" dirty="0" smtClean="0"/>
+              <a:t>世联行作为房地产综合服务提供商</a:t>
+            </a:r>
+            <a:r>
+              <a:rPr lang="en-US" altLang="zh-CN" dirty="0" smtClean="0"/>
+              <a:t>,</a:t>
+            </a:r>
+            <a:r>
+              <a:rPr lang="zh-CN" altLang="en-US" dirty="0" smtClean="0"/>
+              <a:t>全国第一大新房代理公司，服务全国</a:t>
+            </a:r>
+            <a:r>
+              <a:rPr lang="en-US" altLang="zh-CN" dirty="0" smtClean="0"/>
+              <a:t>186</a:t>
+            </a:r>
+            <a:r>
+              <a:rPr lang="zh-CN" altLang="en-US" dirty="0" smtClean="0"/>
+              <a:t>个城市，前线案场</a:t>
+            </a:r>
+            <a:r>
+              <a:rPr lang="en-US" altLang="zh-CN" dirty="0" smtClean="0"/>
+              <a:t>3</a:t>
+            </a:r>
+            <a:r>
+              <a:rPr lang="zh-CN" altLang="en-US" dirty="0" smtClean="0"/>
+              <a:t>万多销售，每年平均成交新客户</a:t>
+            </a:r>
+            <a:r>
+              <a:rPr lang="en-US" altLang="zh-CN" dirty="0" smtClean="0"/>
+              <a:t>60</a:t>
+            </a:r>
+            <a:r>
+              <a:rPr lang="zh-CN" altLang="en-US" smtClean="0"/>
+              <a:t>万，客户资金需求大。</a:t>
             </a:r>
             <a:endParaRPr lang="en-US" altLang="zh-CN" dirty="0" smtClean="0"/>
           </a:p>
@@ -8807,7 +8853,7 @@
     </p:custDataLst>
     <p:extLst>
       <p:ext uri="{BB962C8B-B14F-4D97-AF65-F5344CB8AC3E}">
-        <p14:creationId xmlns:p14="http://schemas.microsoft.com/office/powerpoint/2010/main" xmlns="" val="3713010676"/>
+        <p14:creationId xmlns="" xmlns:p14="http://schemas.microsoft.com/office/powerpoint/2010/main" val="3713010676"/>
       </p:ext>
     </p:extLst>
   </p:cSld>
@@ -8815,7 +8861,7 @@
     <a:masterClrMapping/>
   </p:clrMapOvr>
   <mc:AlternateContent xmlns:mc="http://schemas.openxmlformats.org/markup-compatibility/2006">
-    <mc:Choice xmlns:p14="http://schemas.microsoft.com/office/powerpoint/2010/main" xmlns="" Requires="p14">
+    <mc:Choice xmlns="" xmlns:p14="http://schemas.microsoft.com/office/powerpoint/2010/main" Requires="p14">
       <p:transition spd="slow" p14:dur="1500">
         <p:random/>
       </p:transition>
@@ -9008,7 +9054,7 @@
     </p:custDataLst>
     <p:extLst>
       <p:ext uri="{BB962C8B-B14F-4D97-AF65-F5344CB8AC3E}">
-        <p14:creationId xmlns:p14="http://schemas.microsoft.com/office/powerpoint/2010/main" xmlns="" val="2805908120"/>
+        <p14:creationId xmlns="" xmlns:p14="http://schemas.microsoft.com/office/powerpoint/2010/main" val="2805908120"/>
       </p:ext>
     </p:extLst>
   </p:cSld>
@@ -9016,7 +9062,7 @@
     <a:masterClrMapping/>
   </p:clrMapOvr>
   <mc:AlternateContent xmlns:mc="http://schemas.openxmlformats.org/markup-compatibility/2006">
-    <mc:Choice xmlns:p14="http://schemas.microsoft.com/office/powerpoint/2010/main" xmlns="" Requires="p14">
+    <mc:Choice xmlns="" xmlns:p14="http://schemas.microsoft.com/office/powerpoint/2010/main" Requires="p14">
       <p:transition spd="slow" p14:dur="1500">
         <p:random/>
       </p:transition>
@@ -9214,7 +9260,7 @@
     </p:custDataLst>
     <p:extLst>
       <p:ext uri="{BB962C8B-B14F-4D97-AF65-F5344CB8AC3E}">
-        <p14:creationId xmlns:p14="http://schemas.microsoft.com/office/powerpoint/2010/main" xmlns="" val="1981112831"/>
+        <p14:creationId xmlns="" xmlns:p14="http://schemas.microsoft.com/office/powerpoint/2010/main" val="1981112831"/>
       </p:ext>
     </p:extLst>
   </p:cSld>
@@ -9222,7 +9268,7 @@
     <a:masterClrMapping/>
   </p:clrMapOvr>
   <mc:AlternateContent xmlns:mc="http://schemas.openxmlformats.org/markup-compatibility/2006">
-    <mc:Choice xmlns:p14="http://schemas.microsoft.com/office/powerpoint/2010/main" xmlns="" Requires="p14">
+    <mc:Choice xmlns="" xmlns:p14="http://schemas.microsoft.com/office/powerpoint/2010/main" Requires="p14">
       <p:transition spd="slow" p14:dur="1500">
         <p:random/>
       </p:transition>
@@ -9420,7 +9466,7 @@
     </p:custDataLst>
     <p:extLst>
       <p:ext uri="{BB962C8B-B14F-4D97-AF65-F5344CB8AC3E}">
-        <p14:creationId xmlns:p14="http://schemas.microsoft.com/office/powerpoint/2010/main" xmlns="" val="1981112831"/>
+        <p14:creationId xmlns="" xmlns:p14="http://schemas.microsoft.com/office/powerpoint/2010/main" val="1981112831"/>
       </p:ext>
     </p:extLst>
   </p:cSld>
@@ -9428,7 +9474,7 @@
     <a:masterClrMapping/>
   </p:clrMapOvr>
   <mc:AlternateContent xmlns:mc="http://schemas.openxmlformats.org/markup-compatibility/2006">
-    <mc:Choice xmlns:p14="http://schemas.microsoft.com/office/powerpoint/2010/main" xmlns="" Requires="p14">
+    <mc:Choice xmlns="" xmlns:p14="http://schemas.microsoft.com/office/powerpoint/2010/main" Requires="p14">
       <p:transition spd="slow" p14:dur="1500">
         <p:random/>
       </p:transition>
@@ -9626,7 +9672,7 @@
     </p:custDataLst>
     <p:extLst>
       <p:ext uri="{BB962C8B-B14F-4D97-AF65-F5344CB8AC3E}">
-        <p14:creationId xmlns:p14="http://schemas.microsoft.com/office/powerpoint/2010/main" xmlns="" val="1981112831"/>
+        <p14:creationId xmlns="" xmlns:p14="http://schemas.microsoft.com/office/powerpoint/2010/main" val="1981112831"/>
       </p:ext>
     </p:extLst>
   </p:cSld>
@@ -9634,7 +9680,7 @@
     <a:masterClrMapping/>
   </p:clrMapOvr>
   <mc:AlternateContent xmlns:mc="http://schemas.openxmlformats.org/markup-compatibility/2006">
-    <mc:Choice xmlns:p14="http://schemas.microsoft.com/office/powerpoint/2010/main" xmlns="" Requires="p14">
+    <mc:Choice xmlns="" xmlns:p14="http://schemas.microsoft.com/office/powerpoint/2010/main" Requires="p14">
       <p:transition spd="slow" p14:dur="1500">
         <p:random/>
       </p:transition>
@@ -9832,7 +9878,7 @@
     </p:custDataLst>
     <p:extLst>
       <p:ext uri="{BB962C8B-B14F-4D97-AF65-F5344CB8AC3E}">
-        <p14:creationId xmlns:p14="http://schemas.microsoft.com/office/powerpoint/2010/main" xmlns="" val="1981112831"/>
+        <p14:creationId xmlns="" xmlns:p14="http://schemas.microsoft.com/office/powerpoint/2010/main" val="1981112831"/>
       </p:ext>
     </p:extLst>
   </p:cSld>
@@ -9840,7 +9886,7 @@
     <a:masterClrMapping/>
   </p:clrMapOvr>
   <mc:AlternateContent xmlns:mc="http://schemas.openxmlformats.org/markup-compatibility/2006">
-    <mc:Choice xmlns:p14="http://schemas.microsoft.com/office/powerpoint/2010/main" xmlns="" Requires="p14">
+    <mc:Choice xmlns="" xmlns:p14="http://schemas.microsoft.com/office/powerpoint/2010/main" Requires="p14">
       <p:transition spd="slow" p14:dur="1500">
         <p:random/>
       </p:transition>
@@ -10038,7 +10084,7 @@
     </p:custDataLst>
     <p:extLst>
       <p:ext uri="{BB962C8B-B14F-4D97-AF65-F5344CB8AC3E}">
-        <p14:creationId xmlns:p14="http://schemas.microsoft.com/office/powerpoint/2010/main" xmlns="" val="1981112831"/>
+        <p14:creationId xmlns="" xmlns:p14="http://schemas.microsoft.com/office/powerpoint/2010/main" val="1981112831"/>
       </p:ext>
     </p:extLst>
   </p:cSld>
@@ -10046,7 +10092,7 @@
     <a:masterClrMapping/>
   </p:clrMapOvr>
   <mc:AlternateContent xmlns:mc="http://schemas.openxmlformats.org/markup-compatibility/2006">
-    <mc:Choice xmlns:p14="http://schemas.microsoft.com/office/powerpoint/2010/main" xmlns="" Requires="p14">
+    <mc:Choice xmlns="" xmlns:p14="http://schemas.microsoft.com/office/powerpoint/2010/main" Requires="p14">
       <p:transition spd="slow" p14:dur="1500">
         <p:random/>
       </p:transition>
@@ -10129,7 +10175,7 @@
         <a:sysClr val="windowText" lastClr="000000"/>
       </a:dk1>
       <a:lt1>
-        <a:sysClr val="window" lastClr="C7EDCC"/>
+        <a:sysClr val="window" lastClr="CAEACE"/>
       </a:lt1>
       <a:dk2>
         <a:srgbClr val="44546A"/>
@@ -10316,7 +10362,7 @@
   <a:extraClrSchemeLst/>
   <a:extLst>
     <a:ext uri="{05A4C25C-085E-4340-85A3-A5531E510DB2}">
-      <thm15:themeFamily xmlns:thm15="http://schemas.microsoft.com/office/thememl/2012/main" xmlns="" name="包图主题2" id="{50CFA792-C506-47E4-B272-6A6183483AB3}" vid="{CC1AE437-2F7F-4319-9F22-408F5F8C346F}"/>
+      <thm15:themeFamily xmlns="" xmlns:thm15="http://schemas.microsoft.com/office/thememl/2012/main" name="包图主题2" id="{50CFA792-C506-47E4-B272-6A6183483AB3}" vid="{CC1AE437-2F7F-4319-9F22-408F5F8C346F}"/>
     </a:ext>
   </a:extLst>
 </a:theme>
@@ -10330,7 +10376,7 @@
         <a:sysClr val="windowText" lastClr="000000"/>
       </a:dk1>
       <a:lt1>
-        <a:sysClr val="window" lastClr="C7EDCC"/>
+        <a:sysClr val="window" lastClr="CAEACE"/>
       </a:lt1>
       <a:dk2>
         <a:srgbClr val="44546A"/>
@@ -10577,7 +10623,7 @@
   <a:extraClrSchemeLst/>
   <a:extLst>
     <a:ext uri="{05A4C25C-085E-4340-85A3-A5531E510DB2}">
-      <thm15:themeFamily xmlns:thm15="http://schemas.microsoft.com/office/thememl/2012/main" xmlns="" name="Office Theme" id="{62F939B6-93AF-4DB8-9C6B-D6C7DFDC589F}" vid="{4A3C46E8-61CC-4603-A589-7422A47A8E4A}"/>
+      <thm15:themeFamily xmlns="" xmlns:thm15="http://schemas.microsoft.com/office/thememl/2012/main" name="Office Theme" id="{62F939B6-93AF-4DB8-9C6B-D6C7DFDC589F}" vid="{4A3C46E8-61CC-4603-A589-7422A47A8E4A}"/>
     </a:ext>
   </a:extLst>
 </a:theme>
